--- a/module03/src/slides-and-speaker-notes-03.pptx
+++ b/module03/src/slides-and-speaker-notes-03.pptx
@@ -5,12 +5,18 @@
     <p:sldMasterId id="2147483648" r:id="rId1"/>
   </p:sldMasterIdLst>
   <p:notesMasterIdLst>
-    <p:NotesMasterId r:id="rId5"/>
+    <p:NotesMasterId r:id="rId11"/>
   </p:notesMasterIdLst>
   <p:sldIdLst>
     <p:sldId id="256" r:id="rId2"/>
     <p:sldId id="257" r:id="rId3"/>
     <p:sldId id="258" r:id="rId4"/>
+    <p:sldId id="259" r:id="rId5"/>
+    <p:sldId id="260" r:id="rId6"/>
+    <p:sldId id="261" r:id="rId7"/>
+    <p:sldId id="262" r:id="rId8"/>
+    <p:sldId id="263" r:id="rId9"/>
+    <p:sldId id="264" r:id="rId10"/>
   </p:sldIdLst>
   <p:sldSz cx="9144000" cy="6858000" type="screen4x3"/>
   <p:notesSz cx="6858000" cy="9144000"/>
@@ -522,17 +528,188 @@
           <a:bodyPr/>
           <a:lstStyle/>
           <a:p>
-            <a:pPr lvl="0" marL="1270000" indent="0">
+            <a:pPr lvl="0" marL="0" indent="0">
               <a:buNone/>
             </a:pPr>
             <a:r>
-              <a:rPr sz="1800">
-                <a:latin typeface="Courier"/>
-              </a:rPr>
-              <a:t>* test.sas
-  written by Steve Simon
-  2020-09-25;
-options papersize=(8in 4in) nodate;</a:t>
+              <a:rPr/>
+              <a:t>Here</a:t>
+            </a:r>
+            <a:r>
+              <a:rPr/>
+              <a:t> </a:t>
+            </a:r>
+            <a:r>
+              <a:rPr/>
+              <a:t>is</a:t>
+            </a:r>
+            <a:r>
+              <a:rPr/>
+              <a:t> </a:t>
+            </a:r>
+            <a:r>
+              <a:rPr/>
+              <a:t>a</a:t>
+            </a:r>
+            <a:r>
+              <a:rPr/>
+              <a:t> </a:t>
+            </a:r>
+            <a:r>
+              <a:rPr/>
+              <a:t>simple</a:t>
+            </a:r>
+            <a:r>
+              <a:rPr/>
+              <a:t> </a:t>
+            </a:r>
+            <a:r>
+              <a:rPr/>
+              <a:t>program</a:t>
+            </a:r>
+            <a:r>
+              <a:rPr/>
+              <a:t> </a:t>
+            </a:r>
+            <a:r>
+              <a:rPr/>
+              <a:t>to</a:t>
+            </a:r>
+            <a:r>
+              <a:rPr/>
+              <a:t> </a:t>
+            </a:r>
+            <a:r>
+              <a:rPr/>
+              <a:t>read</a:t>
+            </a:r>
+            <a:r>
+              <a:rPr/>
+              <a:t> </a:t>
+            </a:r>
+            <a:r>
+              <a:rPr/>
+              <a:t>in</a:t>
+            </a:r>
+            <a:r>
+              <a:rPr/>
+              <a:t> </a:t>
+            </a:r>
+            <a:r>
+              <a:rPr/>
+              <a:t>data.</a:t>
+            </a:r>
+            <a:r>
+              <a:rPr/>
+              <a:t> </a:t>
+            </a:r>
+            <a:r>
+              <a:rPr/>
+              <a:t>You</a:t>
+            </a:r>
+            <a:r>
+              <a:rPr/>
+              <a:t> </a:t>
+            </a:r>
+            <a:r>
+              <a:rPr/>
+              <a:t>already</a:t>
+            </a:r>
+            <a:r>
+              <a:rPr/>
+              <a:t> </a:t>
+            </a:r>
+            <a:r>
+              <a:rPr/>
+              <a:t>know</a:t>
+            </a:r>
+            <a:r>
+              <a:rPr/>
+              <a:t> </a:t>
+            </a:r>
+            <a:r>
+              <a:rPr/>
+              <a:t>how</a:t>
+            </a:r>
+            <a:r>
+              <a:rPr/>
+              <a:t> </a:t>
+            </a:r>
+            <a:r>
+              <a:rPr/>
+              <a:t>to</a:t>
+            </a:r>
+            <a:r>
+              <a:rPr/>
+              <a:t> </a:t>
+            </a:r>
+            <a:r>
+              <a:rPr/>
+              <a:t>do</a:t>
+            </a:r>
+            <a:r>
+              <a:rPr/>
+              <a:t> </a:t>
+            </a:r>
+            <a:r>
+              <a:rPr/>
+              <a:t>this,</a:t>
+            </a:r>
+            <a:r>
+              <a:rPr/>
+              <a:t> </a:t>
+            </a:r>
+            <a:r>
+              <a:rPr/>
+              <a:t>but</a:t>
+            </a:r>
+            <a:r>
+              <a:rPr/>
+              <a:t> </a:t>
+            </a:r>
+            <a:r>
+              <a:rPr/>
+              <a:t>it</a:t>
+            </a:r>
+            <a:r>
+              <a:rPr/>
+              <a:t> </a:t>
+            </a:r>
+            <a:r>
+              <a:rPr/>
+              <a:t>doesn’t</a:t>
+            </a:r>
+            <a:r>
+              <a:rPr/>
+              <a:t> </a:t>
+            </a:r>
+            <a:r>
+              <a:rPr/>
+              <a:t>hurt</a:t>
+            </a:r>
+            <a:r>
+              <a:rPr/>
+              <a:t> </a:t>
+            </a:r>
+            <a:r>
+              <a:rPr/>
+              <a:t>to</a:t>
+            </a:r>
+            <a:r>
+              <a:rPr/>
+              <a:t> </a:t>
+            </a:r>
+            <a:r>
+              <a:rPr/>
+              <a:t>review</a:t>
+            </a:r>
+            <a:r>
+              <a:rPr/>
+              <a:t> </a:t>
+            </a:r>
+            <a:r>
+              <a:rPr/>
+              <a:t>things.</a:t>
             </a:r>
           </a:p>
         </p:txBody>
@@ -555,6 +732,7502 @@
             <a:fld id="{18BDFEC3-8487-43E8-A154-7C12CBC1FFF2}" type="slidenum">
               <a:rPr lang="en-US"/>
               <a:t>2</a:t>
+            </a:fld>
+            <a:endParaRPr lang="en-US"/>
+          </a:p>
+        </p:txBody>
+      </p:sp>
+    </p:spTree>
+  </p:cSld>
+</p:notes>
+</file>
+
+<file path=ppt/notesSlides/notesSlide2.xml><?xml version="1.0" encoding="utf-8"?>
+<p:notes xmlns:a="http://schemas.openxmlformats.org/drawingml/2006/main" xmlns:r="http://schemas.openxmlformats.org/officeDocument/2006/relationships" xmlns:p="http://schemas.openxmlformats.org/presentationml/2006/main">
+  <p:cSld>
+    <p:spTree>
+      <p:nvGrpSpPr>
+        <p:cNvPr id="1" name=""/>
+        <p:cNvGrpSpPr/>
+        <p:nvPr/>
+      </p:nvGrpSpPr>
+      <p:grpSpPr>
+        <a:xfrm>
+          <a:off x="0" y="0"/>
+          <a:ext cx="0" cy="0"/>
+          <a:chOff x="0" y="0"/>
+          <a:chExt cx="0" cy="0"/>
+        </a:xfrm>
+      </p:grpSpPr>
+      <p:sp>
+        <p:nvSpPr>
+          <p:cNvPr id="2" name="Slide Image Placeholder 1"/>
+          <p:cNvSpPr>
+            <a:spLocks noGrp="1" noRot="1" noChangeAspect="1"/>
+          </p:cNvSpPr>
+          <p:nvPr>
+            <p:ph type="sldImg"/>
+          </p:nvPr>
+        </p:nvSpPr>
+        <p:spPr/>
+      </p:sp>
+      <p:sp>
+        <p:nvSpPr>
+          <p:cNvPr id="3" name="Notes Placeholder 2"/>
+          <p:cNvSpPr>
+            <a:spLocks noGrp="1"/>
+          </p:cNvSpPr>
+          <p:nvPr>
+            <p:ph type="body" idx="1"/>
+          </p:nvPr>
+        </p:nvSpPr>
+        <p:spPr/>
+        <p:txBody>
+          <a:bodyPr/>
+          <a:lstStyle/>
+          <a:p>
+            <a:pPr lvl="0" marL="0" indent="0">
+              <a:buNone/>
+            </a:pPr>
+            <a:r>
+              <a:rPr/>
+              <a:t>Before</a:t>
+            </a:r>
+            <a:r>
+              <a:rPr/>
+              <a:t> </a:t>
+            </a:r>
+            <a:r>
+              <a:rPr/>
+              <a:t>you</a:t>
+            </a:r>
+            <a:r>
+              <a:rPr/>
+              <a:t> </a:t>
+            </a:r>
+            <a:r>
+              <a:rPr/>
+              <a:t>start</a:t>
+            </a:r>
+            <a:r>
+              <a:rPr/>
+              <a:t> </a:t>
+            </a:r>
+            <a:r>
+              <a:rPr/>
+              <a:t>any</a:t>
+            </a:r>
+            <a:r>
+              <a:rPr/>
+              <a:t> </a:t>
+            </a:r>
+            <a:r>
+              <a:rPr/>
+              <a:t>serious</a:t>
+            </a:r>
+            <a:r>
+              <a:rPr/>
+              <a:t> </a:t>
+            </a:r>
+            <a:r>
+              <a:rPr/>
+              <a:t>SAS</a:t>
+            </a:r>
+            <a:r>
+              <a:rPr/>
+              <a:t> </a:t>
+            </a:r>
+            <a:r>
+              <a:rPr/>
+              <a:t>programming,</a:t>
+            </a:r>
+            <a:r>
+              <a:rPr/>
+              <a:t> </a:t>
+            </a:r>
+            <a:r>
+              <a:rPr/>
+              <a:t>tell</a:t>
+            </a:r>
+            <a:r>
+              <a:rPr/>
+              <a:t> </a:t>
+            </a:r>
+            <a:r>
+              <a:rPr/>
+              <a:t>SAS</a:t>
+            </a:r>
+            <a:r>
+              <a:rPr/>
+              <a:t> </a:t>
+            </a:r>
+            <a:r>
+              <a:rPr/>
+              <a:t>where</a:t>
+            </a:r>
+            <a:r>
+              <a:rPr/>
+              <a:t> </a:t>
+            </a:r>
+            <a:r>
+              <a:rPr/>
+              <a:t>everything</a:t>
+            </a:r>
+            <a:r>
+              <a:rPr/>
+              <a:t> </a:t>
+            </a:r>
+            <a:r>
+              <a:rPr/>
+              <a:t>belongs</a:t>
+            </a:r>
+          </a:p>
+          <a:p>
+            <a:pPr lvl="0" marL="0" indent="0">
+              <a:buNone/>
+            </a:pPr>
+          </a:p>
+          <a:p>
+            <a:pPr lvl="0" marL="0" indent="0">
+              <a:buNone/>
+            </a:pPr>
+            <a:r>
+              <a:rPr/>
+              <a:t>The</a:t>
+            </a:r>
+            <a:r>
+              <a:rPr/>
+              <a:t> </a:t>
+            </a:r>
+            <a:r>
+              <a:rPr/>
+              <a:t>filename</a:t>
+            </a:r>
+            <a:r>
+              <a:rPr/>
+              <a:t> </a:t>
+            </a:r>
+            <a:r>
+              <a:rPr/>
+              <a:t>statement</a:t>
+            </a:r>
+            <a:r>
+              <a:rPr/>
+              <a:t> </a:t>
+            </a:r>
+            <a:r>
+              <a:rPr/>
+              <a:t>tells</a:t>
+            </a:r>
+            <a:r>
+              <a:rPr/>
+              <a:t> </a:t>
+            </a:r>
+            <a:r>
+              <a:rPr/>
+              <a:t>SAS</a:t>
+            </a:r>
+            <a:r>
+              <a:rPr/>
+              <a:t> </a:t>
+            </a:r>
+            <a:r>
+              <a:rPr/>
+              <a:t>where</a:t>
+            </a:r>
+            <a:r>
+              <a:rPr/>
+              <a:t> </a:t>
+            </a:r>
+            <a:r>
+              <a:rPr/>
+              <a:t>you</a:t>
+            </a:r>
+            <a:r>
+              <a:rPr/>
+              <a:t> </a:t>
+            </a:r>
+            <a:r>
+              <a:rPr/>
+              <a:t>have</a:t>
+            </a:r>
+            <a:r>
+              <a:rPr/>
+              <a:t> </a:t>
+            </a:r>
+            <a:r>
+              <a:rPr/>
+              <a:t>placed</a:t>
+            </a:r>
+            <a:r>
+              <a:rPr/>
+              <a:t> </a:t>
+            </a:r>
+            <a:r>
+              <a:rPr/>
+              <a:t>your</a:t>
+            </a:r>
+            <a:r>
+              <a:rPr/>
+              <a:t> </a:t>
+            </a:r>
+            <a:r>
+              <a:rPr/>
+              <a:t>raw</a:t>
+            </a:r>
+            <a:r>
+              <a:rPr/>
+              <a:t> </a:t>
+            </a:r>
+            <a:r>
+              <a:rPr/>
+              <a:t>data</a:t>
+            </a:r>
+            <a:r>
+              <a:rPr/>
+              <a:t> </a:t>
+            </a:r>
+            <a:r>
+              <a:rPr/>
+              <a:t>file.</a:t>
+            </a:r>
+          </a:p>
+          <a:p>
+            <a:pPr lvl="0" marL="0" indent="0">
+              <a:buNone/>
+            </a:pPr>
+          </a:p>
+          <a:p>
+            <a:pPr lvl="0" marL="0" indent="0">
+              <a:buNone/>
+            </a:pPr>
+            <a:r>
+              <a:rPr/>
+              <a:t>The</a:t>
+            </a:r>
+            <a:r>
+              <a:rPr/>
+              <a:t> </a:t>
+            </a:r>
+            <a:r>
+              <a:rPr/>
+              <a:t>libname</a:t>
+            </a:r>
+            <a:r>
+              <a:rPr/>
+              <a:t> </a:t>
+            </a:r>
+            <a:r>
+              <a:rPr/>
+              <a:t>statement</a:t>
+            </a:r>
+            <a:r>
+              <a:rPr/>
+              <a:t> </a:t>
+            </a:r>
+            <a:r>
+              <a:rPr/>
+              <a:t>tells</a:t>
+            </a:r>
+            <a:r>
+              <a:rPr/>
+              <a:t> </a:t>
+            </a:r>
+            <a:r>
+              <a:rPr/>
+              <a:t>SAS</a:t>
+            </a:r>
+            <a:r>
+              <a:rPr/>
+              <a:t> </a:t>
+            </a:r>
+            <a:r>
+              <a:rPr/>
+              <a:t>where</a:t>
+            </a:r>
+            <a:r>
+              <a:rPr/>
+              <a:t> </a:t>
+            </a:r>
+            <a:r>
+              <a:rPr/>
+              <a:t>you</a:t>
+            </a:r>
+            <a:r>
+              <a:rPr/>
+              <a:t> </a:t>
+            </a:r>
+            <a:r>
+              <a:rPr/>
+              <a:t>want</a:t>
+            </a:r>
+            <a:r>
+              <a:rPr/>
+              <a:t> </a:t>
+            </a:r>
+            <a:r>
+              <a:rPr/>
+              <a:t>it</a:t>
+            </a:r>
+            <a:r>
+              <a:rPr/>
+              <a:t> </a:t>
+            </a:r>
+            <a:r>
+              <a:rPr/>
+              <a:t>to</a:t>
+            </a:r>
+            <a:r>
+              <a:rPr/>
+              <a:t> </a:t>
+            </a:r>
+            <a:r>
+              <a:rPr/>
+              <a:t>place</a:t>
+            </a:r>
+            <a:r>
+              <a:rPr/>
+              <a:t> </a:t>
+            </a:r>
+            <a:r>
+              <a:rPr/>
+              <a:t>any</a:t>
+            </a:r>
+            <a:r>
+              <a:rPr/>
+              <a:t> </a:t>
+            </a:r>
+            <a:r>
+              <a:rPr/>
+              <a:t>permanent</a:t>
+            </a:r>
+            <a:r>
+              <a:rPr/>
+              <a:t> </a:t>
+            </a:r>
+            <a:r>
+              <a:rPr/>
+              <a:t>SAS</a:t>
+            </a:r>
+            <a:r>
+              <a:rPr/>
+              <a:t> </a:t>
+            </a:r>
+            <a:r>
+              <a:rPr/>
+              <a:t>data</a:t>
+            </a:r>
+            <a:r>
+              <a:rPr/>
+              <a:t> </a:t>
+            </a:r>
+            <a:r>
+              <a:rPr/>
+              <a:t>files</a:t>
+            </a:r>
+            <a:r>
+              <a:rPr/>
+              <a:t> </a:t>
+            </a:r>
+            <a:r>
+              <a:rPr/>
+              <a:t>;</a:t>
+            </a:r>
+          </a:p>
+          <a:p>
+            <a:pPr lvl="0" marL="0" indent="0">
+              <a:buNone/>
+            </a:pPr>
+          </a:p>
+          <a:p>
+            <a:pPr lvl="0" marL="0" indent="0">
+              <a:buNone/>
+            </a:pPr>
+            <a:r>
+              <a:rPr/>
+              <a:t>The</a:t>
+            </a:r>
+            <a:r>
+              <a:rPr/>
+              <a:t> </a:t>
+            </a:r>
+            <a:r>
+              <a:rPr/>
+              <a:t>ods</a:t>
+            </a:r>
+            <a:r>
+              <a:rPr/>
+              <a:t> </a:t>
+            </a:r>
+            <a:r>
+              <a:rPr/>
+              <a:t>statement</a:t>
+            </a:r>
+            <a:r>
+              <a:rPr/>
+              <a:t> </a:t>
+            </a:r>
+            <a:r>
+              <a:rPr/>
+              <a:t>tells</a:t>
+            </a:r>
+            <a:r>
+              <a:rPr/>
+              <a:t> </a:t>
+            </a:r>
+            <a:r>
+              <a:rPr/>
+              <a:t>SAS</a:t>
+            </a:r>
+            <a:r>
+              <a:rPr/>
+              <a:t> </a:t>
+            </a:r>
+            <a:r>
+              <a:rPr/>
+              <a:t>where</a:t>
+            </a:r>
+            <a:r>
+              <a:rPr/>
+              <a:t> </a:t>
+            </a:r>
+            <a:r>
+              <a:rPr/>
+              <a:t>to</a:t>
+            </a:r>
+            <a:r>
+              <a:rPr/>
+              <a:t> </a:t>
+            </a:r>
+            <a:r>
+              <a:rPr/>
+              <a:t>store</a:t>
+            </a:r>
+            <a:r>
+              <a:rPr/>
+              <a:t> </a:t>
+            </a:r>
+            <a:r>
+              <a:rPr/>
+              <a:t>your</a:t>
+            </a:r>
+            <a:r>
+              <a:rPr/>
+              <a:t> </a:t>
+            </a:r>
+            <a:r>
+              <a:rPr/>
+              <a:t>output</a:t>
+            </a:r>
+            <a:r>
+              <a:rPr/>
+              <a:t> </a:t>
+            </a:r>
+            <a:r>
+              <a:rPr/>
+              <a:t>and</a:t>
+            </a:r>
+            <a:r>
+              <a:rPr/>
+              <a:t> </a:t>
+            </a:r>
+            <a:r>
+              <a:rPr/>
+              <a:t>in</a:t>
+            </a:r>
+            <a:r>
+              <a:rPr/>
+              <a:t> </a:t>
+            </a:r>
+            <a:r>
+              <a:rPr/>
+              <a:t>what</a:t>
+            </a:r>
+            <a:r>
+              <a:rPr/>
+              <a:t> </a:t>
+            </a:r>
+            <a:r>
+              <a:rPr/>
+              <a:t>format.</a:t>
+            </a:r>
+          </a:p>
+          <a:p>
+            <a:pPr lvl="0" marL="0" indent="0">
+              <a:buNone/>
+            </a:pPr>
+          </a:p>
+          <a:p>
+            <a:pPr lvl="0" marL="0" indent="0">
+              <a:buNone/>
+            </a:pPr>
+            <a:r>
+              <a:rPr/>
+              <a:t>I</a:t>
+            </a:r>
+            <a:r>
+              <a:rPr/>
+              <a:t> </a:t>
+            </a:r>
+            <a:r>
+              <a:rPr/>
+              <a:t>am</a:t>
+            </a:r>
+            <a:r>
+              <a:rPr/>
+              <a:t> </a:t>
+            </a:r>
+            <a:r>
+              <a:rPr/>
+              <a:t>printing</a:t>
+            </a:r>
+            <a:r>
+              <a:rPr/>
+              <a:t> </a:t>
+            </a:r>
+            <a:r>
+              <a:rPr/>
+              <a:t>to</a:t>
+            </a:r>
+            <a:r>
+              <a:rPr/>
+              <a:t> </a:t>
+            </a:r>
+            <a:r>
+              <a:rPr/>
+              <a:t>a</a:t>
+            </a:r>
+            <a:r>
+              <a:rPr/>
+              <a:t> </a:t>
+            </a:r>
+            <a:r>
+              <a:rPr/>
+              <a:t>png</a:t>
+            </a:r>
+            <a:r>
+              <a:rPr/>
+              <a:t> </a:t>
+            </a:r>
+            <a:r>
+              <a:rPr/>
+              <a:t>file</a:t>
+            </a:r>
+            <a:r>
+              <a:rPr/>
+              <a:t> </a:t>
+            </a:r>
+            <a:r>
+              <a:rPr/>
+              <a:t>to</a:t>
+            </a:r>
+            <a:r>
+              <a:rPr/>
+              <a:t> </a:t>
+            </a:r>
+            <a:r>
+              <a:rPr/>
+              <a:t>make</a:t>
+            </a:r>
+            <a:r>
+              <a:rPr/>
+              <a:t> </a:t>
+            </a:r>
+            <a:r>
+              <a:rPr/>
+              <a:t>it</a:t>
+            </a:r>
+            <a:r>
+              <a:rPr/>
+              <a:t> </a:t>
+            </a:r>
+            <a:r>
+              <a:rPr/>
+              <a:t>easier</a:t>
+            </a:r>
+            <a:r>
+              <a:rPr/>
+              <a:t> </a:t>
+            </a:r>
+            <a:r>
+              <a:rPr/>
+              <a:t>to</a:t>
+            </a:r>
+            <a:r>
+              <a:rPr/>
+              <a:t> </a:t>
+            </a:r>
+            <a:r>
+              <a:rPr/>
+              <a:t>include</a:t>
+            </a:r>
+            <a:r>
+              <a:rPr/>
+              <a:t> </a:t>
+            </a:r>
+            <a:r>
+              <a:rPr/>
+              <a:t>the</a:t>
+            </a:r>
+            <a:r>
+              <a:rPr/>
+              <a:t> </a:t>
+            </a:r>
+            <a:r>
+              <a:rPr/>
+              <a:t>output</a:t>
+            </a:r>
+            <a:r>
+              <a:rPr/>
+              <a:t> </a:t>
+            </a:r>
+            <a:r>
+              <a:rPr/>
+              <a:t>in</a:t>
+            </a:r>
+            <a:r>
+              <a:rPr/>
+              <a:t> </a:t>
+            </a:r>
+            <a:r>
+              <a:rPr/>
+              <a:t>my</a:t>
+            </a:r>
+            <a:r>
+              <a:rPr/>
+              <a:t> </a:t>
+            </a:r>
+            <a:r>
+              <a:rPr/>
+              <a:t>Powerpoint</a:t>
+            </a:r>
+            <a:r>
+              <a:rPr/>
+              <a:t> </a:t>
+            </a:r>
+            <a:r>
+              <a:rPr/>
+              <a:t>presentation.</a:t>
+            </a:r>
+            <a:r>
+              <a:rPr/>
+              <a:t> </a:t>
+            </a:r>
+            <a:r>
+              <a:rPr/>
+              <a:t>You</a:t>
+            </a:r>
+            <a:r>
+              <a:rPr/>
+              <a:t> </a:t>
+            </a:r>
+            <a:r>
+              <a:rPr/>
+              <a:t>should</a:t>
+            </a:r>
+            <a:r>
+              <a:rPr/>
+              <a:t> </a:t>
+            </a:r>
+            <a:r>
+              <a:rPr/>
+              <a:t>print</a:t>
+            </a:r>
+            <a:r>
+              <a:rPr/>
+              <a:t> </a:t>
+            </a:r>
+            <a:r>
+              <a:rPr/>
+              <a:t>to</a:t>
+            </a:r>
+            <a:r>
+              <a:rPr/>
+              <a:t> </a:t>
+            </a:r>
+            <a:r>
+              <a:rPr/>
+              <a:t>a</a:t>
+            </a:r>
+            <a:r>
+              <a:rPr/>
+              <a:t> </a:t>
+            </a:r>
+            <a:r>
+              <a:rPr/>
+              <a:t>pdf</a:t>
+            </a:r>
+            <a:r>
+              <a:rPr/>
+              <a:t> </a:t>
+            </a:r>
+            <a:r>
+              <a:rPr/>
+              <a:t>file.</a:t>
+            </a:r>
+          </a:p>
+          <a:p>
+            <a:pPr lvl="0" marL="0" indent="0">
+              <a:buNone/>
+            </a:pPr>
+          </a:p>
+          <a:p>
+            <a:pPr lvl="0" marL="0" indent="0">
+              <a:buNone/>
+            </a:pPr>
+            <a:r>
+              <a:rPr/>
+              <a:t>VERY</a:t>
+            </a:r>
+            <a:r>
+              <a:rPr/>
+              <a:t> </a:t>
+            </a:r>
+            <a:r>
+              <a:rPr/>
+              <a:t>IMPORTANT!</a:t>
+            </a:r>
+            <a:r>
+              <a:rPr/>
+              <a:t> </a:t>
+            </a:r>
+            <a:r>
+              <a:rPr/>
+              <a:t>You</a:t>
+            </a:r>
+            <a:r>
+              <a:rPr/>
+              <a:t> </a:t>
+            </a:r>
+            <a:r>
+              <a:rPr/>
+              <a:t>need</a:t>
+            </a:r>
+            <a:r>
+              <a:rPr/>
+              <a:t> </a:t>
+            </a:r>
+            <a:r>
+              <a:rPr/>
+              <a:t>to</a:t>
+            </a:r>
+            <a:r>
+              <a:rPr/>
+              <a:t> </a:t>
+            </a:r>
+            <a:r>
+              <a:rPr/>
+              <a:t>turn</a:t>
+            </a:r>
+            <a:r>
+              <a:rPr/>
+              <a:t> </a:t>
+            </a:r>
+            <a:r>
+              <a:rPr/>
+              <a:t>off</a:t>
+            </a:r>
+            <a:r>
+              <a:rPr/>
+              <a:t> </a:t>
+            </a:r>
+            <a:r>
+              <a:rPr/>
+              <a:t>ODS</a:t>
+            </a:r>
+            <a:r>
+              <a:rPr/>
+              <a:t> </a:t>
+            </a:r>
+            <a:r>
+              <a:rPr/>
+              <a:t>at</a:t>
+            </a:r>
+            <a:r>
+              <a:rPr/>
+              <a:t> </a:t>
+            </a:r>
+            <a:r>
+              <a:rPr/>
+              <a:t>the</a:t>
+            </a:r>
+            <a:r>
+              <a:rPr/>
+              <a:t> </a:t>
+            </a:r>
+            <a:r>
+              <a:rPr/>
+              <a:t>completion</a:t>
+            </a:r>
+            <a:r>
+              <a:rPr/>
+              <a:t> </a:t>
+            </a:r>
+            <a:r>
+              <a:rPr/>
+              <a:t>of</a:t>
+            </a:r>
+            <a:r>
+              <a:rPr/>
+              <a:t> </a:t>
+            </a:r>
+            <a:r>
+              <a:rPr/>
+              <a:t>your</a:t>
+            </a:r>
+            <a:r>
+              <a:rPr/>
+              <a:t> </a:t>
+            </a:r>
+            <a:r>
+              <a:rPr/>
+              <a:t>program</a:t>
+            </a:r>
+            <a:r>
+              <a:rPr/>
+              <a:t> </a:t>
+            </a:r>
+            <a:r>
+              <a:rPr/>
+              <a:t>or</a:t>
+            </a:r>
+            <a:r>
+              <a:rPr/>
+              <a:t> </a:t>
+            </a:r>
+            <a:r>
+              <a:rPr/>
+              <a:t>none</a:t>
+            </a:r>
+            <a:r>
+              <a:rPr/>
+              <a:t> </a:t>
+            </a:r>
+            <a:r>
+              <a:rPr/>
+              <a:t>of</a:t>
+            </a:r>
+            <a:r>
+              <a:rPr/>
+              <a:t> </a:t>
+            </a:r>
+            <a:r>
+              <a:rPr/>
+              <a:t>the</a:t>
+            </a:r>
+            <a:r>
+              <a:rPr/>
+              <a:t> </a:t>
+            </a:r>
+            <a:r>
+              <a:rPr/>
+              <a:t>output</a:t>
+            </a:r>
+            <a:r>
+              <a:rPr/>
+              <a:t> </a:t>
+            </a:r>
+            <a:r>
+              <a:rPr/>
+              <a:t>gets</a:t>
+            </a:r>
+            <a:r>
+              <a:rPr/>
+              <a:t> </a:t>
+            </a:r>
+            <a:r>
+              <a:rPr/>
+              <a:t>saved.</a:t>
+            </a:r>
+          </a:p>
+          <a:p>
+            <a:pPr lvl="0" marL="0" indent="0">
+              <a:buNone/>
+            </a:pPr>
+          </a:p>
+          <a:p>
+            <a:pPr lvl="0" marL="0" indent="0">
+              <a:buNone/>
+            </a:pPr>
+            <a:r>
+              <a:rPr/>
+              <a:t>You</a:t>
+            </a:r>
+            <a:r>
+              <a:rPr/>
+              <a:t> </a:t>
+            </a:r>
+            <a:r>
+              <a:rPr/>
+              <a:t>can</a:t>
+            </a:r>
+            <a:r>
+              <a:rPr/>
+              <a:t> </a:t>
+            </a:r>
+            <a:r>
+              <a:rPr/>
+              <a:t>view</a:t>
+            </a:r>
+            <a:r>
+              <a:rPr/>
+              <a:t> </a:t>
+            </a:r>
+            <a:r>
+              <a:rPr/>
+              <a:t>the</a:t>
+            </a:r>
+            <a:r>
+              <a:rPr/>
+              <a:t> </a:t>
+            </a:r>
+            <a:r>
+              <a:rPr/>
+              <a:t>output</a:t>
+            </a:r>
+            <a:r>
+              <a:rPr/>
+              <a:t> </a:t>
+            </a:r>
+            <a:r>
+              <a:rPr/>
+              <a:t>on</a:t>
+            </a:r>
+            <a:r>
+              <a:rPr/>
+              <a:t> </a:t>
+            </a:r>
+            <a:r>
+              <a:rPr/>
+              <a:t>the</a:t>
+            </a:r>
+            <a:r>
+              <a:rPr/>
+              <a:t> </a:t>
+            </a:r>
+            <a:r>
+              <a:rPr/>
+              <a:t>screen</a:t>
+            </a:r>
+            <a:r>
+              <a:rPr/>
+              <a:t> </a:t>
+            </a:r>
+            <a:r>
+              <a:rPr/>
+              <a:t>and</a:t>
+            </a:r>
+            <a:r>
+              <a:rPr/>
+              <a:t> </a:t>
+            </a:r>
+            <a:r>
+              <a:rPr/>
+              <a:t>then</a:t>
+            </a:r>
+            <a:r>
+              <a:rPr/>
+              <a:t> </a:t>
+            </a:r>
+            <a:r>
+              <a:rPr/>
+              <a:t>save</a:t>
+            </a:r>
+            <a:r>
+              <a:rPr/>
+              <a:t> </a:t>
+            </a:r>
+            <a:r>
+              <a:rPr/>
+              <a:t>the</a:t>
+            </a:r>
+            <a:r>
+              <a:rPr/>
+              <a:t> </a:t>
+            </a:r>
+            <a:r>
+              <a:rPr/>
+              <a:t>output</a:t>
+            </a:r>
+            <a:r>
+              <a:rPr/>
+              <a:t> </a:t>
+            </a:r>
+            <a:r>
+              <a:rPr/>
+              <a:t>manually,</a:t>
+            </a:r>
+            <a:r>
+              <a:rPr/>
+              <a:t> </a:t>
+            </a:r>
+            <a:r>
+              <a:rPr/>
+              <a:t>but</a:t>
+            </a:r>
+            <a:r>
+              <a:rPr/>
+              <a:t> </a:t>
+            </a:r>
+            <a:r>
+              <a:rPr/>
+              <a:t>it</a:t>
+            </a:r>
+            <a:r>
+              <a:rPr/>
+              <a:t> </a:t>
+            </a:r>
+            <a:r>
+              <a:rPr/>
+              <a:t>is</a:t>
+            </a:r>
+            <a:r>
+              <a:rPr/>
+              <a:t> </a:t>
+            </a:r>
+            <a:r>
+              <a:rPr/>
+              <a:t>good</a:t>
+            </a:r>
+            <a:r>
+              <a:rPr/>
+              <a:t> </a:t>
+            </a:r>
+            <a:r>
+              <a:rPr/>
+              <a:t>form</a:t>
+            </a:r>
+            <a:r>
+              <a:rPr/>
+              <a:t> </a:t>
+            </a:r>
+            <a:r>
+              <a:rPr/>
+              <a:t>to</a:t>
+            </a:r>
+            <a:r>
+              <a:rPr/>
+              <a:t> </a:t>
+            </a:r>
+            <a:r>
+              <a:rPr/>
+              <a:t>explicity</a:t>
+            </a:r>
+            <a:r>
+              <a:rPr/>
+              <a:t> </a:t>
+            </a:r>
+            <a:r>
+              <a:rPr/>
+              <a:t>specify</a:t>
+            </a:r>
+            <a:r>
+              <a:rPr/>
+              <a:t> </a:t>
+            </a:r>
+            <a:r>
+              <a:rPr/>
+              <a:t>the</a:t>
+            </a:r>
+            <a:r>
+              <a:rPr/>
+              <a:t> </a:t>
+            </a:r>
+            <a:r>
+              <a:rPr/>
+              <a:t>location</a:t>
+            </a:r>
+            <a:r>
+              <a:rPr/>
+              <a:t> </a:t>
+            </a:r>
+            <a:r>
+              <a:rPr/>
+              <a:t>of</a:t>
+            </a:r>
+            <a:r>
+              <a:rPr/>
+              <a:t> </a:t>
+            </a:r>
+            <a:r>
+              <a:rPr/>
+              <a:t>output</a:t>
+            </a:r>
+            <a:r>
+              <a:rPr/>
+              <a:t> </a:t>
+            </a:r>
+            <a:r>
+              <a:rPr/>
+              <a:t>in</a:t>
+            </a:r>
+            <a:r>
+              <a:rPr/>
+              <a:t> </a:t>
+            </a:r>
+            <a:r>
+              <a:rPr/>
+              <a:t>your</a:t>
+            </a:r>
+            <a:r>
+              <a:rPr/>
+              <a:t> </a:t>
+            </a:r>
+            <a:r>
+              <a:rPr/>
+              <a:t>program</a:t>
+            </a:r>
+          </a:p>
+        </p:txBody>
+      </p:sp>
+      <p:sp>
+        <p:nvSpPr>
+          <p:cNvPr id="4" name="Slide Number Placeholder 3"/>
+          <p:cNvSpPr>
+            <a:spLocks noGrp="1"/>
+          </p:cNvSpPr>
+          <p:nvPr>
+            <p:ph type="sldNum" sz="quarter" idx="10"/>
+          </p:nvPr>
+        </p:nvSpPr>
+        <p:spPr/>
+        <p:txBody>
+          <a:bodyPr/>
+          <a:lstStyle/>
+          <a:p>
+            <a:fld id="{18BDFEC3-8487-43E8-A154-7C12CBC1FFF2}" type="slidenum">
+              <a:rPr lang="en-US"/>
+              <a:t>3</a:t>
+            </a:fld>
+            <a:endParaRPr lang="en-US"/>
+          </a:p>
+        </p:txBody>
+      </p:sp>
+    </p:spTree>
+  </p:cSld>
+</p:notes>
+</file>
+
+<file path=ppt/notesSlides/notesSlide3.xml><?xml version="1.0" encoding="utf-8"?>
+<p:notes xmlns:a="http://schemas.openxmlformats.org/drawingml/2006/main" xmlns:r="http://schemas.openxmlformats.org/officeDocument/2006/relationships" xmlns:p="http://schemas.openxmlformats.org/presentationml/2006/main">
+  <p:cSld>
+    <p:spTree>
+      <p:nvGrpSpPr>
+        <p:cNvPr id="1" name=""/>
+        <p:cNvGrpSpPr/>
+        <p:nvPr/>
+      </p:nvGrpSpPr>
+      <p:grpSpPr>
+        <a:xfrm>
+          <a:off x="0" y="0"/>
+          <a:ext cx="0" cy="0"/>
+          <a:chOff x="0" y="0"/>
+          <a:chExt cx="0" cy="0"/>
+        </a:xfrm>
+      </p:grpSpPr>
+      <p:sp>
+        <p:nvSpPr>
+          <p:cNvPr id="2" name="Slide Image Placeholder 1"/>
+          <p:cNvSpPr>
+            <a:spLocks noGrp="1" noRot="1" noChangeAspect="1"/>
+          </p:cNvSpPr>
+          <p:nvPr>
+            <p:ph type="sldImg"/>
+          </p:nvPr>
+        </p:nvSpPr>
+        <p:spPr/>
+      </p:sp>
+      <p:sp>
+        <p:nvSpPr>
+          <p:cNvPr id="3" name="Notes Placeholder 2"/>
+          <p:cNvSpPr>
+            <a:spLocks noGrp="1"/>
+          </p:cNvSpPr>
+          <p:nvPr>
+            <p:ph type="body" idx="1"/>
+          </p:nvPr>
+        </p:nvSpPr>
+        <p:spPr/>
+        <p:txBody>
+          <a:bodyPr/>
+          <a:lstStyle/>
+          <a:p>
+            <a:pPr lvl="0" marL="0" indent="0">
+              <a:buNone/>
+            </a:pPr>
+            <a:r>
+              <a:rPr/>
+              <a:t>The</a:t>
+            </a:r>
+            <a:r>
+              <a:rPr/>
+              <a:t> </a:t>
+            </a:r>
+            <a:r>
+              <a:rPr/>
+              <a:t>data</a:t>
+            </a:r>
+            <a:r>
+              <a:rPr/>
+              <a:t> </a:t>
+            </a:r>
+            <a:r>
+              <a:rPr/>
+              <a:t>statement</a:t>
+            </a:r>
+            <a:r>
+              <a:rPr/>
+              <a:t> </a:t>
+            </a:r>
+            <a:r>
+              <a:rPr/>
+              <a:t>creates</a:t>
+            </a:r>
+            <a:r>
+              <a:rPr/>
+              <a:t> </a:t>
+            </a:r>
+            <a:r>
+              <a:rPr/>
+              <a:t>a</a:t>
+            </a:r>
+            <a:r>
+              <a:rPr/>
+              <a:t> </a:t>
+            </a:r>
+            <a:r>
+              <a:rPr/>
+              <a:t>new</a:t>
+            </a:r>
+            <a:r>
+              <a:rPr/>
+              <a:t> </a:t>
+            </a:r>
+            <a:r>
+              <a:rPr/>
+              <a:t>data</a:t>
+            </a:r>
+            <a:r>
+              <a:rPr/>
+              <a:t> </a:t>
+            </a:r>
+            <a:r>
+              <a:rPr/>
+              <a:t>set.</a:t>
+            </a:r>
+            <a:r>
+              <a:rPr/>
+              <a:t> </a:t>
+            </a:r>
+            <a:r>
+              <a:rPr/>
+              <a:t>If</a:t>
+            </a:r>
+            <a:r>
+              <a:rPr/>
+              <a:t> </a:t>
+            </a:r>
+            <a:r>
+              <a:rPr/>
+              <a:t>you</a:t>
+            </a:r>
+            <a:r>
+              <a:rPr/>
+              <a:t> </a:t>
+            </a:r>
+            <a:r>
+              <a:rPr/>
+              <a:t>want</a:t>
+            </a:r>
+            <a:r>
+              <a:rPr/>
+              <a:t> </a:t>
+            </a:r>
+            <a:r>
+              <a:rPr/>
+              <a:t>a</a:t>
+            </a:r>
+            <a:r>
+              <a:rPr/>
+              <a:t> </a:t>
+            </a:r>
+            <a:r>
+              <a:rPr/>
+              <a:t>permanent</a:t>
+            </a:r>
+            <a:r>
+              <a:rPr/>
+              <a:t> </a:t>
+            </a:r>
+            <a:r>
+              <a:rPr/>
+              <a:t>data</a:t>
+            </a:r>
+            <a:r>
+              <a:rPr/>
+              <a:t> </a:t>
+            </a:r>
+            <a:r>
+              <a:rPr/>
+              <a:t>set,</a:t>
+            </a:r>
+            <a:r>
+              <a:rPr/>
+              <a:t> </a:t>
+            </a:r>
+            <a:r>
+              <a:rPr/>
+              <a:t>specify</a:t>
+            </a:r>
+            <a:r>
+              <a:rPr/>
+              <a:t> </a:t>
+            </a:r>
+            <a:r>
+              <a:rPr/>
+              <a:t>a</a:t>
+            </a:r>
+            <a:r>
+              <a:rPr/>
+              <a:t> </a:t>
+            </a:r>
+            <a:r>
+              <a:rPr/>
+              <a:t>two</a:t>
+            </a:r>
+            <a:r>
+              <a:rPr/>
+              <a:t> </a:t>
+            </a:r>
+            <a:r>
+              <a:rPr/>
+              <a:t>part</a:t>
+            </a:r>
+            <a:r>
+              <a:rPr/>
+              <a:t> </a:t>
+            </a:r>
+            <a:r>
+              <a:rPr/>
+              <a:t>name.</a:t>
+            </a:r>
+            <a:r>
+              <a:rPr/>
+              <a:t> </a:t>
+            </a:r>
+            <a:r>
+              <a:rPr/>
+              <a:t>The</a:t>
+            </a:r>
+            <a:r>
+              <a:rPr/>
+              <a:t> </a:t>
+            </a:r>
+            <a:r>
+              <a:rPr/>
+              <a:t>part</a:t>
+            </a:r>
+            <a:r>
+              <a:rPr/>
+              <a:t> </a:t>
+            </a:r>
+            <a:r>
+              <a:rPr/>
+              <a:t>before</a:t>
+            </a:r>
+            <a:r>
+              <a:rPr/>
+              <a:t> </a:t>
+            </a:r>
+            <a:r>
+              <a:rPr/>
+              <a:t>the</a:t>
+            </a:r>
+            <a:r>
+              <a:rPr/>
+              <a:t> </a:t>
+            </a:r>
+            <a:r>
+              <a:rPr/>
+              <a:t>period</a:t>
+            </a:r>
+            <a:r>
+              <a:rPr/>
+              <a:t> </a:t>
+            </a:r>
+            <a:r>
+              <a:rPr/>
+              <a:t>is</a:t>
+            </a:r>
+            <a:r>
+              <a:rPr/>
+              <a:t> </a:t>
+            </a:r>
+            <a:r>
+              <a:rPr/>
+              <a:t>the</a:t>
+            </a:r>
+            <a:r>
+              <a:rPr/>
+              <a:t> </a:t>
+            </a:r>
+            <a:r>
+              <a:rPr/>
+              <a:t>libname</a:t>
+            </a:r>
+            <a:r>
+              <a:rPr/>
+              <a:t> </a:t>
+            </a:r>
+            <a:r>
+              <a:rPr/>
+              <a:t>and</a:t>
+            </a:r>
+            <a:r>
+              <a:rPr/>
+              <a:t> </a:t>
+            </a:r>
+            <a:r>
+              <a:rPr/>
+              <a:t>tells</a:t>
+            </a:r>
+            <a:r>
+              <a:rPr/>
+              <a:t> </a:t>
+            </a:r>
+            <a:r>
+              <a:rPr/>
+              <a:t>SAS</a:t>
+            </a:r>
+            <a:r>
+              <a:rPr/>
+              <a:t> </a:t>
+            </a:r>
+            <a:r>
+              <a:rPr/>
+              <a:t>where</a:t>
+            </a:r>
+            <a:r>
+              <a:rPr/>
+              <a:t> </a:t>
+            </a:r>
+            <a:r>
+              <a:rPr/>
+              <a:t>to</a:t>
+            </a:r>
+            <a:r>
+              <a:rPr/>
+              <a:t> </a:t>
+            </a:r>
+            <a:r>
+              <a:rPr/>
+              <a:t>store</a:t>
+            </a:r>
+            <a:r>
+              <a:rPr/>
+              <a:t> </a:t>
+            </a:r>
+            <a:r>
+              <a:rPr/>
+              <a:t>your</a:t>
+            </a:r>
+            <a:r>
+              <a:rPr/>
+              <a:t> </a:t>
+            </a:r>
+            <a:r>
+              <a:rPr/>
+              <a:t>file.</a:t>
+            </a:r>
+            <a:r>
+              <a:rPr/>
+              <a:t> </a:t>
+            </a:r>
+            <a:r>
+              <a:rPr/>
+              <a:t>The</a:t>
+            </a:r>
+            <a:r>
+              <a:rPr/>
+              <a:t> </a:t>
+            </a:r>
+            <a:r>
+              <a:rPr/>
+              <a:t>part</a:t>
+            </a:r>
+            <a:r>
+              <a:rPr/>
+              <a:t> </a:t>
+            </a:r>
+            <a:r>
+              <a:rPr/>
+              <a:t>after</a:t>
+            </a:r>
+            <a:r>
+              <a:rPr/>
+              <a:t> </a:t>
+            </a:r>
+            <a:r>
+              <a:rPr/>
+              <a:t>the</a:t>
+            </a:r>
+            <a:r>
+              <a:rPr/>
+              <a:t> </a:t>
+            </a:r>
+            <a:r>
+              <a:rPr/>
+              <a:t>period</a:t>
+            </a:r>
+            <a:r>
+              <a:rPr/>
+              <a:t> </a:t>
+            </a:r>
+            <a:r>
+              <a:rPr/>
+              <a:t>gives</a:t>
+            </a:r>
+            <a:r>
+              <a:rPr/>
+              <a:t> </a:t>
+            </a:r>
+            <a:r>
+              <a:rPr/>
+              <a:t>the</a:t>
+            </a:r>
+            <a:r>
+              <a:rPr/>
+              <a:t> </a:t>
+            </a:r>
+            <a:r>
+              <a:rPr/>
+              <a:t>name</a:t>
+            </a:r>
+            <a:r>
+              <a:rPr/>
+              <a:t> </a:t>
+            </a:r>
+            <a:r>
+              <a:rPr/>
+              <a:t>of</a:t>
+            </a:r>
+            <a:r>
+              <a:rPr/>
+              <a:t> </a:t>
+            </a:r>
+            <a:r>
+              <a:rPr/>
+              <a:t>the</a:t>
+            </a:r>
+            <a:r>
+              <a:rPr/>
+              <a:t> </a:t>
+            </a:r>
+            <a:r>
+              <a:rPr/>
+              <a:t>file.</a:t>
+            </a:r>
+            <a:r>
+              <a:rPr/>
+              <a:t> </a:t>
+            </a:r>
+            <a:r>
+              <a:rPr/>
+              <a:t>By</a:t>
+            </a:r>
+            <a:r>
+              <a:rPr/>
+              <a:t> </a:t>
+            </a:r>
+            <a:r>
+              <a:rPr/>
+              <a:t>default,</a:t>
+            </a:r>
+            <a:r>
+              <a:rPr/>
+              <a:t> </a:t>
+            </a:r>
+            <a:r>
+              <a:rPr/>
+              <a:t>all</a:t>
+            </a:r>
+            <a:r>
+              <a:rPr/>
+              <a:t> </a:t>
+            </a:r>
+            <a:r>
+              <a:rPr/>
+              <a:t>SAS</a:t>
+            </a:r>
+            <a:r>
+              <a:rPr/>
+              <a:t> </a:t>
+            </a:r>
+            <a:r>
+              <a:rPr/>
+              <a:t>files</a:t>
+            </a:r>
+            <a:r>
+              <a:rPr/>
+              <a:t> </a:t>
+            </a:r>
+            <a:r>
+              <a:rPr/>
+              <a:t>use</a:t>
+            </a:r>
+            <a:r>
+              <a:rPr/>
+              <a:t> </a:t>
+            </a:r>
+            <a:r>
+              <a:rPr/>
+              <a:t>the</a:t>
+            </a:r>
+            <a:r>
+              <a:rPr/>
+              <a:t> </a:t>
+            </a:r>
+            <a:r>
+              <a:rPr/>
+              <a:t>extension</a:t>
+            </a:r>
+            <a:r>
+              <a:rPr/>
+              <a:t> </a:t>
+            </a:r>
+            <a:r>
+              <a:rPr/>
+              <a:t>.sas7bdat</a:t>
+            </a:r>
+          </a:p>
+          <a:p>
+            <a:pPr lvl="0" marL="0" indent="0">
+              <a:buNone/>
+            </a:pPr>
+          </a:p>
+          <a:p>
+            <a:pPr lvl="0" marL="0" indent="0">
+              <a:buNone/>
+            </a:pPr>
+            <a:r>
+              <a:rPr/>
+              <a:t>This</a:t>
+            </a:r>
+            <a:r>
+              <a:rPr/>
+              <a:t> </a:t>
+            </a:r>
+            <a:r>
+              <a:rPr/>
+              <a:t>data</a:t>
+            </a:r>
+            <a:r>
+              <a:rPr/>
+              <a:t> </a:t>
+            </a:r>
+            <a:r>
+              <a:rPr/>
+              <a:t>set</a:t>
+            </a:r>
+            <a:r>
+              <a:rPr/>
+              <a:t> </a:t>
+            </a:r>
+            <a:r>
+              <a:rPr/>
+              <a:t>did</a:t>
+            </a:r>
+            <a:r>
+              <a:rPr/>
+              <a:t> </a:t>
+            </a:r>
+            <a:r>
+              <a:rPr/>
+              <a:t>not</a:t>
+            </a:r>
+            <a:r>
+              <a:rPr/>
+              <a:t> </a:t>
+            </a:r>
+            <a:r>
+              <a:rPr/>
+              <a:t>have</a:t>
+            </a:r>
+            <a:r>
+              <a:rPr/>
+              <a:t> </a:t>
+            </a:r>
+            <a:r>
+              <a:rPr/>
+              <a:t>a</a:t>
+            </a:r>
+            <a:r>
+              <a:rPr/>
+              <a:t> </a:t>
+            </a:r>
+            <a:r>
+              <a:rPr/>
+              <a:t>header,</a:t>
+            </a:r>
+            <a:r>
+              <a:rPr/>
+              <a:t> </a:t>
+            </a:r>
+            <a:r>
+              <a:rPr/>
+              <a:t>a</a:t>
+            </a:r>
+            <a:r>
+              <a:rPr/>
+              <a:t> </a:t>
+            </a:r>
+            <a:r>
+              <a:rPr/>
+              <a:t>line</a:t>
+            </a:r>
+            <a:r>
+              <a:rPr/>
+              <a:t> </a:t>
+            </a:r>
+            <a:r>
+              <a:rPr/>
+              <a:t>at</a:t>
+            </a:r>
+            <a:r>
+              <a:rPr/>
+              <a:t> </a:t>
+            </a:r>
+            <a:r>
+              <a:rPr/>
+              <a:t>the</a:t>
+            </a:r>
+            <a:r>
+              <a:rPr/>
+              <a:t> </a:t>
+            </a:r>
+            <a:r>
+              <a:rPr/>
+              <a:t>very</a:t>
+            </a:r>
+            <a:r>
+              <a:rPr/>
+              <a:t> </a:t>
+            </a:r>
+            <a:r>
+              <a:rPr/>
+              <a:t>top</a:t>
+            </a:r>
+            <a:r>
+              <a:rPr/>
+              <a:t> </a:t>
+            </a:r>
+            <a:r>
+              <a:rPr/>
+              <a:t>of</a:t>
+            </a:r>
+            <a:r>
+              <a:rPr/>
+              <a:t> </a:t>
+            </a:r>
+            <a:r>
+              <a:rPr/>
+              <a:t>the</a:t>
+            </a:r>
+            <a:r>
+              <a:rPr/>
+              <a:t> </a:t>
+            </a:r>
+            <a:r>
+              <a:rPr/>
+              <a:t>file</a:t>
+            </a:r>
+            <a:r>
+              <a:rPr/>
+              <a:t> </a:t>
+            </a:r>
+            <a:r>
+              <a:rPr/>
+              <a:t>that</a:t>
+            </a:r>
+            <a:r>
+              <a:rPr/>
+              <a:t> </a:t>
+            </a:r>
+            <a:r>
+              <a:rPr/>
+              <a:t>lists</a:t>
+            </a:r>
+            <a:r>
+              <a:rPr/>
+              <a:t> </a:t>
+            </a:r>
+            <a:r>
+              <a:rPr/>
+              <a:t>variable</a:t>
+            </a:r>
+            <a:r>
+              <a:rPr/>
+              <a:t> </a:t>
+            </a:r>
+            <a:r>
+              <a:rPr/>
+              <a:t>names.</a:t>
+            </a:r>
+            <a:r>
+              <a:rPr/>
+              <a:t> </a:t>
+            </a:r>
+            <a:r>
+              <a:rPr/>
+              <a:t>For</a:t>
+            </a:r>
+            <a:r>
+              <a:rPr/>
+              <a:t> </a:t>
+            </a:r>
+            <a:r>
+              <a:rPr/>
+              <a:t>files</a:t>
+            </a:r>
+            <a:r>
+              <a:rPr/>
+              <a:t> </a:t>
+            </a:r>
+            <a:r>
+              <a:rPr/>
+              <a:t>with</a:t>
+            </a:r>
+            <a:r>
+              <a:rPr/>
+              <a:t> </a:t>
+            </a:r>
+            <a:r>
+              <a:rPr/>
+              <a:t>a</a:t>
+            </a:r>
+            <a:r>
+              <a:rPr/>
+              <a:t> </a:t>
+            </a:r>
+            <a:r>
+              <a:rPr/>
+              <a:t>header,</a:t>
+            </a:r>
+            <a:r>
+              <a:rPr/>
+              <a:t> </a:t>
+            </a:r>
+            <a:r>
+              <a:rPr/>
+              <a:t>you</a:t>
+            </a:r>
+            <a:r>
+              <a:rPr/>
+              <a:t> </a:t>
+            </a:r>
+            <a:r>
+              <a:rPr/>
+              <a:t>should</a:t>
+            </a:r>
+            <a:r>
+              <a:rPr/>
+              <a:t> </a:t>
+            </a:r>
+            <a:r>
+              <a:rPr/>
+              <a:t>consider</a:t>
+            </a:r>
+            <a:r>
+              <a:rPr/>
+              <a:t> </a:t>
+            </a:r>
+            <a:r>
+              <a:rPr/>
+              <a:t>using</a:t>
+            </a:r>
+            <a:r>
+              <a:rPr/>
+              <a:t> </a:t>
+            </a:r>
+            <a:r>
+              <a:rPr/>
+              <a:t>the</a:t>
+            </a:r>
+            <a:r>
+              <a:rPr/>
+              <a:t> </a:t>
+            </a:r>
+            <a:r>
+              <a:rPr/>
+              <a:t>import</a:t>
+            </a:r>
+            <a:r>
+              <a:rPr/>
+              <a:t> </a:t>
+            </a:r>
+            <a:r>
+              <a:rPr/>
+              <a:t>procedure.</a:t>
+            </a:r>
+          </a:p>
+          <a:p>
+            <a:pPr lvl="0" marL="0" indent="0">
+              <a:buNone/>
+            </a:pPr>
+          </a:p>
+          <a:p>
+            <a:pPr lvl="0" marL="0" indent="0">
+              <a:buNone/>
+            </a:pPr>
+            <a:r>
+              <a:rPr/>
+              <a:t>The</a:t>
+            </a:r>
+            <a:r>
+              <a:rPr/>
+              <a:t> </a:t>
+            </a:r>
+            <a:r>
+              <a:rPr/>
+              <a:t>infile</a:t>
+            </a:r>
+            <a:r>
+              <a:rPr/>
+              <a:t> </a:t>
+            </a:r>
+            <a:r>
+              <a:rPr/>
+              <a:t>statement</a:t>
+            </a:r>
+            <a:r>
+              <a:rPr/>
+              <a:t> </a:t>
+            </a:r>
+            <a:r>
+              <a:rPr/>
+              <a:t>tells</a:t>
+            </a:r>
+            <a:r>
+              <a:rPr/>
+              <a:t> </a:t>
+            </a:r>
+            <a:r>
+              <a:rPr/>
+              <a:t>SAS</a:t>
+            </a:r>
+            <a:r>
+              <a:rPr/>
+              <a:t> </a:t>
+            </a:r>
+            <a:r>
+              <a:rPr/>
+              <a:t>where</a:t>
+            </a:r>
+            <a:r>
+              <a:rPr/>
+              <a:t> </a:t>
+            </a:r>
+            <a:r>
+              <a:rPr/>
+              <a:t>to</a:t>
+            </a:r>
+            <a:r>
+              <a:rPr/>
+              <a:t> </a:t>
+            </a:r>
+            <a:r>
+              <a:rPr/>
+              <a:t>find</a:t>
+            </a:r>
+            <a:r>
+              <a:rPr/>
+              <a:t> </a:t>
+            </a:r>
+            <a:r>
+              <a:rPr/>
+              <a:t>the</a:t>
+            </a:r>
+            <a:r>
+              <a:rPr/>
+              <a:t> </a:t>
+            </a:r>
+            <a:r>
+              <a:rPr/>
+              <a:t>raw</a:t>
+            </a:r>
+            <a:r>
+              <a:rPr/>
+              <a:t> </a:t>
+            </a:r>
+            <a:r>
+              <a:rPr/>
+              <a:t>data.</a:t>
+            </a:r>
+            <a:r>
+              <a:rPr/>
+              <a:t> </a:t>
+            </a:r>
+            <a:r>
+              <a:rPr/>
+              <a:t>The</a:t>
+            </a:r>
+            <a:r>
+              <a:rPr/>
+              <a:t> </a:t>
+            </a:r>
+            <a:r>
+              <a:rPr/>
+              <a:t>delimiter</a:t>
+            </a:r>
+            <a:r>
+              <a:rPr/>
+              <a:t> </a:t>
+            </a:r>
+            <a:r>
+              <a:rPr/>
+              <a:t>option</a:t>
+            </a:r>
+            <a:r>
+              <a:rPr/>
+              <a:t> </a:t>
+            </a:r>
+            <a:r>
+              <a:rPr/>
+              <a:t>tells</a:t>
+            </a:r>
+            <a:r>
+              <a:rPr/>
+              <a:t> </a:t>
+            </a:r>
+            <a:r>
+              <a:rPr/>
+              <a:t>SAS</a:t>
+            </a:r>
+            <a:r>
+              <a:rPr/>
+              <a:t> </a:t>
+            </a:r>
+            <a:r>
+              <a:rPr/>
+              <a:t>how</a:t>
+            </a:r>
+            <a:r>
+              <a:rPr/>
+              <a:t> </a:t>
+            </a:r>
+            <a:r>
+              <a:rPr/>
+              <a:t>to</a:t>
+            </a:r>
+            <a:r>
+              <a:rPr/>
+              <a:t> </a:t>
+            </a:r>
+            <a:r>
+              <a:rPr/>
+              <a:t>tell</a:t>
+            </a:r>
+            <a:r>
+              <a:rPr/>
+              <a:t> </a:t>
+            </a:r>
+            <a:r>
+              <a:rPr/>
+              <a:t>when</a:t>
+            </a:r>
+            <a:r>
+              <a:rPr/>
+              <a:t> </a:t>
+            </a:r>
+            <a:r>
+              <a:rPr/>
+              <a:t>one</a:t>
+            </a:r>
+            <a:r>
+              <a:rPr/>
+              <a:t> </a:t>
+            </a:r>
+            <a:r>
+              <a:rPr/>
+              <a:t>number</a:t>
+            </a:r>
+            <a:r>
+              <a:rPr/>
+              <a:t> </a:t>
+            </a:r>
+            <a:r>
+              <a:rPr/>
+              <a:t>stops</a:t>
+            </a:r>
+            <a:r>
+              <a:rPr/>
+              <a:t> </a:t>
+            </a:r>
+            <a:r>
+              <a:rPr/>
+              <a:t>and</a:t>
+            </a:r>
+            <a:r>
+              <a:rPr/>
+              <a:t> </a:t>
+            </a:r>
+            <a:r>
+              <a:rPr/>
+              <a:t>when</a:t>
+            </a:r>
+            <a:r>
+              <a:rPr/>
+              <a:t> </a:t>
+            </a:r>
+            <a:r>
+              <a:rPr/>
+              <a:t>another</a:t>
+            </a:r>
+            <a:r>
+              <a:rPr/>
+              <a:t> </a:t>
+            </a:r>
+            <a:r>
+              <a:rPr/>
+              <a:t>begins.</a:t>
+            </a:r>
+            <a:r>
+              <a:rPr/>
+              <a:t> </a:t>
+            </a:r>
+            <a:r>
+              <a:rPr/>
+              <a:t>In</a:t>
+            </a:r>
+            <a:r>
+              <a:rPr/>
+              <a:t> </a:t>
+            </a:r>
+            <a:r>
+              <a:rPr/>
+              <a:t>this</a:t>
+            </a:r>
+            <a:r>
+              <a:rPr/>
+              <a:t> </a:t>
+            </a:r>
+            <a:r>
+              <a:rPr/>
+              <a:t>example,</a:t>
+            </a:r>
+            <a:r>
+              <a:rPr/>
+              <a:t> </a:t>
+            </a:r>
+            <a:r>
+              <a:rPr/>
+              <a:t>spaces</a:t>
+            </a:r>
+            <a:r>
+              <a:rPr/>
+              <a:t> </a:t>
+            </a:r>
+            <a:r>
+              <a:rPr/>
+              <a:t>are</a:t>
+            </a:r>
+            <a:r>
+              <a:rPr/>
+              <a:t> </a:t>
+            </a:r>
+            <a:r>
+              <a:rPr/>
+              <a:t>delimiters.</a:t>
+            </a:r>
+          </a:p>
+          <a:p>
+            <a:pPr lvl="0" marL="0" indent="0">
+              <a:buNone/>
+            </a:pPr>
+          </a:p>
+          <a:p>
+            <a:pPr lvl="0" marL="0" indent="0">
+              <a:buNone/>
+            </a:pPr>
+            <a:r>
+              <a:rPr/>
+              <a:t>The</a:t>
+            </a:r>
+            <a:r>
+              <a:rPr/>
+              <a:t> </a:t>
+            </a:r>
+            <a:r>
+              <a:rPr/>
+              <a:t>input</a:t>
+            </a:r>
+            <a:r>
+              <a:rPr/>
+              <a:t> </a:t>
+            </a:r>
+            <a:r>
+              <a:rPr/>
+              <a:t>statement</a:t>
+            </a:r>
+            <a:r>
+              <a:rPr/>
+              <a:t> </a:t>
+            </a:r>
+            <a:r>
+              <a:rPr/>
+              <a:t>tells</a:t>
+            </a:r>
+            <a:r>
+              <a:rPr/>
+              <a:t> </a:t>
+            </a:r>
+            <a:r>
+              <a:rPr/>
+              <a:t>SAS</a:t>
+            </a:r>
+            <a:r>
+              <a:rPr/>
+              <a:t> </a:t>
+            </a:r>
+            <a:r>
+              <a:rPr/>
+              <a:t>what</a:t>
+            </a:r>
+            <a:r>
+              <a:rPr/>
+              <a:t> </a:t>
+            </a:r>
+            <a:r>
+              <a:rPr/>
+              <a:t>the</a:t>
+            </a:r>
+            <a:r>
+              <a:rPr/>
+              <a:t> </a:t>
+            </a:r>
+            <a:r>
+              <a:rPr/>
+              <a:t>names</a:t>
+            </a:r>
+            <a:r>
+              <a:rPr/>
+              <a:t> </a:t>
+            </a:r>
+            <a:r>
+              <a:rPr/>
+              <a:t>are</a:t>
+            </a:r>
+            <a:r>
+              <a:rPr/>
+              <a:t> </a:t>
+            </a:r>
+            <a:r>
+              <a:rPr/>
+              <a:t>for</a:t>
+            </a:r>
+            <a:r>
+              <a:rPr/>
+              <a:t> </a:t>
+            </a:r>
+            <a:r>
+              <a:rPr/>
+              <a:t>the</a:t>
+            </a:r>
+            <a:r>
+              <a:rPr/>
+              <a:t> </a:t>
+            </a:r>
+            <a:r>
+              <a:rPr/>
+              <a:t>variables</a:t>
+            </a:r>
+            <a:r>
+              <a:rPr/>
+              <a:t> </a:t>
+            </a:r>
+            <a:r>
+              <a:rPr/>
+              <a:t>you</a:t>
+            </a:r>
+            <a:r>
+              <a:rPr/>
+              <a:t> </a:t>
+            </a:r>
+            <a:r>
+              <a:rPr/>
+              <a:t>are</a:t>
+            </a:r>
+            <a:r>
+              <a:rPr/>
+              <a:t> </a:t>
+            </a:r>
+            <a:r>
+              <a:rPr/>
+              <a:t>reading</a:t>
+            </a:r>
+            <a:r>
+              <a:rPr/>
+              <a:t> </a:t>
+            </a:r>
+            <a:r>
+              <a:rPr/>
+              <a:t>in.</a:t>
+            </a:r>
+          </a:p>
+          <a:p>
+            <a:pPr lvl="0" marL="0" indent="0">
+              <a:buNone/>
+            </a:pPr>
+          </a:p>
+          <a:p>
+            <a:pPr lvl="0" marL="0" indent="0">
+              <a:buNone/>
+            </a:pPr>
+            <a:r>
+              <a:rPr/>
+              <a:t>I’m</a:t>
+            </a:r>
+            <a:r>
+              <a:rPr/>
+              <a:t> </a:t>
+            </a:r>
+            <a:r>
+              <a:rPr/>
+              <a:t>using</a:t>
+            </a:r>
+            <a:r>
+              <a:rPr/>
+              <a:t> </a:t>
+            </a:r>
+            <a:r>
+              <a:rPr/>
+              <a:t>the</a:t>
+            </a:r>
+            <a:r>
+              <a:rPr/>
+              <a:t> </a:t>
+            </a:r>
+            <a:r>
+              <a:rPr/>
+              <a:t>variable</a:t>
+            </a:r>
+            <a:r>
+              <a:rPr/>
+              <a:t> </a:t>
+            </a:r>
+            <a:r>
+              <a:rPr/>
+              <a:t>names</a:t>
+            </a:r>
+            <a:r>
+              <a:rPr/>
+              <a:t> </a:t>
+            </a:r>
+            <a:r>
+              <a:rPr/>
+              <a:t>provided</a:t>
+            </a:r>
+            <a:r>
+              <a:rPr/>
+              <a:t> </a:t>
+            </a:r>
+            <a:r>
+              <a:rPr/>
+              <a:t>but</a:t>
+            </a:r>
+            <a:r>
+              <a:rPr/>
+              <a:t> </a:t>
+            </a:r>
+            <a:r>
+              <a:rPr/>
+              <a:t>if</a:t>
+            </a:r>
+            <a:r>
+              <a:rPr/>
+              <a:t> </a:t>
+            </a:r>
+            <a:r>
+              <a:rPr/>
+              <a:t>you</a:t>
+            </a:r>
+            <a:r>
+              <a:rPr/>
+              <a:t> </a:t>
+            </a:r>
+            <a:r>
+              <a:rPr/>
+              <a:t>create</a:t>
+            </a:r>
+            <a:r>
+              <a:rPr/>
+              <a:t> </a:t>
+            </a:r>
+            <a:r>
+              <a:rPr/>
+              <a:t>your</a:t>
+            </a:r>
+            <a:r>
+              <a:rPr/>
+              <a:t> </a:t>
+            </a:r>
+            <a:r>
+              <a:rPr/>
+              <a:t>own</a:t>
+            </a:r>
+            <a:r>
+              <a:rPr/>
+              <a:t> </a:t>
+            </a:r>
+            <a:r>
+              <a:rPr/>
+              <a:t>names,</a:t>
+            </a:r>
+            <a:r>
+              <a:rPr/>
+              <a:t> </a:t>
+            </a:r>
+            <a:r>
+              <a:rPr/>
+              <a:t>use</a:t>
+            </a:r>
+            <a:r>
+              <a:rPr/>
+              <a:t> </a:t>
+            </a:r>
+            <a:r>
+              <a:rPr/>
+              <a:t>brief</a:t>
+            </a:r>
+            <a:r>
+              <a:rPr/>
+              <a:t> </a:t>
+            </a:r>
+            <a:r>
+              <a:rPr/>
+              <a:t>(but</a:t>
+            </a:r>
+            <a:r>
+              <a:rPr/>
+              <a:t> </a:t>
+            </a:r>
+            <a:r>
+              <a:rPr/>
+              <a:t>descriptive)</a:t>
+            </a:r>
+            <a:r>
+              <a:rPr/>
+              <a:t> </a:t>
+            </a:r>
+            <a:r>
+              <a:rPr/>
+              <a:t>name</a:t>
+            </a:r>
+            <a:r>
+              <a:rPr/>
+              <a:t> </a:t>
+            </a:r>
+            <a:r>
+              <a:rPr/>
+              <a:t>for</a:t>
+            </a:r>
+            <a:r>
+              <a:rPr/>
+              <a:t> </a:t>
+            </a:r>
+            <a:r>
+              <a:rPr/>
+              <a:t>EVERY</a:t>
+            </a:r>
+            <a:r>
+              <a:rPr/>
+              <a:t> </a:t>
+            </a:r>
+            <a:r>
+              <a:rPr/>
+              <a:t>variable</a:t>
+            </a:r>
+            <a:r>
+              <a:rPr/>
+              <a:t> </a:t>
+            </a:r>
+            <a:r>
+              <a:rPr/>
+              <a:t>in</a:t>
+            </a:r>
+            <a:r>
+              <a:rPr/>
+              <a:t> </a:t>
+            </a:r>
+            <a:r>
+              <a:rPr/>
+              <a:t>your</a:t>
+            </a:r>
+            <a:r>
+              <a:rPr/>
+              <a:t> </a:t>
+            </a:r>
+            <a:r>
+              <a:rPr/>
+              <a:t>data</a:t>
+            </a:r>
+            <a:r>
+              <a:rPr/>
+              <a:t> </a:t>
+            </a:r>
+            <a:r>
+              <a:rPr/>
+              <a:t>set.</a:t>
+            </a:r>
+            <a:r>
+              <a:rPr/>
+              <a:t> </a:t>
+            </a:r>
+            <a:r>
+              <a:rPr/>
+              <a:t>There’s</a:t>
+            </a:r>
+            <a:r>
+              <a:rPr/>
+              <a:t> </a:t>
+            </a:r>
+            <a:r>
+              <a:rPr/>
+              <a:t>no</a:t>
+            </a:r>
+            <a:r>
+              <a:rPr/>
+              <a:t> </a:t>
+            </a:r>
+            <a:r>
+              <a:rPr/>
+              <a:t>precise</a:t>
+            </a:r>
+            <a:r>
+              <a:rPr/>
+              <a:t> </a:t>
+            </a:r>
+            <a:r>
+              <a:rPr/>
+              <a:t>rule,</a:t>
+            </a:r>
+            <a:r>
+              <a:rPr/>
+              <a:t> </a:t>
+            </a:r>
+            <a:r>
+              <a:rPr/>
+              <a:t>but</a:t>
+            </a:r>
+            <a:r>
+              <a:rPr/>
+              <a:t> </a:t>
+            </a:r>
+            <a:r>
+              <a:rPr/>
+              <a:t>names</a:t>
+            </a:r>
+            <a:r>
+              <a:rPr/>
+              <a:t> </a:t>
+            </a:r>
+            <a:r>
+              <a:rPr/>
+              <a:t>should</a:t>
+            </a:r>
+            <a:r>
+              <a:rPr/>
+              <a:t> </a:t>
+            </a:r>
+            <a:r>
+              <a:rPr/>
+              <a:t>be</a:t>
+            </a:r>
+            <a:r>
+              <a:rPr/>
+              <a:t> </a:t>
+            </a:r>
+            <a:r>
+              <a:rPr/>
+              <a:t>around</a:t>
+            </a:r>
+            <a:r>
+              <a:rPr/>
+              <a:t> </a:t>
+            </a:r>
+            <a:r>
+              <a:rPr/>
+              <a:t>8</a:t>
+            </a:r>
+            <a:r>
+              <a:rPr/>
+              <a:t> </a:t>
+            </a:r>
+            <a:r>
+              <a:rPr/>
+              <a:t>characters</a:t>
+            </a:r>
+            <a:r>
+              <a:rPr/>
+              <a:t> </a:t>
+            </a:r>
+            <a:r>
+              <a:rPr/>
+              <a:t>long.</a:t>
+            </a:r>
+            <a:r>
+              <a:rPr/>
+              <a:t> </a:t>
+            </a:r>
+            <a:r>
+              <a:rPr/>
+              <a:t>Longer</a:t>
+            </a:r>
+            <a:r>
+              <a:rPr/>
+              <a:t> </a:t>
+            </a:r>
+            <a:r>
+              <a:rPr/>
+              <a:t>variable</a:t>
+            </a:r>
+            <a:r>
+              <a:rPr/>
+              <a:t> </a:t>
+            </a:r>
+            <a:r>
+              <a:rPr/>
+              <a:t>names</a:t>
+            </a:r>
+            <a:r>
+              <a:rPr/>
+              <a:t> </a:t>
+            </a:r>
+            <a:r>
+              <a:rPr/>
+              <a:t>make</a:t>
+            </a:r>
+            <a:r>
+              <a:rPr/>
+              <a:t> </a:t>
+            </a:r>
+            <a:r>
+              <a:rPr/>
+              <a:t>your</a:t>
+            </a:r>
+            <a:r>
+              <a:rPr/>
+              <a:t> </a:t>
+            </a:r>
+            <a:r>
+              <a:rPr/>
+              <a:t>typing</a:t>
+            </a:r>
+            <a:r>
+              <a:rPr/>
+              <a:t> </a:t>
+            </a:r>
+            <a:r>
+              <a:rPr/>
+              <a:t>tedious</a:t>
+            </a:r>
+            <a:r>
+              <a:rPr/>
+              <a:t> </a:t>
+            </a:r>
+            <a:r>
+              <a:rPr/>
+              <a:t>and</a:t>
+            </a:r>
+            <a:r>
+              <a:rPr/>
+              <a:t> </a:t>
+            </a:r>
+            <a:r>
+              <a:rPr/>
+              <a:t>much</a:t>
+            </a:r>
+            <a:r>
+              <a:rPr/>
+              <a:t> </a:t>
+            </a:r>
+            <a:r>
+              <a:rPr/>
+              <a:t>shorter</a:t>
+            </a:r>
+            <a:r>
+              <a:rPr/>
+              <a:t> </a:t>
+            </a:r>
+            <a:r>
+              <a:rPr/>
+              <a:t>variable</a:t>
+            </a:r>
+            <a:r>
+              <a:rPr/>
+              <a:t> </a:t>
+            </a:r>
+            <a:r>
+              <a:rPr/>
+              <a:t>names</a:t>
+            </a:r>
+            <a:r>
+              <a:rPr/>
+              <a:t> </a:t>
+            </a:r>
+            <a:r>
+              <a:rPr/>
+              <a:t>makes</a:t>
+            </a:r>
+            <a:r>
+              <a:rPr/>
+              <a:t> </a:t>
+            </a:r>
+            <a:r>
+              <a:rPr/>
+              <a:t>your</a:t>
+            </a:r>
+            <a:r>
+              <a:rPr/>
+              <a:t> </a:t>
+            </a:r>
+            <a:r>
+              <a:rPr/>
+              <a:t>code</a:t>
+            </a:r>
+            <a:r>
+              <a:rPr/>
+              <a:t> </a:t>
+            </a:r>
+            <a:r>
+              <a:rPr/>
+              <a:t>terse</a:t>
+            </a:r>
+            <a:r>
+              <a:rPr/>
+              <a:t> </a:t>
+            </a:r>
+            <a:r>
+              <a:rPr/>
+              <a:t>and</a:t>
+            </a:r>
+            <a:r>
+              <a:rPr/>
+              <a:t> </a:t>
+            </a:r>
+            <a:r>
+              <a:rPr/>
+              <a:t>cryptic.</a:t>
+            </a:r>
+          </a:p>
+          <a:p>
+            <a:pPr lvl="0" marL="0" indent="0">
+              <a:buNone/>
+            </a:pPr>
+          </a:p>
+          <a:p>
+            <a:pPr lvl="0" marL="0" indent="0">
+              <a:buNone/>
+            </a:pPr>
+            <a:r>
+              <a:rPr/>
+              <a:t>I’m</a:t>
+            </a:r>
+            <a:r>
+              <a:rPr/>
+              <a:t> </a:t>
+            </a:r>
+            <a:r>
+              <a:rPr/>
+              <a:t>a</a:t>
+            </a:r>
+            <a:r>
+              <a:rPr/>
+              <a:t> </a:t>
+            </a:r>
+            <a:r>
+              <a:rPr/>
+              <a:t>bit</a:t>
+            </a:r>
+            <a:r>
+              <a:rPr/>
+              <a:t> </a:t>
+            </a:r>
+            <a:r>
+              <a:rPr/>
+              <a:t>more</a:t>
+            </a:r>
+            <a:r>
+              <a:rPr/>
+              <a:t> </a:t>
+            </a:r>
+            <a:r>
+              <a:rPr/>
+              <a:t>terse</a:t>
+            </a:r>
+            <a:r>
+              <a:rPr/>
+              <a:t> </a:t>
+            </a:r>
+            <a:r>
+              <a:rPr/>
+              <a:t>with</a:t>
+            </a:r>
+            <a:r>
+              <a:rPr/>
+              <a:t> </a:t>
+            </a:r>
+            <a:r>
+              <a:rPr/>
+              <a:t>these</a:t>
+            </a:r>
+            <a:r>
+              <a:rPr/>
+              <a:t> </a:t>
+            </a:r>
+            <a:r>
+              <a:rPr/>
+              <a:t>variable</a:t>
+            </a:r>
+            <a:r>
+              <a:rPr/>
+              <a:t> </a:t>
+            </a:r>
+            <a:r>
+              <a:rPr/>
+              <a:t>names</a:t>
+            </a:r>
+            <a:r>
+              <a:rPr/>
+              <a:t> </a:t>
+            </a:r>
+            <a:r>
+              <a:rPr/>
+              <a:t>than</a:t>
+            </a:r>
+            <a:r>
+              <a:rPr/>
+              <a:t> </a:t>
+            </a:r>
+            <a:r>
+              <a:rPr/>
+              <a:t>I</a:t>
+            </a:r>
+            <a:r>
+              <a:rPr/>
+              <a:t> </a:t>
+            </a:r>
+            <a:r>
+              <a:rPr/>
+              <a:t>normally</a:t>
+            </a:r>
+            <a:r>
+              <a:rPr/>
+              <a:t> </a:t>
+            </a:r>
+            <a:r>
+              <a:rPr/>
+              <a:t>would</a:t>
+            </a:r>
+            <a:r>
+              <a:rPr/>
+              <a:t> </a:t>
+            </a:r>
+            <a:r>
+              <a:rPr/>
+              <a:t>be</a:t>
+            </a:r>
+            <a:r>
+              <a:rPr/>
+              <a:t> </a:t>
+            </a:r>
+            <a:r>
+              <a:rPr/>
+              <a:t>just</a:t>
+            </a:r>
+            <a:r>
+              <a:rPr/>
+              <a:t> </a:t>
+            </a:r>
+            <a:r>
+              <a:rPr/>
+              <a:t>to</a:t>
+            </a:r>
+            <a:r>
+              <a:rPr/>
+              <a:t> </a:t>
+            </a:r>
+            <a:r>
+              <a:rPr/>
+              <a:t>reduce</a:t>
+            </a:r>
+            <a:r>
+              <a:rPr/>
+              <a:t> </a:t>
+            </a:r>
+            <a:r>
+              <a:rPr/>
+              <a:t>the</a:t>
+            </a:r>
+            <a:r>
+              <a:rPr/>
+              <a:t> </a:t>
+            </a:r>
+            <a:r>
+              <a:rPr/>
+              <a:t>amount</a:t>
+            </a:r>
+            <a:r>
+              <a:rPr/>
+              <a:t> </a:t>
+            </a:r>
+            <a:r>
+              <a:rPr/>
+              <a:t>of</a:t>
+            </a:r>
+            <a:r>
+              <a:rPr/>
+              <a:t> </a:t>
+            </a:r>
+            <a:r>
+              <a:rPr/>
+              <a:t>typing</a:t>
+            </a:r>
+            <a:r>
+              <a:rPr/>
+              <a:t> </a:t>
+            </a:r>
+            <a:r>
+              <a:rPr/>
+              <a:t>you</a:t>
+            </a:r>
+            <a:r>
+              <a:rPr/>
+              <a:t> </a:t>
+            </a:r>
+            <a:r>
+              <a:rPr/>
+              <a:t>have</a:t>
+            </a:r>
+            <a:r>
+              <a:rPr/>
+              <a:t> </a:t>
+            </a:r>
+            <a:r>
+              <a:rPr/>
+              <a:t>to</a:t>
+            </a:r>
+            <a:r>
+              <a:rPr/>
+              <a:t> </a:t>
+            </a:r>
+            <a:r>
+              <a:rPr/>
+              <a:t>do.</a:t>
+            </a:r>
+          </a:p>
+          <a:p>
+            <a:pPr lvl="0" marL="0" indent="0">
+              <a:buNone/>
+            </a:pPr>
+          </a:p>
+          <a:p>
+            <a:pPr lvl="0" marL="0" indent="0">
+              <a:buNone/>
+            </a:pPr>
+            <a:r>
+              <a:rPr/>
+              <a:t>You</a:t>
+            </a:r>
+            <a:r>
+              <a:rPr/>
+              <a:t> </a:t>
+            </a:r>
+            <a:r>
+              <a:rPr/>
+              <a:t>should</a:t>
+            </a:r>
+            <a:r>
+              <a:rPr/>
+              <a:t> </a:t>
+            </a:r>
+            <a:r>
+              <a:rPr/>
+              <a:t>avoid</a:t>
+            </a:r>
+            <a:r>
+              <a:rPr/>
+              <a:t> </a:t>
+            </a:r>
+            <a:r>
+              <a:rPr/>
+              <a:t>special</a:t>
+            </a:r>
+            <a:r>
+              <a:rPr/>
+              <a:t> </a:t>
+            </a:r>
+            <a:r>
+              <a:rPr/>
+              <a:t>symbols</a:t>
+            </a:r>
+            <a:r>
+              <a:rPr/>
+              <a:t> </a:t>
+            </a:r>
+            <a:r>
+              <a:rPr/>
+              <a:t>in</a:t>
+            </a:r>
+            <a:r>
+              <a:rPr/>
+              <a:t> </a:t>
+            </a:r>
+            <a:r>
+              <a:rPr/>
+              <a:t>your</a:t>
+            </a:r>
+            <a:r>
+              <a:rPr/>
+              <a:t> </a:t>
+            </a:r>
+            <a:r>
+              <a:rPr/>
+              <a:t>variable</a:t>
+            </a:r>
+            <a:r>
+              <a:rPr/>
+              <a:t> </a:t>
+            </a:r>
+            <a:r>
+              <a:rPr/>
+              <a:t>names</a:t>
+            </a:r>
+            <a:r>
+              <a:rPr/>
+              <a:t> </a:t>
+            </a:r>
+            <a:r>
+              <a:rPr/>
+              <a:t>especially</a:t>
+            </a:r>
+            <a:r>
+              <a:rPr/>
+              <a:t> </a:t>
+            </a:r>
+            <a:r>
+              <a:rPr/>
+              <a:t>symbols</a:t>
+            </a:r>
+            <a:r>
+              <a:rPr/>
+              <a:t> </a:t>
+            </a:r>
+            <a:r>
+              <a:rPr/>
+              <a:t>that</a:t>
+            </a:r>
+            <a:r>
+              <a:rPr/>
+              <a:t> </a:t>
+            </a:r>
+            <a:r>
+              <a:rPr/>
+              <a:t>are</a:t>
+            </a:r>
+            <a:r>
+              <a:rPr/>
+              <a:t> </a:t>
+            </a:r>
+            <a:r>
+              <a:rPr/>
+              <a:t>likely</a:t>
+            </a:r>
+            <a:r>
+              <a:rPr/>
+              <a:t> </a:t>
+            </a:r>
+            <a:r>
+              <a:rPr/>
+              <a:t>to</a:t>
+            </a:r>
+            <a:r>
+              <a:rPr/>
+              <a:t> </a:t>
+            </a:r>
+            <a:r>
+              <a:rPr/>
+              <a:t>cause</a:t>
+            </a:r>
+            <a:r>
+              <a:rPr/>
+              <a:t> </a:t>
+            </a:r>
+            <a:r>
+              <a:rPr/>
+              <a:t>confusion</a:t>
+            </a:r>
+            <a:r>
+              <a:rPr/>
+              <a:t> </a:t>
+            </a:r>
+            <a:r>
+              <a:rPr/>
+              <a:t>(the</a:t>
+            </a:r>
+            <a:r>
+              <a:rPr/>
+              <a:t> </a:t>
+            </a:r>
+            <a:r>
+              <a:rPr/>
+              <a:t>dash</a:t>
+            </a:r>
+            <a:r>
+              <a:rPr/>
+              <a:t> </a:t>
+            </a:r>
+            <a:r>
+              <a:rPr/>
+              <a:t>symbol,</a:t>
+            </a:r>
+            <a:r>
+              <a:rPr/>
+              <a:t> </a:t>
+            </a:r>
+            <a:r>
+              <a:rPr/>
+              <a:t>for</a:t>
+            </a:r>
+            <a:r>
+              <a:rPr/>
+              <a:t> </a:t>
+            </a:r>
+            <a:r>
+              <a:rPr/>
+              <a:t>example,</a:t>
+            </a:r>
+            <a:r>
+              <a:rPr/>
+              <a:t> </a:t>
+            </a:r>
+            <a:r>
+              <a:rPr/>
+              <a:t>which</a:t>
+            </a:r>
+            <a:r>
+              <a:rPr/>
+              <a:t> </a:t>
+            </a:r>
+            <a:r>
+              <a:rPr/>
+              <a:t>is</a:t>
+            </a:r>
+            <a:r>
+              <a:rPr/>
+              <a:t> </a:t>
+            </a:r>
+            <a:r>
+              <a:rPr/>
+              <a:t>also</a:t>
+            </a:r>
+            <a:r>
+              <a:rPr/>
+              <a:t> </a:t>
+            </a:r>
+            <a:r>
+              <a:rPr/>
+              <a:t>the</a:t>
+            </a:r>
+            <a:r>
+              <a:rPr/>
+              <a:t> </a:t>
+            </a:r>
+            <a:r>
+              <a:rPr/>
+              <a:t>symbol</a:t>
+            </a:r>
+            <a:r>
+              <a:rPr/>
+              <a:t> </a:t>
+            </a:r>
+            <a:r>
+              <a:rPr/>
+              <a:t>for</a:t>
+            </a:r>
+            <a:r>
+              <a:rPr/>
+              <a:t> </a:t>
+            </a:r>
+            <a:r>
+              <a:rPr/>
+              <a:t>subtraction).</a:t>
+            </a:r>
+            <a:r>
+              <a:rPr/>
+              <a:t> </a:t>
+            </a:r>
+            <a:r>
+              <a:rPr/>
+              <a:t>You</a:t>
+            </a:r>
+            <a:r>
+              <a:rPr/>
+              <a:t> </a:t>
+            </a:r>
+            <a:r>
+              <a:rPr/>
+              <a:t>should</a:t>
+            </a:r>
+            <a:r>
+              <a:rPr/>
+              <a:t> </a:t>
+            </a:r>
+            <a:r>
+              <a:rPr/>
+              <a:t>also</a:t>
+            </a:r>
+            <a:r>
+              <a:rPr/>
+              <a:t> </a:t>
+            </a:r>
+            <a:r>
+              <a:rPr/>
+              <a:t>avoid</a:t>
+            </a:r>
+            <a:r>
+              <a:rPr/>
+              <a:t> </a:t>
+            </a:r>
+            <a:r>
+              <a:rPr/>
+              <a:t>blanks.</a:t>
+            </a:r>
+            <a:r>
+              <a:rPr/>
+              <a:t> </a:t>
+            </a:r>
+            <a:r>
+              <a:rPr/>
+              <a:t>These</a:t>
+            </a:r>
+            <a:r>
+              <a:rPr/>
+              <a:t> </a:t>
+            </a:r>
+            <a:r>
+              <a:rPr/>
+              <a:t>rules</a:t>
+            </a:r>
+            <a:r>
+              <a:rPr/>
+              <a:t> </a:t>
+            </a:r>
+            <a:r>
+              <a:rPr/>
+              <a:t>are</a:t>
+            </a:r>
+            <a:r>
+              <a:rPr/>
+              <a:t> </a:t>
+            </a:r>
+            <a:r>
+              <a:rPr/>
+              <a:t>pretty</a:t>
+            </a:r>
+            <a:r>
+              <a:rPr/>
+              <a:t> </a:t>
+            </a:r>
+            <a:r>
+              <a:rPr/>
+              <a:t>much</a:t>
+            </a:r>
+            <a:r>
+              <a:rPr/>
+              <a:t> </a:t>
+            </a:r>
+            <a:r>
+              <a:rPr/>
+              <a:t>universal</a:t>
+            </a:r>
+            <a:r>
+              <a:rPr/>
+              <a:t> </a:t>
+            </a:r>
+            <a:r>
+              <a:rPr/>
+              <a:t>across</a:t>
+            </a:r>
+            <a:r>
+              <a:rPr/>
+              <a:t> </a:t>
+            </a:r>
+            <a:r>
+              <a:rPr/>
+              <a:t>most</a:t>
+            </a:r>
+            <a:r>
+              <a:rPr/>
+              <a:t> </a:t>
+            </a:r>
+            <a:r>
+              <a:rPr/>
+              <a:t>statistical</a:t>
+            </a:r>
+            <a:r>
+              <a:rPr/>
+              <a:t> </a:t>
+            </a:r>
+            <a:r>
+              <a:rPr/>
+              <a:t>software</a:t>
+            </a:r>
+            <a:r>
+              <a:rPr/>
+              <a:t> </a:t>
+            </a:r>
+            <a:r>
+              <a:rPr/>
+              <a:t>packages.</a:t>
+            </a:r>
+          </a:p>
+          <a:p>
+            <a:pPr lvl="0" marL="0" indent="0">
+              <a:buNone/>
+            </a:pPr>
+          </a:p>
+          <a:p>
+            <a:pPr lvl="0" marL="0" indent="0">
+              <a:buNone/>
+            </a:pPr>
+            <a:r>
+              <a:rPr/>
+              <a:t>There</a:t>
+            </a:r>
+            <a:r>
+              <a:rPr/>
+              <a:t> </a:t>
+            </a:r>
+            <a:r>
+              <a:rPr/>
+              <a:t>are</a:t>
+            </a:r>
+            <a:r>
+              <a:rPr/>
+              <a:t> </a:t>
+            </a:r>
+            <a:r>
+              <a:rPr/>
+              <a:t>times</a:t>
+            </a:r>
+            <a:r>
+              <a:rPr/>
+              <a:t> </a:t>
+            </a:r>
+            <a:r>
+              <a:rPr/>
+              <a:t>when</a:t>
+            </a:r>
+            <a:r>
+              <a:rPr/>
+              <a:t> </a:t>
+            </a:r>
+            <a:r>
+              <a:rPr/>
+              <a:t>you’d</a:t>
+            </a:r>
+            <a:r>
+              <a:rPr/>
+              <a:t> </a:t>
+            </a:r>
+            <a:r>
+              <a:rPr/>
+              <a:t>like</a:t>
+            </a:r>
+            <a:r>
+              <a:rPr/>
+              <a:t> </a:t>
+            </a:r>
+            <a:r>
+              <a:rPr/>
+              <a:t>to</a:t>
+            </a:r>
+            <a:r>
+              <a:rPr/>
+              <a:t> </a:t>
+            </a:r>
+            <a:r>
+              <a:rPr/>
+              <a:t>have</a:t>
+            </a:r>
+            <a:r>
+              <a:rPr/>
+              <a:t> </a:t>
+            </a:r>
+            <a:r>
+              <a:rPr/>
+              <a:t>a</a:t>
+            </a:r>
+            <a:r>
+              <a:rPr/>
+              <a:t> </a:t>
+            </a:r>
+            <a:r>
+              <a:rPr/>
+              <a:t>blank</a:t>
+            </a:r>
+            <a:r>
+              <a:rPr/>
+              <a:t> </a:t>
+            </a:r>
+            <a:r>
+              <a:rPr/>
+              <a:t>in</a:t>
+            </a:r>
+            <a:r>
+              <a:rPr/>
+              <a:t> </a:t>
+            </a:r>
+            <a:r>
+              <a:rPr/>
+              <a:t>your</a:t>
+            </a:r>
+            <a:r>
+              <a:rPr/>
+              <a:t> </a:t>
+            </a:r>
+            <a:r>
+              <a:rPr/>
+              <a:t>variable</a:t>
+            </a:r>
+            <a:r>
+              <a:rPr/>
+              <a:t> </a:t>
+            </a:r>
+            <a:r>
+              <a:rPr/>
+              <a:t>name</a:t>
+            </a:r>
+            <a:r>
+              <a:rPr/>
+              <a:t> </a:t>
+            </a:r>
+            <a:r>
+              <a:rPr/>
+              <a:t>and</a:t>
+            </a:r>
+            <a:r>
+              <a:rPr/>
+              <a:t> </a:t>
+            </a:r>
+            <a:r>
+              <a:rPr/>
+              <a:t>you</a:t>
+            </a:r>
+            <a:r>
+              <a:rPr/>
+              <a:t> </a:t>
+            </a:r>
+            <a:r>
+              <a:rPr/>
+              <a:t>can</a:t>
+            </a:r>
+            <a:r>
+              <a:rPr/>
+              <a:t> </a:t>
+            </a:r>
+            <a:r>
+              <a:rPr/>
+              <a:t>use</a:t>
+            </a:r>
+            <a:r>
+              <a:rPr/>
+              <a:t> </a:t>
+            </a:r>
+            <a:r>
+              <a:rPr/>
+              <a:t>two</a:t>
+            </a:r>
+            <a:r>
+              <a:rPr/>
+              <a:t> </a:t>
+            </a:r>
+            <a:r>
+              <a:rPr/>
+              <a:t>special</a:t>
+            </a:r>
+            <a:r>
+              <a:rPr/>
+              <a:t> </a:t>
+            </a:r>
+            <a:r>
+              <a:rPr/>
+              <a:t>symbols</a:t>
+            </a:r>
+            <a:r>
+              <a:rPr/>
+              <a:t> </a:t>
+            </a:r>
+            <a:r>
+              <a:rPr/>
+              <a:t>in</a:t>
+            </a:r>
+            <a:r>
+              <a:rPr/>
+              <a:t> </a:t>
+            </a:r>
+            <a:r>
+              <a:rPr/>
+              <a:t>SAS</a:t>
+            </a:r>
+            <a:r>
+              <a:rPr/>
+              <a:t> </a:t>
+            </a:r>
+            <a:r>
+              <a:rPr/>
+              <a:t>(and</a:t>
+            </a:r>
+            <a:r>
+              <a:rPr/>
+              <a:t> </a:t>
+            </a:r>
+            <a:r>
+              <a:rPr/>
+              <a:t>most</a:t>
+            </a:r>
+            <a:r>
+              <a:rPr/>
+              <a:t> </a:t>
+            </a:r>
+            <a:r>
+              <a:rPr/>
+              <a:t>other</a:t>
+            </a:r>
+            <a:r>
+              <a:rPr/>
+              <a:t> </a:t>
+            </a:r>
+            <a:r>
+              <a:rPr/>
+              <a:t>statistical</a:t>
+            </a:r>
+            <a:r>
+              <a:rPr/>
+              <a:t> </a:t>
+            </a:r>
+            <a:r>
+              <a:rPr/>
+              <a:t>pacakges):</a:t>
+            </a:r>
+          </a:p>
+          <a:p>
+            <a:pPr lvl="0" marL="0" indent="0">
+              <a:buNone/>
+            </a:pPr>
+          </a:p>
+          <a:p>
+            <a:pPr lvl="1"/>
+            <a:r>
+              <a:rPr/>
+              <a:t>the</a:t>
+            </a:r>
+            <a:r>
+              <a:rPr/>
+              <a:t> </a:t>
+            </a:r>
+            <a:r>
+              <a:rPr/>
+              <a:t>underscore</a:t>
+            </a:r>
+            <a:r>
+              <a:rPr/>
+              <a:t> </a:t>
+            </a:r>
+            <a:r>
+              <a:rPr/>
+              <a:t>symbol</a:t>
+            </a:r>
+            <a:r>
+              <a:rPr/>
+              <a:t> </a:t>
+            </a:r>
+            <a:r>
+              <a:rPr/>
+              <a:t>(above</a:t>
+            </a:r>
+            <a:r>
+              <a:rPr/>
+              <a:t> </a:t>
+            </a:r>
+            <a:r>
+              <a:rPr/>
+              <a:t>the</a:t>
+            </a:r>
+            <a:r>
+              <a:rPr/>
+              <a:t> </a:t>
+            </a:r>
+            <a:r>
+              <a:rPr/>
+              <a:t>minus</a:t>
+            </a:r>
+            <a:r>
+              <a:rPr/>
+              <a:t> </a:t>
+            </a:r>
+            <a:r>
+              <a:rPr/>
+              <a:t>key</a:t>
+            </a:r>
+            <a:r>
+              <a:rPr/>
+              <a:t> </a:t>
+            </a:r>
+            <a:r>
+              <a:rPr/>
+              <a:t>on</a:t>
+            </a:r>
+            <a:r>
+              <a:rPr/>
+              <a:t> </a:t>
+            </a:r>
+            <a:r>
+              <a:rPr/>
+              <a:t>most</a:t>
+            </a:r>
+            <a:r>
+              <a:rPr/>
+              <a:t> </a:t>
+            </a:r>
+            <a:r>
+              <a:rPr/>
+              <a:t>keyboards)</a:t>
+            </a:r>
+            <a:r>
+              <a:rPr/>
+              <a:t> </a:t>
+            </a:r>
+            <a:r>
+              <a:rPr/>
+              <a:t>and</a:t>
+            </a:r>
+          </a:p>
+          <a:p>
+            <a:pPr lvl="0" marL="0" indent="0">
+              <a:buNone/>
+            </a:pPr>
+          </a:p>
+          <a:p>
+            <a:pPr lvl="1"/>
+            <a:r>
+              <a:rPr/>
+              <a:t>the</a:t>
+            </a:r>
+            <a:r>
+              <a:rPr/>
+              <a:t> </a:t>
+            </a:r>
+            <a:r>
+              <a:rPr/>
+              <a:t>dot</a:t>
+            </a:r>
+            <a:r>
+              <a:rPr/>
+              <a:t> </a:t>
+            </a:r>
+            <a:r>
+              <a:rPr/>
+              <a:t>(period).</a:t>
+            </a:r>
+          </a:p>
+          <a:p>
+            <a:pPr lvl="0" marL="0" indent="0">
+              <a:buNone/>
+            </a:pPr>
+          </a:p>
+          <a:p>
+            <a:pPr lvl="0" marL="0" indent="0">
+              <a:buNone/>
+            </a:pPr>
+            <a:r>
+              <a:rPr/>
+              <a:t>These</a:t>
+            </a:r>
+            <a:r>
+              <a:rPr/>
+              <a:t> </a:t>
+            </a:r>
+            <a:r>
+              <a:rPr/>
+              <a:t>symbols</a:t>
+            </a:r>
+            <a:r>
+              <a:rPr/>
+              <a:t> </a:t>
+            </a:r>
+            <a:r>
+              <a:rPr/>
+              <a:t>create</a:t>
+            </a:r>
+            <a:r>
+              <a:rPr/>
+              <a:t> </a:t>
+            </a:r>
+            <a:r>
+              <a:rPr/>
+              <a:t>some</a:t>
+            </a:r>
+            <a:r>
+              <a:rPr/>
+              <a:t> </a:t>
+            </a:r>
+            <a:r>
+              <a:rPr/>
+              <a:t>artificial</a:t>
+            </a:r>
+            <a:r>
+              <a:rPr/>
+              <a:t> </a:t>
+            </a:r>
+            <a:r>
+              <a:rPr/>
+              <a:t>spacing</a:t>
+            </a:r>
+            <a:r>
+              <a:rPr/>
+              <a:t> </a:t>
+            </a:r>
+            <a:r>
+              <a:rPr/>
+              <a:t>that</a:t>
+            </a:r>
+            <a:r>
+              <a:rPr/>
+              <a:t> </a:t>
+            </a:r>
+            <a:r>
+              <a:rPr/>
+              <a:t>mimics</a:t>
+            </a:r>
+            <a:r>
+              <a:rPr/>
+              <a:t> </a:t>
+            </a:r>
+            <a:r>
+              <a:rPr/>
+              <a:t>the</a:t>
+            </a:r>
+            <a:r>
+              <a:rPr/>
+              <a:t> </a:t>
+            </a:r>
+            <a:r>
+              <a:rPr/>
+              <a:t>blanks.</a:t>
+            </a:r>
+            <a:r>
+              <a:rPr/>
+              <a:t> </a:t>
+            </a:r>
+            <a:r>
+              <a:rPr/>
+              <a:t>Another</a:t>
+            </a:r>
+            <a:r>
+              <a:rPr/>
+              <a:t> </a:t>
+            </a:r>
+            <a:r>
+              <a:rPr/>
+              <a:t>approach</a:t>
+            </a:r>
+            <a:r>
+              <a:rPr/>
+              <a:t> </a:t>
+            </a:r>
+            <a:r>
+              <a:rPr/>
+              <a:t>is</a:t>
+            </a:r>
+            <a:r>
+              <a:rPr/>
+              <a:t> </a:t>
+            </a:r>
+            <a:r>
+              <a:rPr/>
+              <a:t>“</a:t>
+            </a:r>
+            <a:r>
+              <a:rPr/>
+              <a:t>CamelCase</a:t>
+            </a:r>
+            <a:r>
+              <a:rPr/>
+              <a:t>”</a:t>
+            </a:r>
+            <a:r>
+              <a:rPr/>
+              <a:t> </a:t>
+            </a:r>
+            <a:r>
+              <a:rPr/>
+              <a:t>which</a:t>
+            </a:r>
+            <a:r>
+              <a:rPr/>
+              <a:t> </a:t>
+            </a:r>
+            <a:r>
+              <a:rPr/>
+              <a:t>is</a:t>
+            </a:r>
+            <a:r>
+              <a:rPr/>
+              <a:t> </a:t>
+            </a:r>
+            <a:r>
+              <a:rPr/>
+              <a:t>the</a:t>
+            </a:r>
+            <a:r>
+              <a:rPr/>
+              <a:t> </a:t>
+            </a:r>
+            <a:r>
+              <a:rPr/>
+              <a:t>mixture</a:t>
+            </a:r>
+            <a:r>
+              <a:rPr/>
+              <a:t> </a:t>
+            </a:r>
+            <a:r>
+              <a:rPr/>
+              <a:t>of</a:t>
+            </a:r>
+            <a:r>
+              <a:rPr/>
+              <a:t> </a:t>
+            </a:r>
+            <a:r>
+              <a:rPr/>
+              <a:t>upper</a:t>
+            </a:r>
+            <a:r>
+              <a:rPr/>
+              <a:t> </a:t>
+            </a:r>
+            <a:r>
+              <a:rPr/>
+              <a:t>and</a:t>
+            </a:r>
+            <a:r>
+              <a:rPr/>
+              <a:t> </a:t>
+            </a:r>
+            <a:r>
+              <a:rPr/>
+              <a:t>lower</a:t>
+            </a:r>
+            <a:r>
+              <a:rPr/>
+              <a:t> </a:t>
+            </a:r>
+            <a:r>
+              <a:rPr/>
+              <a:t>case</a:t>
+            </a:r>
+            <a:r>
+              <a:rPr/>
+              <a:t> </a:t>
+            </a:r>
+            <a:r>
+              <a:rPr/>
+              <a:t>within</a:t>
+            </a:r>
+            <a:r>
+              <a:rPr/>
+              <a:t> </a:t>
+            </a:r>
+            <a:r>
+              <a:rPr/>
+              <a:t>a</a:t>
+            </a:r>
+            <a:r>
+              <a:rPr/>
+              <a:t> </a:t>
+            </a:r>
+            <a:r>
+              <a:rPr/>
+              <a:t>variable</a:t>
+            </a:r>
+            <a:r>
+              <a:rPr/>
+              <a:t> </a:t>
+            </a:r>
+            <a:r>
+              <a:rPr/>
+              <a:t>name</a:t>
+            </a:r>
+            <a:r>
+              <a:rPr/>
+              <a:t> </a:t>
+            </a:r>
+            <a:r>
+              <a:rPr/>
+              <a:t>with</a:t>
+            </a:r>
+            <a:r>
+              <a:rPr/>
+              <a:t> </a:t>
+            </a:r>
+            <a:r>
+              <a:rPr/>
+              <a:t>each</a:t>
+            </a:r>
+            <a:r>
+              <a:rPr/>
+              <a:t> </a:t>
+            </a:r>
+            <a:r>
+              <a:rPr/>
+              <a:t>uppercase</a:t>
+            </a:r>
+            <a:r>
+              <a:rPr/>
+              <a:t> </a:t>
+            </a:r>
+            <a:r>
+              <a:rPr/>
+              <a:t>designating</a:t>
+            </a:r>
+            <a:r>
+              <a:rPr/>
+              <a:t> </a:t>
+            </a:r>
+            <a:r>
+              <a:rPr/>
+              <a:t>the</a:t>
+            </a:r>
+            <a:r>
+              <a:rPr/>
+              <a:t> </a:t>
+            </a:r>
+            <a:r>
+              <a:rPr/>
+              <a:t>beginning</a:t>
+            </a:r>
+            <a:r>
+              <a:rPr/>
+              <a:t> </a:t>
+            </a:r>
+            <a:r>
+              <a:rPr/>
+              <a:t>of</a:t>
+            </a:r>
+            <a:r>
+              <a:rPr/>
+              <a:t> </a:t>
+            </a:r>
+            <a:r>
+              <a:rPr/>
+              <a:t>a</a:t>
+            </a:r>
+            <a:r>
+              <a:rPr/>
+              <a:t> </a:t>
+            </a:r>
+            <a:r>
+              <a:rPr/>
+              <a:t>new</a:t>
+            </a:r>
+            <a:r>
+              <a:rPr/>
+              <a:t> </a:t>
+            </a:r>
+            <a:r>
+              <a:rPr/>
+              <a:t>“</a:t>
+            </a:r>
+            <a:r>
+              <a:rPr/>
+              <a:t>word</a:t>
+            </a:r>
+            <a:r>
+              <a:rPr/>
+              <a:t>”</a:t>
+            </a:r>
+            <a:r>
+              <a:rPr/>
+              <a:t>.</a:t>
+            </a:r>
+          </a:p>
+          <a:p>
+            <a:pPr lvl="0" marL="0" indent="0">
+              <a:buNone/>
+            </a:pPr>
+          </a:p>
+          <a:p>
+            <a:pPr lvl="0" marL="0" indent="0">
+              <a:buNone/>
+            </a:pPr>
+            <a:r>
+              <a:rPr/>
+              <a:t>The</a:t>
+            </a:r>
+            <a:r>
+              <a:rPr/>
+              <a:t> </a:t>
+            </a:r>
+            <a:r>
+              <a:rPr/>
+              <a:t>label</a:t>
+            </a:r>
+            <a:r>
+              <a:rPr/>
+              <a:t> </a:t>
+            </a:r>
+            <a:r>
+              <a:rPr/>
+              <a:t>statement</a:t>
+            </a:r>
+            <a:r>
+              <a:rPr/>
+              <a:t> </a:t>
+            </a:r>
+            <a:r>
+              <a:rPr/>
+              <a:t>provides</a:t>
+            </a:r>
+            <a:r>
+              <a:rPr/>
+              <a:t> </a:t>
+            </a:r>
+            <a:r>
+              <a:rPr/>
+              <a:t>descriptive</a:t>
+            </a:r>
+            <a:r>
+              <a:rPr/>
+              <a:t> </a:t>
+            </a:r>
+            <a:r>
+              <a:rPr/>
+              <a:t>labels</a:t>
+            </a:r>
+            <a:r>
+              <a:rPr/>
+              <a:t> </a:t>
+            </a:r>
+            <a:r>
+              <a:rPr/>
+              <a:t>for</a:t>
+            </a:r>
+            <a:r>
+              <a:rPr/>
+              <a:t> </a:t>
+            </a:r>
+            <a:r>
+              <a:rPr/>
+              <a:t>your</a:t>
+            </a:r>
+            <a:r>
+              <a:rPr/>
+              <a:t> </a:t>
+            </a:r>
+            <a:r>
+              <a:rPr/>
+              <a:t>variables.</a:t>
+            </a:r>
+            <a:r>
+              <a:rPr/>
+              <a:t> </a:t>
+            </a:r>
+            <a:r>
+              <a:rPr/>
+              <a:t>You</a:t>
+            </a:r>
+            <a:r>
+              <a:rPr/>
+              <a:t> </a:t>
+            </a:r>
+            <a:r>
+              <a:rPr/>
+              <a:t>can</a:t>
+            </a:r>
+            <a:r>
+              <a:rPr/>
+              <a:t> </a:t>
+            </a:r>
+            <a:r>
+              <a:rPr/>
+              <a:t>use</a:t>
+            </a:r>
+            <a:r>
+              <a:rPr/>
+              <a:t> </a:t>
+            </a:r>
+            <a:r>
+              <a:rPr/>
+              <a:t>special</a:t>
+            </a:r>
+            <a:r>
+              <a:rPr/>
+              <a:t> </a:t>
+            </a:r>
+            <a:r>
+              <a:rPr/>
+              <a:t>characters</a:t>
+            </a:r>
+            <a:r>
+              <a:rPr/>
+              <a:t> </a:t>
+            </a:r>
+            <a:r>
+              <a:rPr/>
+              <a:t>like</a:t>
+            </a:r>
+            <a:r>
+              <a:rPr/>
+              <a:t> </a:t>
+            </a:r>
+            <a:r>
+              <a:rPr/>
+              <a:t>parentheses,</a:t>
+            </a:r>
+            <a:r>
+              <a:rPr/>
+              <a:t> </a:t>
+            </a:r>
+            <a:r>
+              <a:rPr/>
+              <a:t>slashes,</a:t>
+            </a:r>
+            <a:r>
+              <a:rPr/>
+              <a:t> </a:t>
+            </a:r>
+            <a:r>
+              <a:rPr/>
+              <a:t>and</a:t>
+            </a:r>
+            <a:r>
+              <a:rPr/>
+              <a:t> </a:t>
+            </a:r>
+            <a:r>
+              <a:rPr/>
+              <a:t>dashes</a:t>
+            </a:r>
+            <a:r>
+              <a:rPr/>
+              <a:t> </a:t>
+            </a:r>
+            <a:r>
+              <a:rPr/>
+              <a:t>that</a:t>
+            </a:r>
+            <a:r>
+              <a:rPr/>
+              <a:t> </a:t>
+            </a:r>
+            <a:r>
+              <a:rPr/>
+              <a:t>would</a:t>
+            </a:r>
+            <a:r>
+              <a:rPr/>
+              <a:t> </a:t>
+            </a:r>
+            <a:r>
+              <a:rPr/>
+              <a:t>not</a:t>
+            </a:r>
+            <a:r>
+              <a:rPr/>
+              <a:t> </a:t>
+            </a:r>
+            <a:r>
+              <a:rPr/>
+              <a:t>be</a:t>
+            </a:r>
+            <a:r>
+              <a:rPr/>
+              <a:t> </a:t>
+            </a:r>
+            <a:r>
+              <a:rPr/>
+              <a:t>allowed</a:t>
+            </a:r>
+            <a:r>
+              <a:rPr/>
+              <a:t> </a:t>
+            </a:r>
+            <a:r>
+              <a:rPr/>
+              <a:t>in</a:t>
+            </a:r>
+            <a:r>
+              <a:rPr/>
+              <a:t> </a:t>
+            </a:r>
+            <a:r>
+              <a:rPr/>
+              <a:t>a</a:t>
+            </a:r>
+            <a:r>
+              <a:rPr/>
+              <a:t> </a:t>
+            </a:r>
+            <a:r>
+              <a:rPr/>
+              <a:t>variable</a:t>
+            </a:r>
+            <a:r>
+              <a:rPr/>
+              <a:t> </a:t>
+            </a:r>
+            <a:r>
+              <a:rPr/>
+              <a:t>name.</a:t>
+            </a:r>
+            <a:r>
+              <a:rPr/>
+              <a:t> </a:t>
+            </a:r>
+            <a:r>
+              <a:rPr/>
+              <a:t>The</a:t>
+            </a:r>
+            <a:r>
+              <a:rPr/>
+              <a:t> </a:t>
+            </a:r>
+            <a:r>
+              <a:rPr/>
+              <a:t>variable</a:t>
+            </a:r>
+            <a:r>
+              <a:rPr/>
+              <a:t> </a:t>
+            </a:r>
+            <a:r>
+              <a:rPr/>
+              <a:t>label</a:t>
+            </a:r>
+            <a:r>
+              <a:rPr/>
+              <a:t> </a:t>
+            </a:r>
+            <a:r>
+              <a:rPr/>
+              <a:t>provides</a:t>
+            </a:r>
+            <a:r>
+              <a:rPr/>
+              <a:t> </a:t>
+            </a:r>
+            <a:r>
+              <a:rPr/>
+              <a:t>you</a:t>
+            </a:r>
+            <a:r>
+              <a:rPr/>
+              <a:t> </a:t>
+            </a:r>
+            <a:r>
+              <a:rPr/>
+              <a:t>with</a:t>
+            </a:r>
+            <a:r>
+              <a:rPr/>
+              <a:t> </a:t>
+            </a:r>
+            <a:r>
+              <a:rPr/>
+              <a:t>the</a:t>
+            </a:r>
+            <a:r>
+              <a:rPr/>
+              <a:t> </a:t>
+            </a:r>
+            <a:r>
+              <a:rPr/>
+              <a:t>opportunity</a:t>
+            </a:r>
+            <a:r>
+              <a:rPr/>
+              <a:t> </a:t>
+            </a:r>
+            <a:r>
+              <a:rPr/>
+              <a:t>to</a:t>
+            </a:r>
+            <a:r>
+              <a:rPr/>
+              <a:t> </a:t>
+            </a:r>
+            <a:r>
+              <a:rPr/>
+              <a:t>give</a:t>
+            </a:r>
+            <a:r>
+              <a:rPr/>
+              <a:t> </a:t>
+            </a:r>
+            <a:r>
+              <a:rPr/>
+              <a:t>a</a:t>
+            </a:r>
+            <a:r>
+              <a:rPr/>
+              <a:t> </a:t>
+            </a:r>
+            <a:r>
+              <a:rPr/>
+              <a:t>more</a:t>
+            </a:r>
+            <a:r>
+              <a:rPr/>
+              <a:t> </a:t>
+            </a:r>
+            <a:r>
+              <a:rPr/>
+              <a:t>detailed</a:t>
+            </a:r>
+            <a:r>
+              <a:rPr/>
+              <a:t> </a:t>
+            </a:r>
+            <a:r>
+              <a:rPr/>
+              <a:t>description</a:t>
+            </a:r>
+            <a:r>
+              <a:rPr/>
+              <a:t> </a:t>
+            </a:r>
+            <a:r>
+              <a:rPr/>
+              <a:t>of</a:t>
+            </a:r>
+            <a:r>
+              <a:rPr/>
+              <a:t> </a:t>
+            </a:r>
+            <a:r>
+              <a:rPr/>
+              <a:t>your</a:t>
+            </a:r>
+            <a:r>
+              <a:rPr/>
+              <a:t> </a:t>
+            </a:r>
+            <a:r>
+              <a:rPr/>
+              <a:t>variable,</a:t>
+            </a:r>
+            <a:r>
+              <a:rPr/>
+              <a:t> </a:t>
+            </a:r>
+            <a:r>
+              <a:rPr/>
+              <a:t>including</a:t>
+            </a:r>
+            <a:r>
+              <a:rPr/>
+              <a:t> </a:t>
+            </a:r>
+            <a:r>
+              <a:rPr/>
+              <a:t>the</a:t>
+            </a:r>
+            <a:r>
+              <a:rPr/>
+              <a:t> </a:t>
+            </a:r>
+            <a:r>
+              <a:rPr/>
+              <a:t>units</a:t>
+            </a:r>
+            <a:r>
+              <a:rPr/>
+              <a:t> </a:t>
+            </a:r>
+            <a:r>
+              <a:rPr/>
+              <a:t>of</a:t>
+            </a:r>
+            <a:r>
+              <a:rPr/>
+              <a:t> </a:t>
+            </a:r>
+            <a:r>
+              <a:rPr/>
+              <a:t>measurement.</a:t>
+            </a:r>
+            <a:r>
+              <a:rPr/>
+              <a:t> </a:t>
+            </a:r>
+            <a:r>
+              <a:rPr/>
+              <a:t>The</a:t>
+            </a:r>
+            <a:r>
+              <a:rPr/>
+              <a:t> </a:t>
+            </a:r>
+            <a:r>
+              <a:rPr/>
+              <a:t>variable</a:t>
+            </a:r>
+            <a:r>
+              <a:rPr/>
+              <a:t> </a:t>
+            </a:r>
+            <a:r>
+              <a:rPr/>
+              <a:t>labels</a:t>
+            </a:r>
+            <a:r>
+              <a:rPr/>
+              <a:t> </a:t>
+            </a:r>
+            <a:r>
+              <a:rPr/>
+              <a:t>will</a:t>
+            </a:r>
+            <a:r>
+              <a:rPr/>
+              <a:t> </a:t>
+            </a:r>
+            <a:r>
+              <a:rPr/>
+              <a:t>appear</a:t>
+            </a:r>
+            <a:r>
+              <a:rPr/>
+              <a:t> </a:t>
+            </a:r>
+            <a:r>
+              <a:rPr/>
+              <a:t>on</a:t>
+            </a:r>
+            <a:r>
+              <a:rPr/>
+              <a:t> </a:t>
+            </a:r>
+            <a:r>
+              <a:rPr/>
+              <a:t>some</a:t>
+            </a:r>
+            <a:r>
+              <a:rPr/>
+              <a:t> </a:t>
+            </a:r>
+            <a:r>
+              <a:rPr/>
+              <a:t>of</a:t>
+            </a:r>
+            <a:r>
+              <a:rPr/>
+              <a:t> </a:t>
+            </a:r>
+            <a:r>
+              <a:rPr/>
+              <a:t>the</a:t>
+            </a:r>
+            <a:r>
+              <a:rPr/>
+              <a:t> </a:t>
+            </a:r>
+            <a:r>
+              <a:rPr/>
+              <a:t>SAS</a:t>
+            </a:r>
+            <a:r>
+              <a:rPr/>
+              <a:t> </a:t>
+            </a:r>
+            <a:r>
+              <a:rPr/>
+              <a:t>output,</a:t>
+            </a:r>
+            <a:r>
+              <a:rPr/>
+              <a:t> </a:t>
+            </a:r>
+            <a:r>
+              <a:rPr/>
+              <a:t>which</a:t>
+            </a:r>
+            <a:r>
+              <a:rPr/>
+              <a:t> </a:t>
+            </a:r>
+            <a:r>
+              <a:rPr/>
+              <a:t>helps</a:t>
+            </a:r>
+            <a:r>
+              <a:rPr/>
+              <a:t> </a:t>
+            </a:r>
+            <a:r>
+              <a:rPr/>
+              <a:t>you</a:t>
+            </a:r>
+            <a:r>
+              <a:rPr/>
+              <a:t> </a:t>
+            </a:r>
+            <a:r>
+              <a:rPr/>
+              <a:t>clarify</a:t>
+            </a:r>
+            <a:r>
+              <a:rPr/>
+              <a:t> </a:t>
+            </a:r>
+            <a:r>
+              <a:rPr/>
+              <a:t>what</a:t>
+            </a:r>
+            <a:r>
+              <a:rPr/>
+              <a:t> </a:t>
+            </a:r>
+            <a:r>
+              <a:rPr/>
+              <a:t>the</a:t>
+            </a:r>
+            <a:r>
+              <a:rPr/>
+              <a:t> </a:t>
+            </a:r>
+            <a:r>
+              <a:rPr/>
+              <a:t>tables</a:t>
+            </a:r>
+            <a:r>
+              <a:rPr/>
+              <a:t> </a:t>
+            </a:r>
+            <a:r>
+              <a:rPr/>
+              <a:t>and</a:t>
+            </a:r>
+            <a:r>
+              <a:rPr/>
+              <a:t> </a:t>
+            </a:r>
+            <a:r>
+              <a:rPr/>
+              <a:t>graphs</a:t>
+            </a:r>
+            <a:r>
+              <a:rPr/>
+              <a:t> </a:t>
+            </a:r>
+            <a:r>
+              <a:rPr/>
+              <a:t>are</a:t>
+            </a:r>
+            <a:r>
+              <a:rPr/>
+              <a:t> </a:t>
+            </a:r>
+            <a:r>
+              <a:rPr/>
+              <a:t>representing.</a:t>
+            </a:r>
+          </a:p>
+          <a:p>
+            <a:pPr lvl="0" marL="0" indent="0">
+              <a:buNone/>
+            </a:pPr>
+          </a:p>
+          <a:p>
+            <a:pPr lvl="0" marL="0" indent="0">
+              <a:buNone/>
+            </a:pPr>
+            <a:r>
+              <a:rPr/>
+              <a:t>The</a:t>
+            </a:r>
+            <a:r>
+              <a:rPr/>
+              <a:t> </a:t>
+            </a:r>
+            <a:r>
+              <a:rPr/>
+              <a:t>run</a:t>
+            </a:r>
+            <a:r>
+              <a:rPr/>
+              <a:t> </a:t>
+            </a:r>
+            <a:r>
+              <a:rPr/>
+              <a:t>statement</a:t>
+            </a:r>
+            <a:r>
+              <a:rPr/>
+              <a:t> </a:t>
+            </a:r>
+            <a:r>
+              <a:rPr/>
+              <a:t>tells</a:t>
+            </a:r>
+            <a:r>
+              <a:rPr/>
+              <a:t> </a:t>
+            </a:r>
+            <a:r>
+              <a:rPr/>
+              <a:t>SAS</a:t>
+            </a:r>
+            <a:r>
+              <a:rPr/>
+              <a:t> </a:t>
+            </a:r>
+            <a:r>
+              <a:rPr/>
+              <a:t>that</a:t>
+            </a:r>
+            <a:r>
+              <a:rPr/>
+              <a:t> </a:t>
+            </a:r>
+            <a:r>
+              <a:rPr/>
+              <a:t>you</a:t>
+            </a:r>
+            <a:r>
+              <a:rPr/>
+              <a:t> </a:t>
+            </a:r>
+            <a:r>
+              <a:rPr/>
+              <a:t>are</a:t>
+            </a:r>
+            <a:r>
+              <a:rPr/>
+              <a:t> </a:t>
+            </a:r>
+            <a:r>
+              <a:rPr/>
+              <a:t>ready</a:t>
+            </a:r>
+            <a:r>
+              <a:rPr/>
+              <a:t> </a:t>
+            </a:r>
+            <a:r>
+              <a:rPr/>
+              <a:t>to</a:t>
+            </a:r>
+            <a:r>
+              <a:rPr/>
+              <a:t> </a:t>
+            </a:r>
+            <a:r>
+              <a:rPr/>
+              <a:t>go</a:t>
+            </a:r>
+            <a:r>
+              <a:rPr/>
+              <a:t> </a:t>
+            </a:r>
+            <a:r>
+              <a:rPr/>
+              <a:t>and</a:t>
+            </a:r>
+            <a:r>
+              <a:rPr/>
+              <a:t> </a:t>
+            </a:r>
+            <a:r>
+              <a:rPr/>
+              <a:t>there</a:t>
+            </a:r>
+            <a:r>
+              <a:rPr/>
+              <a:t> </a:t>
+            </a:r>
+            <a:r>
+              <a:rPr/>
+              <a:t>is</a:t>
+            </a:r>
+            <a:r>
+              <a:rPr/>
+              <a:t> </a:t>
+            </a:r>
+            <a:r>
+              <a:rPr/>
+              <a:t>nothing</a:t>
+            </a:r>
+            <a:r>
+              <a:rPr/>
+              <a:t> </a:t>
+            </a:r>
+            <a:r>
+              <a:rPr/>
+              <a:t>more</a:t>
+            </a:r>
+            <a:r>
+              <a:rPr/>
+              <a:t> </a:t>
+            </a:r>
+            <a:r>
+              <a:rPr/>
+              <a:t>to</a:t>
+            </a:r>
+            <a:r>
+              <a:rPr/>
+              <a:t> </a:t>
+            </a:r>
+            <a:r>
+              <a:rPr/>
+              <a:t>input</a:t>
+            </a:r>
+            <a:r>
+              <a:rPr/>
+              <a:t> </a:t>
+            </a:r>
+            <a:r>
+              <a:rPr/>
+              <a:t>or</a:t>
+            </a:r>
+            <a:r>
+              <a:rPr/>
+              <a:t> </a:t>
+            </a:r>
+            <a:r>
+              <a:rPr/>
+              <a:t>manipulate.</a:t>
+            </a:r>
+          </a:p>
+        </p:txBody>
+      </p:sp>
+      <p:sp>
+        <p:nvSpPr>
+          <p:cNvPr id="4" name="Slide Number Placeholder 3"/>
+          <p:cNvSpPr>
+            <a:spLocks noGrp="1"/>
+          </p:cNvSpPr>
+          <p:nvPr>
+            <p:ph type="sldNum" sz="quarter" idx="10"/>
+          </p:nvPr>
+        </p:nvSpPr>
+        <p:spPr/>
+        <p:txBody>
+          <a:bodyPr/>
+          <a:lstStyle/>
+          <a:p>
+            <a:fld id="{18BDFEC3-8487-43E8-A154-7C12CBC1FFF2}" type="slidenum">
+              <a:rPr lang="en-US"/>
+              <a:t>4</a:t>
+            </a:fld>
+            <a:endParaRPr lang="en-US"/>
+          </a:p>
+        </p:txBody>
+      </p:sp>
+    </p:spTree>
+  </p:cSld>
+</p:notes>
+</file>
+
+<file path=ppt/notesSlides/notesSlide4.xml><?xml version="1.0" encoding="utf-8"?>
+<p:notes xmlns:a="http://schemas.openxmlformats.org/drawingml/2006/main" xmlns:r="http://schemas.openxmlformats.org/officeDocument/2006/relationships" xmlns:p="http://schemas.openxmlformats.org/presentationml/2006/main">
+  <p:cSld>
+    <p:spTree>
+      <p:nvGrpSpPr>
+        <p:cNvPr id="1" name=""/>
+        <p:cNvGrpSpPr/>
+        <p:nvPr/>
+      </p:nvGrpSpPr>
+      <p:grpSpPr>
+        <a:xfrm>
+          <a:off x="0" y="0"/>
+          <a:ext cx="0" cy="0"/>
+          <a:chOff x="0" y="0"/>
+          <a:chExt cx="0" cy="0"/>
+        </a:xfrm>
+      </p:grpSpPr>
+      <p:sp>
+        <p:nvSpPr>
+          <p:cNvPr id="2" name="Slide Image Placeholder 1"/>
+          <p:cNvSpPr>
+            <a:spLocks noGrp="1" noRot="1" noChangeAspect="1"/>
+          </p:cNvSpPr>
+          <p:nvPr>
+            <p:ph type="sldImg"/>
+          </p:nvPr>
+        </p:nvSpPr>
+        <p:spPr/>
+      </p:sp>
+      <p:sp>
+        <p:nvSpPr>
+          <p:cNvPr id="3" name="Notes Placeholder 2"/>
+          <p:cNvSpPr>
+            <a:spLocks noGrp="1"/>
+          </p:cNvSpPr>
+          <p:nvPr>
+            <p:ph type="body" idx="1"/>
+          </p:nvPr>
+        </p:nvSpPr>
+        <p:spPr/>
+        <p:txBody>
+          <a:bodyPr/>
+          <a:lstStyle/>
+          <a:p>
+            <a:pPr lvl="0" marL="0" indent="0">
+              <a:buNone/>
+            </a:pPr>
+            <a:r>
+              <a:rPr/>
+              <a:t>The</a:t>
+            </a:r>
+            <a:r>
+              <a:rPr/>
+              <a:t> </a:t>
+            </a:r>
+            <a:r>
+              <a:rPr/>
+              <a:t>label</a:t>
+            </a:r>
+            <a:r>
+              <a:rPr/>
+              <a:t> </a:t>
+            </a:r>
+            <a:r>
+              <a:rPr/>
+              <a:t>statemet</a:t>
+            </a:r>
+            <a:r>
+              <a:rPr/>
+              <a:t> </a:t>
+            </a:r>
+            <a:r>
+              <a:rPr/>
+              <a:t>is</a:t>
+            </a:r>
+            <a:r>
+              <a:rPr/>
+              <a:t> </a:t>
+            </a:r>
+            <a:r>
+              <a:rPr/>
+              <a:t>optional,</a:t>
+            </a:r>
+            <a:r>
+              <a:rPr/>
+              <a:t> </a:t>
+            </a:r>
+            <a:r>
+              <a:rPr/>
+              <a:t>but</a:t>
+            </a:r>
+            <a:r>
+              <a:rPr/>
+              <a:t> </a:t>
+            </a:r>
+            <a:r>
+              <a:rPr/>
+              <a:t>strongly</a:t>
+            </a:r>
+            <a:r>
+              <a:rPr/>
+              <a:t> </a:t>
+            </a:r>
+            <a:r>
+              <a:rPr/>
+              <a:t>recommended.</a:t>
+            </a:r>
+            <a:r>
+              <a:rPr/>
+              <a:t> </a:t>
+            </a:r>
+            <a:r>
+              <a:rPr/>
+              <a:t>It</a:t>
+            </a:r>
+            <a:r>
+              <a:rPr/>
+              <a:t> </a:t>
+            </a:r>
+            <a:r>
+              <a:rPr/>
+              <a:t>attaches</a:t>
+            </a:r>
+            <a:r>
+              <a:rPr/>
+              <a:t> </a:t>
+            </a:r>
+            <a:r>
+              <a:rPr/>
+              <a:t>descrptive</a:t>
+            </a:r>
+            <a:r>
+              <a:rPr/>
+              <a:t> </a:t>
+            </a:r>
+            <a:r>
+              <a:rPr/>
+              <a:t>labels</a:t>
+            </a:r>
+            <a:r>
+              <a:rPr/>
+              <a:t> </a:t>
+            </a:r>
+            <a:r>
+              <a:rPr/>
+              <a:t>to</a:t>
+            </a:r>
+            <a:r>
+              <a:rPr/>
+              <a:t> </a:t>
+            </a:r>
+            <a:r>
+              <a:rPr/>
+              <a:t>your</a:t>
+            </a:r>
+            <a:r>
+              <a:rPr/>
+              <a:t> </a:t>
+            </a:r>
+            <a:r>
+              <a:rPr/>
+              <a:t>variables.</a:t>
+            </a:r>
+            <a:r>
+              <a:rPr/>
+              <a:t> </a:t>
+            </a:r>
+            <a:r>
+              <a:rPr/>
+              <a:t>These</a:t>
+            </a:r>
+            <a:r>
+              <a:rPr/>
+              <a:t> </a:t>
+            </a:r>
+            <a:r>
+              <a:rPr/>
+              <a:t>labels</a:t>
+            </a:r>
+            <a:r>
+              <a:rPr/>
+              <a:t> </a:t>
+            </a:r>
+            <a:r>
+              <a:rPr/>
+              <a:t>are</a:t>
+            </a:r>
+            <a:r>
+              <a:rPr/>
+              <a:t> </a:t>
+            </a:r>
+            <a:r>
+              <a:rPr/>
+              <a:t>used</a:t>
+            </a:r>
+            <a:r>
+              <a:rPr/>
+              <a:t> </a:t>
+            </a:r>
+            <a:r>
+              <a:rPr/>
+              <a:t>in</a:t>
+            </a:r>
+            <a:r>
+              <a:rPr/>
+              <a:t> </a:t>
+            </a:r>
+            <a:r>
+              <a:rPr/>
+              <a:t>some</a:t>
+            </a:r>
+            <a:r>
+              <a:rPr/>
+              <a:t> </a:t>
+            </a:r>
+            <a:r>
+              <a:rPr/>
+              <a:t>(but</a:t>
+            </a:r>
+            <a:r>
+              <a:rPr/>
+              <a:t> </a:t>
+            </a:r>
+            <a:r>
+              <a:rPr/>
+              <a:t>not</a:t>
+            </a:r>
+            <a:r>
+              <a:rPr/>
+              <a:t> </a:t>
+            </a:r>
+            <a:r>
+              <a:rPr/>
+              <a:t>all)</a:t>
+            </a:r>
+            <a:r>
+              <a:rPr/>
+              <a:t> </a:t>
+            </a:r>
+            <a:r>
+              <a:rPr/>
+              <a:t>of</a:t>
+            </a:r>
+            <a:r>
+              <a:rPr/>
+              <a:t> </a:t>
+            </a:r>
+            <a:r>
+              <a:rPr/>
+              <a:t>the</a:t>
+            </a:r>
+            <a:r>
+              <a:rPr/>
+              <a:t> </a:t>
+            </a:r>
+            <a:r>
+              <a:rPr/>
+              <a:t>SAS</a:t>
+            </a:r>
+            <a:r>
+              <a:rPr/>
+              <a:t> </a:t>
+            </a:r>
+            <a:r>
+              <a:rPr/>
+              <a:t>output.</a:t>
+            </a:r>
+          </a:p>
+        </p:txBody>
+      </p:sp>
+      <p:sp>
+        <p:nvSpPr>
+          <p:cNvPr id="4" name="Slide Number Placeholder 3"/>
+          <p:cNvSpPr>
+            <a:spLocks noGrp="1"/>
+          </p:cNvSpPr>
+          <p:nvPr>
+            <p:ph type="sldNum" sz="quarter" idx="10"/>
+          </p:nvPr>
+        </p:nvSpPr>
+        <p:spPr/>
+        <p:txBody>
+          <a:bodyPr/>
+          <a:lstStyle/>
+          <a:p>
+            <a:fld id="{18BDFEC3-8487-43E8-A154-7C12CBC1FFF2}" type="slidenum">
+              <a:rPr lang="en-US"/>
+              <a:t>5</a:t>
+            </a:fld>
+            <a:endParaRPr lang="en-US"/>
+          </a:p>
+        </p:txBody>
+      </p:sp>
+    </p:spTree>
+  </p:cSld>
+</p:notes>
+</file>
+
+<file path=ppt/notesSlides/notesSlide5.xml><?xml version="1.0" encoding="utf-8"?>
+<p:notes xmlns:a="http://schemas.openxmlformats.org/drawingml/2006/main" xmlns:r="http://schemas.openxmlformats.org/officeDocument/2006/relationships" xmlns:p="http://schemas.openxmlformats.org/presentationml/2006/main">
+  <p:cSld>
+    <p:spTree>
+      <p:nvGrpSpPr>
+        <p:cNvPr id="1" name=""/>
+        <p:cNvGrpSpPr/>
+        <p:nvPr/>
+      </p:nvGrpSpPr>
+      <p:grpSpPr>
+        <a:xfrm>
+          <a:off x="0" y="0"/>
+          <a:ext cx="0" cy="0"/>
+          <a:chOff x="0" y="0"/>
+          <a:chExt cx="0" cy="0"/>
+        </a:xfrm>
+      </p:grpSpPr>
+      <p:sp>
+        <p:nvSpPr>
+          <p:cNvPr id="2" name="Slide Image Placeholder 1"/>
+          <p:cNvSpPr>
+            <a:spLocks noGrp="1" noRot="1" noChangeAspect="1"/>
+          </p:cNvSpPr>
+          <p:nvPr>
+            <p:ph type="sldImg"/>
+          </p:nvPr>
+        </p:nvSpPr>
+        <p:spPr/>
+      </p:sp>
+      <p:sp>
+        <p:nvSpPr>
+          <p:cNvPr id="3" name="Notes Placeholder 2"/>
+          <p:cNvSpPr>
+            <a:spLocks noGrp="1"/>
+          </p:cNvSpPr>
+          <p:nvPr>
+            <p:ph type="body" idx="1"/>
+          </p:nvPr>
+        </p:nvSpPr>
+        <p:spPr/>
+        <p:txBody>
+          <a:bodyPr/>
+          <a:lstStyle/>
+          <a:p>
+            <a:pPr lvl="0" marL="0" indent="0">
+              <a:buNone/>
+            </a:pPr>
+            <a:r>
+              <a:rPr/>
+              <a:t>It’s</a:t>
+            </a:r>
+            <a:r>
+              <a:rPr/>
+              <a:t> </a:t>
+            </a:r>
+            <a:r>
+              <a:rPr/>
+              <a:t>always</a:t>
+            </a:r>
+            <a:r>
+              <a:rPr/>
+              <a:t> </a:t>
+            </a:r>
+            <a:r>
+              <a:rPr/>
+              <a:t>a</a:t>
+            </a:r>
+            <a:r>
+              <a:rPr/>
+              <a:t> </a:t>
+            </a:r>
+            <a:r>
+              <a:rPr/>
+              <a:t>good</a:t>
+            </a:r>
+            <a:r>
+              <a:rPr/>
+              <a:t> </a:t>
+            </a:r>
+            <a:r>
+              <a:rPr/>
+              <a:t>idea</a:t>
+            </a:r>
+            <a:r>
+              <a:rPr/>
+              <a:t> </a:t>
+            </a:r>
+            <a:r>
+              <a:rPr/>
+              <a:t>to</a:t>
+            </a:r>
+            <a:r>
+              <a:rPr/>
+              <a:t> </a:t>
+            </a:r>
+            <a:r>
+              <a:rPr/>
+              <a:t>print</a:t>
+            </a:r>
+            <a:r>
+              <a:rPr/>
+              <a:t> </a:t>
+            </a:r>
+            <a:r>
+              <a:rPr/>
+              <a:t>out</a:t>
+            </a:r>
+            <a:r>
+              <a:rPr/>
+              <a:t> </a:t>
+            </a:r>
+            <a:r>
+              <a:rPr/>
+              <a:t>a</a:t>
+            </a:r>
+            <a:r>
+              <a:rPr/>
+              <a:t> </a:t>
+            </a:r>
+            <a:r>
+              <a:rPr/>
+              <a:t>small</a:t>
+            </a:r>
+            <a:r>
+              <a:rPr/>
+              <a:t> </a:t>
+            </a:r>
+            <a:r>
+              <a:rPr/>
+              <a:t>piece</a:t>
+            </a:r>
+            <a:r>
+              <a:rPr/>
+              <a:t> </a:t>
+            </a:r>
+            <a:r>
+              <a:rPr/>
+              <a:t>of</a:t>
+            </a:r>
+            <a:r>
+              <a:rPr/>
+              <a:t> </a:t>
+            </a:r>
+            <a:r>
+              <a:rPr/>
+              <a:t>your</a:t>
+            </a:r>
+            <a:r>
+              <a:rPr/>
+              <a:t> </a:t>
+            </a:r>
+            <a:r>
+              <a:rPr/>
+              <a:t>data</a:t>
+            </a:r>
+            <a:r>
+              <a:rPr/>
+              <a:t> </a:t>
+            </a:r>
+            <a:r>
+              <a:rPr/>
+              <a:t>to</a:t>
+            </a:r>
+            <a:r>
+              <a:rPr/>
+              <a:t> </a:t>
+            </a:r>
+            <a:r>
+              <a:rPr/>
+              <a:t>make</a:t>
+            </a:r>
+            <a:r>
+              <a:rPr/>
+              <a:t> </a:t>
+            </a:r>
+            <a:r>
+              <a:rPr/>
+              <a:t>sure</a:t>
+            </a:r>
+            <a:r>
+              <a:rPr/>
+              <a:t> </a:t>
+            </a:r>
+            <a:r>
+              <a:rPr/>
+              <a:t>everything</a:t>
+            </a:r>
+            <a:r>
+              <a:rPr/>
+              <a:t> </a:t>
+            </a:r>
+            <a:r>
+              <a:rPr/>
+              <a:t>is</a:t>
+            </a:r>
+            <a:r>
+              <a:rPr/>
+              <a:t> </a:t>
+            </a:r>
+            <a:r>
+              <a:rPr/>
+              <a:t>okay.</a:t>
+            </a:r>
+          </a:p>
+          <a:p>
+            <a:pPr lvl="0" marL="0" indent="0">
+              <a:buNone/>
+            </a:pPr>
+          </a:p>
+          <a:p>
+            <a:pPr lvl="0" marL="0" indent="0">
+              <a:buNone/>
+            </a:pPr>
+            <a:r>
+              <a:rPr/>
+              <a:t>The</a:t>
+            </a:r>
+            <a:r>
+              <a:rPr/>
+              <a:t> </a:t>
+            </a:r>
+            <a:r>
+              <a:rPr/>
+              <a:t>data</a:t>
+            </a:r>
+            <a:r>
+              <a:rPr/>
+              <a:t> </a:t>
+            </a:r>
+            <a:r>
+              <a:rPr/>
+              <a:t>option</a:t>
+            </a:r>
+            <a:r>
+              <a:rPr/>
+              <a:t> </a:t>
+            </a:r>
+            <a:r>
+              <a:rPr/>
+              <a:t>tells</a:t>
+            </a:r>
+            <a:r>
+              <a:rPr/>
+              <a:t> </a:t>
+            </a:r>
+            <a:r>
+              <a:rPr/>
+              <a:t>SAS</a:t>
+            </a:r>
+            <a:r>
+              <a:rPr/>
+              <a:t> </a:t>
+            </a:r>
+            <a:r>
+              <a:rPr/>
+              <a:t>what</a:t>
+            </a:r>
+            <a:r>
+              <a:rPr/>
+              <a:t> </a:t>
+            </a:r>
+            <a:r>
+              <a:rPr/>
+              <a:t>data</a:t>
+            </a:r>
+            <a:r>
+              <a:rPr/>
+              <a:t> </a:t>
+            </a:r>
+            <a:r>
+              <a:rPr/>
+              <a:t>set</a:t>
+            </a:r>
+            <a:r>
+              <a:rPr/>
+              <a:t> </a:t>
+            </a:r>
+            <a:r>
+              <a:rPr/>
+              <a:t>you</a:t>
+            </a:r>
+            <a:r>
+              <a:rPr/>
+              <a:t> </a:t>
+            </a:r>
+            <a:r>
+              <a:rPr/>
+              <a:t>want</a:t>
+            </a:r>
+            <a:r>
+              <a:rPr/>
+              <a:t> </a:t>
+            </a:r>
+            <a:r>
+              <a:rPr/>
+              <a:t>to</a:t>
+            </a:r>
+            <a:r>
+              <a:rPr/>
+              <a:t> </a:t>
+            </a:r>
+            <a:r>
+              <a:rPr/>
+              <a:t>print.</a:t>
+            </a:r>
+            <a:r>
+              <a:rPr/>
+              <a:t> </a:t>
+            </a:r>
+            <a:r>
+              <a:rPr/>
+              <a:t>If</a:t>
+            </a:r>
+            <a:r>
+              <a:rPr/>
+              <a:t> </a:t>
+            </a:r>
+            <a:r>
+              <a:rPr/>
+              <a:t>you</a:t>
+            </a:r>
+            <a:r>
+              <a:rPr/>
+              <a:t> </a:t>
+            </a:r>
+            <a:r>
+              <a:rPr/>
+              <a:t>omit</a:t>
+            </a:r>
+            <a:r>
+              <a:rPr/>
+              <a:t> </a:t>
+            </a:r>
+            <a:r>
+              <a:rPr/>
+              <a:t>this,</a:t>
+            </a:r>
+            <a:r>
+              <a:rPr/>
+              <a:t> </a:t>
+            </a:r>
+            <a:r>
+              <a:rPr/>
+              <a:t>SAS</a:t>
+            </a:r>
+            <a:r>
+              <a:rPr/>
+              <a:t> </a:t>
+            </a:r>
+            <a:r>
+              <a:rPr/>
+              <a:t>will</a:t>
+            </a:r>
+            <a:r>
+              <a:rPr/>
+              <a:t> </a:t>
+            </a:r>
+            <a:r>
+              <a:rPr/>
+              <a:t>print</a:t>
+            </a:r>
+            <a:r>
+              <a:rPr/>
+              <a:t> </a:t>
+            </a:r>
+            <a:r>
+              <a:rPr/>
+              <a:t>the</a:t>
+            </a:r>
+            <a:r>
+              <a:rPr/>
+              <a:t> </a:t>
+            </a:r>
+            <a:r>
+              <a:rPr/>
+              <a:t>most</a:t>
+            </a:r>
+            <a:r>
+              <a:rPr/>
+              <a:t> </a:t>
+            </a:r>
+            <a:r>
+              <a:rPr/>
+              <a:t>recently</a:t>
+            </a:r>
+            <a:r>
+              <a:rPr/>
+              <a:t> </a:t>
+            </a:r>
+            <a:r>
+              <a:rPr/>
+              <a:t>created</a:t>
+            </a:r>
+            <a:r>
+              <a:rPr/>
+              <a:t> </a:t>
+            </a:r>
+            <a:r>
+              <a:rPr/>
+              <a:t>data</a:t>
+            </a:r>
+            <a:r>
+              <a:rPr/>
+              <a:t> </a:t>
+            </a:r>
+            <a:r>
+              <a:rPr/>
+              <a:t>set.</a:t>
+            </a:r>
+          </a:p>
+          <a:p>
+            <a:pPr lvl="0" marL="0" indent="0">
+              <a:buNone/>
+            </a:pPr>
+          </a:p>
+          <a:p>
+            <a:pPr lvl="0" marL="0" indent="0">
+              <a:buNone/>
+            </a:pPr>
+            <a:r>
+              <a:rPr/>
+              <a:t>The</a:t>
+            </a:r>
+            <a:r>
+              <a:rPr/>
+              <a:t> </a:t>
+            </a:r>
+            <a:r>
+              <a:rPr/>
+              <a:t>obs=10</a:t>
+            </a:r>
+            <a:r>
+              <a:rPr/>
+              <a:t> </a:t>
+            </a:r>
+            <a:r>
+              <a:rPr/>
+              <a:t>option</a:t>
+            </a:r>
+            <a:r>
+              <a:rPr/>
+              <a:t> </a:t>
+            </a:r>
+            <a:r>
+              <a:rPr/>
+              <a:t>limits</a:t>
+            </a:r>
+            <a:r>
+              <a:rPr/>
+              <a:t> </a:t>
+            </a:r>
+            <a:r>
+              <a:rPr/>
+              <a:t>the</a:t>
+            </a:r>
+            <a:r>
+              <a:rPr/>
+              <a:t> </a:t>
+            </a:r>
+            <a:r>
+              <a:rPr/>
+              <a:t>number</a:t>
+            </a:r>
+            <a:r>
+              <a:rPr/>
+              <a:t> </a:t>
+            </a:r>
+            <a:r>
+              <a:rPr/>
+              <a:t>of</a:t>
+            </a:r>
+            <a:r>
+              <a:rPr/>
+              <a:t> </a:t>
+            </a:r>
+            <a:r>
+              <a:rPr/>
+              <a:t>rows</a:t>
+            </a:r>
+            <a:r>
+              <a:rPr/>
+              <a:t> </a:t>
+            </a:r>
+            <a:r>
+              <a:rPr/>
+              <a:t>printed</a:t>
+            </a:r>
+            <a:r>
+              <a:rPr/>
+              <a:t> </a:t>
+            </a:r>
+            <a:r>
+              <a:rPr/>
+              <a:t>to</a:t>
+            </a:r>
+            <a:r>
+              <a:rPr/>
+              <a:t> </a:t>
+            </a:r>
+            <a:r>
+              <a:rPr/>
+              <a:t>the</a:t>
+            </a:r>
+            <a:r>
+              <a:rPr/>
+              <a:t> </a:t>
+            </a:r>
+            <a:r>
+              <a:rPr/>
+              <a:t>first</a:t>
+            </a:r>
+            <a:r>
+              <a:rPr/>
+              <a:t> </a:t>
+            </a:r>
+            <a:r>
+              <a:rPr/>
+              <a:t>10.</a:t>
+            </a:r>
+            <a:r>
+              <a:rPr/>
+              <a:t> </a:t>
+            </a:r>
+            <a:r>
+              <a:rPr/>
+              <a:t>For</a:t>
+            </a:r>
+            <a:r>
+              <a:rPr/>
+              <a:t> </a:t>
+            </a:r>
+            <a:r>
+              <a:rPr/>
+              <a:t>large</a:t>
+            </a:r>
+            <a:r>
+              <a:rPr/>
+              <a:t> </a:t>
+            </a:r>
+            <a:r>
+              <a:rPr/>
+              <a:t>data</a:t>
+            </a:r>
+            <a:r>
+              <a:rPr/>
+              <a:t> </a:t>
+            </a:r>
+            <a:r>
+              <a:rPr/>
+              <a:t>sets,</a:t>
+            </a:r>
+            <a:r>
+              <a:rPr/>
+              <a:t> </a:t>
+            </a:r>
+            <a:r>
+              <a:rPr/>
+              <a:t>you</a:t>
+            </a:r>
+            <a:r>
+              <a:rPr/>
+              <a:t> </a:t>
+            </a:r>
+            <a:r>
+              <a:rPr/>
+              <a:t>should</a:t>
+            </a:r>
+            <a:r>
+              <a:rPr/>
+              <a:t> </a:t>
+            </a:r>
+            <a:r>
+              <a:rPr/>
+              <a:t>always</a:t>
+            </a:r>
+            <a:r>
+              <a:rPr/>
+              <a:t> </a:t>
+            </a:r>
+            <a:r>
+              <a:rPr/>
+              <a:t>take</a:t>
+            </a:r>
+            <a:r>
+              <a:rPr/>
+              <a:t> </a:t>
+            </a:r>
+            <a:r>
+              <a:rPr/>
+              <a:t>advantage</a:t>
+            </a:r>
+            <a:r>
+              <a:rPr/>
+              <a:t> </a:t>
+            </a:r>
+            <a:r>
+              <a:rPr/>
+              <a:t>of</a:t>
+            </a:r>
+            <a:r>
+              <a:rPr/>
+              <a:t> </a:t>
+            </a:r>
+            <a:r>
+              <a:rPr/>
+              <a:t>this</a:t>
+            </a:r>
+            <a:r>
+              <a:rPr/>
+              <a:t> </a:t>
+            </a:r>
+            <a:r>
+              <a:rPr/>
+              <a:t>option.</a:t>
+            </a:r>
+          </a:p>
+          <a:p>
+            <a:pPr lvl="0" marL="0" indent="0">
+              <a:buNone/>
+            </a:pPr>
+          </a:p>
+          <a:p>
+            <a:pPr lvl="0" marL="0" indent="0">
+              <a:buNone/>
+            </a:pPr>
+            <a:r>
+              <a:rPr/>
+              <a:t>The</a:t>
+            </a:r>
+            <a:r>
+              <a:rPr/>
+              <a:t> </a:t>
+            </a:r>
+            <a:r>
+              <a:rPr/>
+              <a:t>var</a:t>
+            </a:r>
+            <a:r>
+              <a:rPr/>
+              <a:t> </a:t>
+            </a:r>
+            <a:r>
+              <a:rPr/>
+              <a:t>statement</a:t>
+            </a:r>
+            <a:r>
+              <a:rPr/>
+              <a:t> </a:t>
+            </a:r>
+            <a:r>
+              <a:rPr/>
+              <a:t>limits</a:t>
+            </a:r>
+            <a:r>
+              <a:rPr/>
+              <a:t> </a:t>
+            </a:r>
+            <a:r>
+              <a:rPr/>
+              <a:t>the</a:t>
+            </a:r>
+            <a:r>
+              <a:rPr/>
+              <a:t> </a:t>
+            </a:r>
+            <a:r>
+              <a:rPr/>
+              <a:t>variables</a:t>
+            </a:r>
+            <a:r>
+              <a:rPr/>
+              <a:t> </a:t>
+            </a:r>
+            <a:r>
+              <a:rPr/>
+              <a:t>that</a:t>
+            </a:r>
+            <a:r>
+              <a:rPr/>
+              <a:t> </a:t>
+            </a:r>
+            <a:r>
+              <a:rPr/>
+              <a:t>you</a:t>
+            </a:r>
+            <a:r>
+              <a:rPr/>
+              <a:t> </a:t>
+            </a:r>
+            <a:r>
+              <a:rPr/>
+              <a:t>print</a:t>
+            </a:r>
+            <a:r>
+              <a:rPr/>
+              <a:t> </a:t>
+            </a:r>
+            <a:r>
+              <a:rPr/>
+              <a:t>to</a:t>
+            </a:r>
+            <a:r>
+              <a:rPr/>
+              <a:t> </a:t>
+            </a:r>
+            <a:r>
+              <a:rPr/>
+              <a:t>those</a:t>
+            </a:r>
+            <a:r>
+              <a:rPr/>
+              <a:t> </a:t>
+            </a:r>
+            <a:r>
+              <a:rPr/>
+              <a:t>that</a:t>
+            </a:r>
+            <a:r>
+              <a:rPr/>
+              <a:t> </a:t>
+            </a:r>
+            <a:r>
+              <a:rPr/>
+              <a:t>you</a:t>
+            </a:r>
+            <a:r>
+              <a:rPr/>
+              <a:t> </a:t>
+            </a:r>
+            <a:r>
+              <a:rPr/>
+              <a:t>specify.</a:t>
+            </a:r>
+            <a:r>
+              <a:rPr/>
+              <a:t> </a:t>
+            </a:r>
+            <a:r>
+              <a:rPr/>
+              <a:t>Again,</a:t>
+            </a:r>
+          </a:p>
+          <a:p>
+            <a:pPr lvl="0" marL="0" indent="0">
+              <a:buNone/>
+            </a:pPr>
+          </a:p>
+          <a:p>
+            <a:pPr lvl="0" marL="0" indent="0">
+              <a:buNone/>
+            </a:pPr>
+            <a:r>
+              <a:rPr/>
+              <a:t>The</a:t>
+            </a:r>
+            <a:r>
+              <a:rPr/>
+              <a:t> </a:t>
+            </a:r>
+            <a:r>
+              <a:rPr/>
+              <a:t>title</a:t>
+            </a:r>
+            <a:r>
+              <a:rPr/>
+              <a:t> </a:t>
+            </a:r>
+            <a:r>
+              <a:rPr/>
+              <a:t>statement</a:t>
+            </a:r>
+            <a:r>
+              <a:rPr/>
+              <a:t> </a:t>
+            </a:r>
+            <a:r>
+              <a:rPr/>
+              <a:t>tells</a:t>
+            </a:r>
+            <a:r>
+              <a:rPr/>
+              <a:t> </a:t>
+            </a:r>
+            <a:r>
+              <a:rPr/>
+              <a:t>SAS</a:t>
+            </a:r>
+            <a:r>
+              <a:rPr/>
+              <a:t> </a:t>
+            </a:r>
+            <a:r>
+              <a:rPr/>
+              <a:t>to</a:t>
+            </a:r>
+            <a:r>
+              <a:rPr/>
+              <a:t> </a:t>
+            </a:r>
+            <a:r>
+              <a:rPr/>
+              <a:t>provide</a:t>
+            </a:r>
+            <a:r>
+              <a:rPr/>
+              <a:t> </a:t>
+            </a:r>
+            <a:r>
+              <a:rPr/>
+              <a:t>a</a:t>
+            </a:r>
+            <a:r>
+              <a:rPr/>
+              <a:t> </a:t>
+            </a:r>
+            <a:r>
+              <a:rPr/>
+              <a:t>descriptive</a:t>
+            </a:r>
+            <a:r>
+              <a:rPr/>
+              <a:t> </a:t>
+            </a:r>
+            <a:r>
+              <a:rPr/>
+              <a:t>title</a:t>
+            </a:r>
+            <a:r>
+              <a:rPr/>
+              <a:t> </a:t>
+            </a:r>
+            <a:r>
+              <a:rPr/>
+              <a:t>at</a:t>
+            </a:r>
+            <a:r>
+              <a:rPr/>
+              <a:t> </a:t>
+            </a:r>
+            <a:r>
+              <a:rPr/>
+              <a:t>the</a:t>
+            </a:r>
+            <a:r>
+              <a:rPr/>
+              <a:t> </a:t>
+            </a:r>
+            <a:r>
+              <a:rPr/>
+              <a:t>top</a:t>
+            </a:r>
+            <a:r>
+              <a:rPr/>
+              <a:t> </a:t>
+            </a:r>
+            <a:r>
+              <a:rPr/>
+              <a:t>of</a:t>
+            </a:r>
+            <a:r>
+              <a:rPr/>
+              <a:t> </a:t>
+            </a:r>
+            <a:r>
+              <a:rPr/>
+              <a:t>the</a:t>
+            </a:r>
+            <a:r>
+              <a:rPr/>
+              <a:t> </a:t>
+            </a:r>
+            <a:r>
+              <a:rPr/>
+              <a:t>page</a:t>
+            </a:r>
+            <a:r>
+              <a:rPr/>
+              <a:t> </a:t>
+            </a:r>
+            <a:r>
+              <a:rPr/>
+              <a:t>of</a:t>
+            </a:r>
+            <a:r>
+              <a:rPr/>
+              <a:t> </a:t>
+            </a:r>
+            <a:r>
+              <a:rPr/>
+              <a:t>output.</a:t>
+            </a:r>
+          </a:p>
+          <a:p>
+            <a:pPr lvl="0" marL="0" indent="0">
+              <a:buNone/>
+            </a:pPr>
+          </a:p>
+          <a:p>
+            <a:pPr lvl="0" marL="0" indent="0">
+              <a:buNone/>
+            </a:pPr>
+            <a:r>
+              <a:rPr/>
+              <a:t>The</a:t>
+            </a:r>
+            <a:r>
+              <a:rPr/>
+              <a:t> </a:t>
+            </a:r>
+            <a:r>
+              <a:rPr/>
+              <a:t>run</a:t>
+            </a:r>
+            <a:r>
+              <a:rPr/>
+              <a:t> </a:t>
+            </a:r>
+            <a:r>
+              <a:rPr/>
+              <a:t>statement</a:t>
+            </a:r>
+            <a:r>
+              <a:rPr/>
+              <a:t> </a:t>
+            </a:r>
+            <a:r>
+              <a:rPr/>
+              <a:t>says</a:t>
+            </a:r>
+            <a:r>
+              <a:rPr/>
+              <a:t> </a:t>
+            </a:r>
+            <a:r>
+              <a:rPr/>
+              <a:t>you’re</a:t>
+            </a:r>
+            <a:r>
+              <a:rPr/>
+              <a:t> </a:t>
+            </a:r>
+            <a:r>
+              <a:rPr/>
+              <a:t>done</a:t>
+            </a:r>
+            <a:r>
+              <a:rPr/>
+              <a:t> </a:t>
+            </a:r>
+            <a:r>
+              <a:rPr/>
+              <a:t>with</a:t>
+            </a:r>
+            <a:r>
+              <a:rPr/>
+              <a:t> </a:t>
+            </a:r>
+            <a:r>
+              <a:rPr/>
+              <a:t>the</a:t>
+            </a:r>
+            <a:r>
+              <a:rPr/>
+              <a:t> </a:t>
+            </a:r>
+            <a:r>
+              <a:rPr/>
+              <a:t>procedure.</a:t>
+            </a:r>
+          </a:p>
+        </p:txBody>
+      </p:sp>
+      <p:sp>
+        <p:nvSpPr>
+          <p:cNvPr id="4" name="Slide Number Placeholder 3"/>
+          <p:cNvSpPr>
+            <a:spLocks noGrp="1"/>
+          </p:cNvSpPr>
+          <p:nvPr>
+            <p:ph type="sldNum" sz="quarter" idx="10"/>
+          </p:nvPr>
+        </p:nvSpPr>
+        <p:spPr/>
+        <p:txBody>
+          <a:bodyPr/>
+          <a:lstStyle/>
+          <a:p>
+            <a:fld id="{18BDFEC3-8487-43E8-A154-7C12CBC1FFF2}" type="slidenum">
+              <a:rPr lang="en-US"/>
+              <a:t>6</a:t>
+            </a:fld>
+            <a:endParaRPr lang="en-US"/>
+          </a:p>
+        </p:txBody>
+      </p:sp>
+    </p:spTree>
+  </p:cSld>
+</p:notes>
+</file>
+
+<file path=ppt/notesSlides/notesSlide6.xml><?xml version="1.0" encoding="utf-8"?>
+<p:notes xmlns:a="http://schemas.openxmlformats.org/drawingml/2006/main" xmlns:r="http://schemas.openxmlformats.org/officeDocument/2006/relationships" xmlns:p="http://schemas.openxmlformats.org/presentationml/2006/main">
+  <p:cSld>
+    <p:spTree>
+      <p:nvGrpSpPr>
+        <p:cNvPr id="1" name=""/>
+        <p:cNvGrpSpPr/>
+        <p:nvPr/>
+      </p:nvGrpSpPr>
+      <p:grpSpPr>
+        <a:xfrm>
+          <a:off x="0" y="0"/>
+          <a:ext cx="0" cy="0"/>
+          <a:chOff x="0" y="0"/>
+          <a:chExt cx="0" cy="0"/>
+        </a:xfrm>
+      </p:grpSpPr>
+      <p:sp>
+        <p:nvSpPr>
+          <p:cNvPr id="2" name="Slide Image Placeholder 1"/>
+          <p:cNvSpPr>
+            <a:spLocks noGrp="1" noRot="1" noChangeAspect="1"/>
+          </p:cNvSpPr>
+          <p:nvPr>
+            <p:ph type="sldImg"/>
+          </p:nvPr>
+        </p:nvSpPr>
+        <p:spPr/>
+      </p:sp>
+      <p:sp>
+        <p:nvSpPr>
+          <p:cNvPr id="3" name="Notes Placeholder 2"/>
+          <p:cNvSpPr>
+            <a:spLocks noGrp="1"/>
+          </p:cNvSpPr>
+          <p:nvPr>
+            <p:ph type="body" idx="1"/>
+          </p:nvPr>
+        </p:nvSpPr>
+        <p:spPr/>
+        <p:txBody>
+          <a:bodyPr/>
+          <a:lstStyle/>
+          <a:p>
+            <a:pPr lvl="0" marL="0" indent="0">
+              <a:buNone/>
+            </a:pPr>
+            <a:r>
+              <a:rPr/>
+              <a:t>The</a:t>
+            </a:r>
+            <a:r>
+              <a:rPr/>
+              <a:t> </a:t>
+            </a:r>
+            <a:r>
+              <a:rPr/>
+              <a:t>output</a:t>
+            </a:r>
+            <a:r>
+              <a:rPr/>
+              <a:t> </a:t>
+            </a:r>
+            <a:r>
+              <a:rPr/>
+              <a:t>from</a:t>
+            </a:r>
+            <a:r>
+              <a:rPr/>
+              <a:t> </a:t>
+            </a:r>
+            <a:r>
+              <a:rPr/>
+              <a:t>this</a:t>
+            </a:r>
+            <a:r>
+              <a:rPr/>
+              <a:t> </a:t>
+            </a:r>
+            <a:r>
+              <a:rPr/>
+              <a:t>procedure</a:t>
+            </a:r>
+            <a:r>
+              <a:rPr/>
+              <a:t> </a:t>
+            </a:r>
+            <a:r>
+              <a:rPr/>
+              <a:t>shows</a:t>
+            </a:r>
+            <a:r>
+              <a:rPr/>
+              <a:t> </a:t>
+            </a:r>
+            <a:r>
+              <a:rPr/>
+              <a:t>the</a:t>
+            </a:r>
+            <a:r>
+              <a:rPr/>
+              <a:t> </a:t>
+            </a:r>
+            <a:r>
+              <a:rPr/>
+              <a:t>first</a:t>
+            </a:r>
+            <a:r>
+              <a:rPr/>
+              <a:t> </a:t>
+            </a:r>
+            <a:r>
+              <a:rPr/>
+              <a:t>ten</a:t>
+            </a:r>
+            <a:r>
+              <a:rPr/>
+              <a:t> </a:t>
+            </a:r>
+            <a:r>
+              <a:rPr/>
+              <a:t>rows</a:t>
+            </a:r>
+            <a:r>
+              <a:rPr/>
+              <a:t> </a:t>
+            </a:r>
+            <a:r>
+              <a:rPr/>
+              <a:t>and</a:t>
+            </a:r>
+            <a:r>
+              <a:rPr/>
+              <a:t> </a:t>
+            </a:r>
+            <a:r>
+              <a:rPr/>
+              <a:t>five</a:t>
+            </a:r>
+            <a:r>
+              <a:rPr/>
+              <a:t> </a:t>
+            </a:r>
+            <a:r>
+              <a:rPr/>
+              <a:t>columns</a:t>
+            </a:r>
+            <a:r>
+              <a:rPr/>
+              <a:t> </a:t>
+            </a:r>
+            <a:r>
+              <a:rPr/>
+              <a:t>of</a:t>
+            </a:r>
+            <a:r>
+              <a:rPr/>
+              <a:t> </a:t>
+            </a:r>
+            <a:r>
+              <a:rPr/>
+              <a:t>the</a:t>
+            </a:r>
+            <a:r>
+              <a:rPr/>
+              <a:t> </a:t>
+            </a:r>
+            <a:r>
+              <a:rPr/>
+              <a:t>fat</a:t>
+            </a:r>
+            <a:r>
+              <a:rPr/>
+              <a:t> </a:t>
+            </a:r>
+            <a:r>
+              <a:rPr/>
+              <a:t>data.</a:t>
+            </a:r>
+          </a:p>
+        </p:txBody>
+      </p:sp>
+      <p:sp>
+        <p:nvSpPr>
+          <p:cNvPr id="4" name="Slide Number Placeholder 3"/>
+          <p:cNvSpPr>
+            <a:spLocks noGrp="1"/>
+          </p:cNvSpPr>
+          <p:nvPr>
+            <p:ph type="sldNum" sz="quarter" idx="10"/>
+          </p:nvPr>
+        </p:nvSpPr>
+        <p:spPr/>
+        <p:txBody>
+          <a:bodyPr/>
+          <a:lstStyle/>
+          <a:p>
+            <a:fld id="{18BDFEC3-8487-43E8-A154-7C12CBC1FFF2}" type="slidenum">
+              <a:rPr lang="en-US"/>
+              <a:t>7</a:t>
+            </a:fld>
+            <a:endParaRPr lang="en-US"/>
+          </a:p>
+        </p:txBody>
+      </p:sp>
+    </p:spTree>
+  </p:cSld>
+</p:notes>
+</file>
+
+<file path=ppt/notesSlides/notesSlide7.xml><?xml version="1.0" encoding="utf-8"?>
+<p:notes xmlns:a="http://schemas.openxmlformats.org/drawingml/2006/main" xmlns:r="http://schemas.openxmlformats.org/officeDocument/2006/relationships" xmlns:p="http://schemas.openxmlformats.org/presentationml/2006/main">
+  <p:cSld>
+    <p:spTree>
+      <p:nvGrpSpPr>
+        <p:cNvPr id="1" name=""/>
+        <p:cNvGrpSpPr/>
+        <p:nvPr/>
+      </p:nvGrpSpPr>
+      <p:grpSpPr>
+        <a:xfrm>
+          <a:off x="0" y="0"/>
+          <a:ext cx="0" cy="0"/>
+          <a:chOff x="0" y="0"/>
+          <a:chExt cx="0" cy="0"/>
+        </a:xfrm>
+      </p:grpSpPr>
+      <p:sp>
+        <p:nvSpPr>
+          <p:cNvPr id="2" name="Slide Image Placeholder 1"/>
+          <p:cNvSpPr>
+            <a:spLocks noGrp="1" noRot="1" noChangeAspect="1"/>
+          </p:cNvSpPr>
+          <p:nvPr>
+            <p:ph type="sldImg"/>
+          </p:nvPr>
+        </p:nvSpPr>
+        <p:spPr/>
+      </p:sp>
+      <p:sp>
+        <p:nvSpPr>
+          <p:cNvPr id="3" name="Notes Placeholder 2"/>
+          <p:cNvSpPr>
+            <a:spLocks noGrp="1"/>
+          </p:cNvSpPr>
+          <p:nvPr>
+            <p:ph type="body" idx="1"/>
+          </p:nvPr>
+        </p:nvSpPr>
+        <p:spPr/>
+        <p:txBody>
+          <a:bodyPr/>
+          <a:lstStyle/>
+          <a:p>
+            <a:pPr lvl="0" marL="0" indent="0">
+              <a:buNone/>
+            </a:pPr>
+            <a:r>
+              <a:rPr/>
+              <a:t>Here’s</a:t>
+            </a:r>
+            <a:r>
+              <a:rPr/>
+              <a:t> </a:t>
+            </a:r>
+            <a:r>
+              <a:rPr/>
+              <a:t>another</a:t>
+            </a:r>
+            <a:r>
+              <a:rPr/>
+              <a:t> </a:t>
+            </a:r>
+            <a:r>
+              <a:rPr/>
+              <a:t>simple</a:t>
+            </a:r>
+            <a:r>
+              <a:rPr/>
+              <a:t> </a:t>
+            </a:r>
+            <a:r>
+              <a:rPr/>
+              <a:t>program.</a:t>
+            </a:r>
+          </a:p>
+        </p:txBody>
+      </p:sp>
+      <p:sp>
+        <p:nvSpPr>
+          <p:cNvPr id="4" name="Slide Number Placeholder 3"/>
+          <p:cNvSpPr>
+            <a:spLocks noGrp="1"/>
+          </p:cNvSpPr>
+          <p:nvPr>
+            <p:ph type="sldNum" sz="quarter" idx="10"/>
+          </p:nvPr>
+        </p:nvSpPr>
+        <p:spPr/>
+        <p:txBody>
+          <a:bodyPr/>
+          <a:lstStyle/>
+          <a:p>
+            <a:fld id="{18BDFEC3-8487-43E8-A154-7C12CBC1FFF2}" type="slidenum">
+              <a:rPr lang="en-US"/>
+              <a:t>8</a:t>
+            </a:fld>
+            <a:endParaRPr lang="en-US"/>
+          </a:p>
+        </p:txBody>
+      </p:sp>
+    </p:spTree>
+  </p:cSld>
+</p:notes>
+</file>
+
+<file path=ppt/notesSlides/notesSlide8.xml><?xml version="1.0" encoding="utf-8"?>
+<p:notes xmlns:a="http://schemas.openxmlformats.org/drawingml/2006/main" xmlns:r="http://schemas.openxmlformats.org/officeDocument/2006/relationships" xmlns:p="http://schemas.openxmlformats.org/presentationml/2006/main">
+  <p:cSld>
+    <p:spTree>
+      <p:nvGrpSpPr>
+        <p:cNvPr id="1" name=""/>
+        <p:cNvGrpSpPr/>
+        <p:nvPr/>
+      </p:nvGrpSpPr>
+      <p:grpSpPr>
+        <a:xfrm>
+          <a:off x="0" y="0"/>
+          <a:ext cx="0" cy="0"/>
+          <a:chOff x="0" y="0"/>
+          <a:chExt cx="0" cy="0"/>
+        </a:xfrm>
+      </p:grpSpPr>
+      <p:sp>
+        <p:nvSpPr>
+          <p:cNvPr id="2" name="Slide Image Placeholder 1"/>
+          <p:cNvSpPr>
+            <a:spLocks noGrp="1" noRot="1" noChangeAspect="1"/>
+          </p:cNvSpPr>
+          <p:nvPr>
+            <p:ph type="sldImg"/>
+          </p:nvPr>
+        </p:nvSpPr>
+        <p:spPr/>
+      </p:sp>
+      <p:sp>
+        <p:nvSpPr>
+          <p:cNvPr id="3" name="Notes Placeholder 2"/>
+          <p:cNvSpPr>
+            <a:spLocks noGrp="1"/>
+          </p:cNvSpPr>
+          <p:nvPr>
+            <p:ph type="body" idx="1"/>
+          </p:nvPr>
+        </p:nvSpPr>
+        <p:spPr/>
+        <p:txBody>
+          <a:bodyPr/>
+          <a:lstStyle/>
+          <a:p>
+            <a:pPr lvl="0" marL="0" indent="0">
+              <a:buNone/>
+            </a:pPr>
+            <a:r>
+              <a:rPr/>
+              <a:t>This</a:t>
+            </a:r>
+            <a:r>
+              <a:rPr/>
+              <a:t> </a:t>
+            </a:r>
+            <a:r>
+              <a:rPr/>
+              <a:t>data</a:t>
+            </a:r>
+            <a:r>
+              <a:rPr/>
+              <a:t> </a:t>
+            </a:r>
+            <a:r>
+              <a:rPr/>
+              <a:t>set</a:t>
+            </a:r>
+            <a:r>
+              <a:rPr/>
+              <a:t> </a:t>
+            </a:r>
+            <a:r>
+              <a:rPr/>
+              <a:t>shows</a:t>
+            </a:r>
+            <a:r>
+              <a:rPr/>
+              <a:t> </a:t>
+            </a:r>
+            <a:r>
+              <a:rPr/>
+              <a:t>data</a:t>
+            </a:r>
+            <a:r>
+              <a:rPr/>
+              <a:t> </a:t>
+            </a:r>
+            <a:r>
+              <a:rPr/>
+              <a:t>various</a:t>
+            </a:r>
+            <a:r>
+              <a:rPr/>
+              <a:t> </a:t>
+            </a:r>
+            <a:r>
+              <a:rPr/>
+              <a:t>body</a:t>
+            </a:r>
+            <a:r>
+              <a:rPr/>
+              <a:t> </a:t>
+            </a:r>
+            <a:r>
+              <a:rPr/>
+              <a:t>measurements.</a:t>
+            </a:r>
+            <a:r>
+              <a:rPr/>
+              <a:t> </a:t>
+            </a:r>
+            <a:r>
+              <a:rPr/>
+              <a:t>A</a:t>
+            </a:r>
+            <a:r>
+              <a:rPr/>
+              <a:t> </a:t>
+            </a:r>
+            <a:r>
+              <a:rPr/>
+              <a:t>brief</a:t>
+            </a:r>
+            <a:r>
+              <a:rPr/>
+              <a:t> </a:t>
+            </a:r>
+            <a:r>
+              <a:rPr/>
+              <a:t>description</a:t>
+            </a:r>
+            <a:r>
+              <a:rPr/>
+              <a:t> </a:t>
+            </a:r>
+            <a:r>
+              <a:rPr/>
+              <a:t>of</a:t>
+            </a:r>
+            <a:r>
+              <a:rPr/>
+              <a:t> </a:t>
+            </a:r>
+            <a:r>
+              <a:rPr/>
+              <a:t>this</a:t>
+            </a:r>
+            <a:r>
+              <a:rPr/>
+              <a:t> </a:t>
+            </a:r>
+            <a:r>
+              <a:rPr/>
+              <a:t>file</a:t>
+            </a:r>
+            <a:r>
+              <a:rPr/>
+              <a:t> </a:t>
+            </a:r>
+            <a:r>
+              <a:rPr/>
+              <a:t>is</a:t>
+            </a:r>
+            <a:r>
+              <a:rPr/>
+              <a:t> </a:t>
+            </a:r>
+            <a:r>
+              <a:rPr/>
+              <a:t>available</a:t>
+            </a:r>
+            <a:r>
+              <a:rPr/>
+              <a:t> </a:t>
+            </a:r>
+            <a:r>
+              <a:rPr/>
+              <a:t>at</a:t>
+            </a:r>
+          </a:p>
+          <a:p>
+            <a:pPr lvl="0" marL="0" indent="0">
+              <a:buNone/>
+            </a:pPr>
+          </a:p>
+          <a:p>
+            <a:pPr lvl="0" marL="0" indent="0">
+              <a:buNone/>
+            </a:pPr>
+            <a:r>
+              <a:rPr/>
+              <a:t>http://www.amstat.org/publications/jse/datasets/fat.txt</a:t>
+            </a:r>
+          </a:p>
+          <a:p>
+            <a:pPr lvl="0" marL="0" indent="0">
+              <a:buNone/>
+            </a:pPr>
+          </a:p>
+          <a:p>
+            <a:pPr lvl="0" marL="0" indent="0">
+              <a:buNone/>
+            </a:pPr>
+            <a:r>
+              <a:rPr/>
+              <a:t>The</a:t>
+            </a:r>
+            <a:r>
+              <a:rPr/>
+              <a:t> </a:t>
+            </a:r>
+            <a:r>
+              <a:rPr/>
+              <a:t>means</a:t>
+            </a:r>
+            <a:r>
+              <a:rPr/>
+              <a:t> </a:t>
+            </a:r>
+            <a:r>
+              <a:rPr/>
+              <a:t>procedure</a:t>
+            </a:r>
+            <a:r>
+              <a:rPr/>
+              <a:t> </a:t>
+            </a:r>
+            <a:r>
+              <a:rPr/>
+              <a:t>will</a:t>
+            </a:r>
+            <a:r>
+              <a:rPr/>
+              <a:t> </a:t>
+            </a:r>
+            <a:r>
+              <a:rPr/>
+              <a:t>produce</a:t>
+            </a:r>
+            <a:r>
+              <a:rPr/>
+              <a:t> </a:t>
+            </a:r>
+            <a:r>
+              <a:rPr/>
+              <a:t>descriptive</a:t>
+            </a:r>
+            <a:r>
+              <a:rPr/>
+              <a:t> </a:t>
+            </a:r>
+            <a:r>
+              <a:rPr/>
+              <a:t>statistics</a:t>
+            </a:r>
+            <a:r>
+              <a:rPr/>
+              <a:t> </a:t>
+            </a:r>
+            <a:r>
+              <a:rPr/>
+              <a:t>for</a:t>
+            </a:r>
+            <a:r>
+              <a:rPr/>
+              <a:t> </a:t>
+            </a:r>
+            <a:r>
+              <a:rPr/>
+              <a:t>your</a:t>
+            </a:r>
+            <a:r>
+              <a:rPr/>
+              <a:t> </a:t>
+            </a:r>
+            <a:r>
+              <a:rPr/>
+              <a:t>data.</a:t>
+            </a:r>
+            <a:r>
+              <a:rPr/>
+              <a:t> </a:t>
+            </a:r>
+            <a:r>
+              <a:rPr/>
+              <a:t>By</a:t>
+            </a:r>
+            <a:r>
+              <a:rPr/>
+              <a:t> </a:t>
+            </a:r>
+            <a:r>
+              <a:rPr/>
+              <a:t>default,</a:t>
+            </a:r>
+            <a:r>
+              <a:rPr/>
+              <a:t> </a:t>
+            </a:r>
+            <a:r>
+              <a:rPr/>
+              <a:t>it</a:t>
+            </a:r>
+            <a:r>
+              <a:rPr/>
+              <a:t> </a:t>
+            </a:r>
+            <a:r>
+              <a:rPr/>
+              <a:t>will</a:t>
+            </a:r>
+            <a:r>
+              <a:rPr/>
+              <a:t> </a:t>
+            </a:r>
+            <a:r>
+              <a:rPr/>
+              <a:t>produce</a:t>
+            </a:r>
+            <a:r>
+              <a:rPr/>
+              <a:t> </a:t>
+            </a:r>
+            <a:r>
+              <a:rPr/>
+              <a:t>the</a:t>
+            </a:r>
+            <a:r>
+              <a:rPr/>
+              <a:t> </a:t>
+            </a:r>
+            <a:r>
+              <a:rPr/>
+              <a:t>count</a:t>
+            </a:r>
+            <a:r>
+              <a:rPr/>
+              <a:t> </a:t>
+            </a:r>
+            <a:r>
+              <a:rPr/>
+              <a:t>of</a:t>
+            </a:r>
+            <a:r>
+              <a:rPr/>
+              <a:t> </a:t>
+            </a:r>
+            <a:r>
+              <a:rPr/>
+              <a:t>non-missing</a:t>
+            </a:r>
+            <a:r>
+              <a:rPr/>
+              <a:t> </a:t>
+            </a:r>
+            <a:r>
+              <a:rPr/>
+              <a:t>values,</a:t>
+            </a:r>
+            <a:r>
+              <a:rPr/>
+              <a:t> </a:t>
+            </a:r>
+            <a:r>
+              <a:rPr/>
+              <a:t>the</a:t>
+            </a:r>
+            <a:r>
+              <a:rPr/>
+              <a:t> </a:t>
+            </a:r>
+            <a:r>
+              <a:rPr/>
+              <a:t>mean,</a:t>
+            </a:r>
+            <a:r>
+              <a:rPr/>
+              <a:t> </a:t>
+            </a:r>
+            <a:r>
+              <a:rPr/>
+              <a:t>the</a:t>
+            </a:r>
+            <a:r>
+              <a:rPr/>
+              <a:t> </a:t>
+            </a:r>
+            <a:r>
+              <a:rPr/>
+              <a:t>standard</a:t>
+            </a:r>
+            <a:r>
+              <a:rPr/>
+              <a:t> </a:t>
+            </a:r>
+            <a:r>
+              <a:rPr/>
+              <a:t>deviation,</a:t>
+            </a:r>
+            <a:r>
+              <a:rPr/>
+              <a:t> </a:t>
+            </a:r>
+            <a:r>
+              <a:rPr/>
+              <a:t>and</a:t>
+            </a:r>
+            <a:r>
+              <a:rPr/>
+              <a:t> </a:t>
+            </a:r>
+            <a:r>
+              <a:rPr/>
+              <a:t>the</a:t>
+            </a:r>
+            <a:r>
+              <a:rPr/>
+              <a:t> </a:t>
+            </a:r>
+            <a:r>
+              <a:rPr/>
+              <a:t>minimum</a:t>
+            </a:r>
+            <a:r>
+              <a:rPr/>
+              <a:t> </a:t>
+            </a:r>
+            <a:r>
+              <a:rPr/>
+              <a:t>and</a:t>
+            </a:r>
+            <a:r>
+              <a:rPr/>
+              <a:t> </a:t>
+            </a:r>
+            <a:r>
+              <a:rPr/>
+              <a:t>maximum</a:t>
+            </a:r>
+            <a:r>
+              <a:rPr/>
+              <a:t> </a:t>
+            </a:r>
+            <a:r>
+              <a:rPr/>
+              <a:t>values,</a:t>
+            </a:r>
+            <a:r>
+              <a:rPr/>
+              <a:t> </a:t>
+            </a:r>
+            <a:r>
+              <a:rPr/>
+              <a:t>but</a:t>
+            </a:r>
+            <a:r>
+              <a:rPr/>
+              <a:t> </a:t>
+            </a:r>
+            <a:r>
+              <a:rPr/>
+              <a:t>I</a:t>
+            </a:r>
+            <a:r>
+              <a:rPr/>
+              <a:t> </a:t>
+            </a:r>
+            <a:r>
+              <a:rPr/>
+              <a:t>am</a:t>
+            </a:r>
+            <a:r>
+              <a:rPr/>
+              <a:t> </a:t>
+            </a:r>
+            <a:r>
+              <a:rPr/>
+              <a:t>listing</a:t>
+            </a:r>
+            <a:r>
+              <a:rPr/>
+              <a:t> </a:t>
+            </a:r>
+            <a:r>
+              <a:rPr/>
+              <a:t>them</a:t>
+            </a:r>
+            <a:r>
+              <a:rPr/>
+              <a:t> </a:t>
+            </a:r>
+            <a:r>
+              <a:rPr/>
+              <a:t>explicitly</a:t>
+            </a:r>
+            <a:r>
+              <a:rPr/>
+              <a:t> </a:t>
+            </a:r>
+            <a:r>
+              <a:rPr/>
+              <a:t>here,</a:t>
+            </a:r>
+            <a:r>
+              <a:rPr/>
+              <a:t> </a:t>
+            </a:r>
+            <a:r>
+              <a:rPr/>
+              <a:t>just</a:t>
+            </a:r>
+            <a:r>
+              <a:rPr/>
+              <a:t> </a:t>
+            </a:r>
+            <a:r>
+              <a:rPr/>
+              <a:t>for</a:t>
+            </a:r>
+            <a:r>
+              <a:rPr/>
+              <a:t> </a:t>
+            </a:r>
+            <a:r>
+              <a:rPr/>
+              <a:t>show.</a:t>
+            </a:r>
+          </a:p>
+          <a:p>
+            <a:pPr lvl="0" marL="0" indent="0">
+              <a:buNone/>
+            </a:pPr>
+          </a:p>
+          <a:p>
+            <a:pPr lvl="0" marL="0" indent="0">
+              <a:buNone/>
+            </a:pPr>
+            <a:r>
+              <a:rPr/>
+              <a:t>The</a:t>
+            </a:r>
+            <a:r>
+              <a:rPr/>
+              <a:t> </a:t>
+            </a:r>
+            <a:r>
+              <a:rPr/>
+              <a:t>data</a:t>
+            </a:r>
+            <a:r>
+              <a:rPr/>
+              <a:t> </a:t>
+            </a:r>
+            <a:r>
+              <a:rPr/>
+              <a:t>option</a:t>
+            </a:r>
+            <a:r>
+              <a:rPr/>
+              <a:t> </a:t>
+            </a:r>
+            <a:r>
+              <a:rPr/>
+              <a:t>tells</a:t>
+            </a:r>
+            <a:r>
+              <a:rPr/>
+              <a:t> </a:t>
+            </a:r>
+            <a:r>
+              <a:rPr/>
+              <a:t>SAS</a:t>
+            </a:r>
+            <a:r>
+              <a:rPr/>
+              <a:t> </a:t>
+            </a:r>
+            <a:r>
+              <a:rPr/>
+              <a:t>which</a:t>
+            </a:r>
+            <a:r>
+              <a:rPr/>
+              <a:t> </a:t>
+            </a:r>
+            <a:r>
+              <a:rPr/>
+              <a:t>data</a:t>
+            </a:r>
+            <a:r>
+              <a:rPr/>
+              <a:t> </a:t>
+            </a:r>
+            <a:r>
+              <a:rPr/>
+              <a:t>set</a:t>
+            </a:r>
+            <a:r>
+              <a:rPr/>
+              <a:t> </a:t>
+            </a:r>
+            <a:r>
+              <a:rPr/>
+              <a:t>you</a:t>
+            </a:r>
+            <a:r>
+              <a:rPr/>
+              <a:t> </a:t>
+            </a:r>
+            <a:r>
+              <a:rPr/>
+              <a:t>want</a:t>
+            </a:r>
+            <a:r>
+              <a:rPr/>
+              <a:t> </a:t>
+            </a:r>
+            <a:r>
+              <a:rPr/>
+              <a:t>descriptive</a:t>
+            </a:r>
+            <a:r>
+              <a:rPr/>
+              <a:t> </a:t>
+            </a:r>
+            <a:r>
+              <a:rPr/>
+              <a:t>statistics</a:t>
+            </a:r>
+            <a:r>
+              <a:rPr/>
+              <a:t> </a:t>
+            </a:r>
+            <a:r>
+              <a:rPr/>
+              <a:t>on,</a:t>
+            </a:r>
+            <a:r>
+              <a:rPr/>
+              <a:t> </a:t>
+            </a:r>
+            <a:r>
+              <a:rPr/>
+              <a:t>and</a:t>
+            </a:r>
+            <a:r>
+              <a:rPr/>
+              <a:t> </a:t>
+            </a:r>
+            <a:r>
+              <a:rPr/>
+              <a:t>the</a:t>
+            </a:r>
+            <a:r>
+              <a:rPr/>
+              <a:t> </a:t>
+            </a:r>
+            <a:r>
+              <a:rPr/>
+              <a:t>var</a:t>
+            </a:r>
+            <a:r>
+              <a:rPr/>
+              <a:t> </a:t>
+            </a:r>
+            <a:r>
+              <a:rPr/>
+              <a:t>statement</a:t>
+            </a:r>
+            <a:r>
+              <a:rPr/>
+              <a:t> </a:t>
+            </a:r>
+            <a:r>
+              <a:rPr/>
+              <a:t>tells</a:t>
+            </a:r>
+            <a:r>
+              <a:rPr/>
+              <a:t> </a:t>
+            </a:r>
+            <a:r>
+              <a:rPr/>
+              <a:t>SAS</a:t>
+            </a:r>
+            <a:r>
+              <a:rPr/>
+              <a:t> </a:t>
+            </a:r>
+            <a:r>
+              <a:rPr/>
+              <a:t>which</a:t>
+            </a:r>
+            <a:r>
+              <a:rPr/>
+              <a:t> </a:t>
+            </a:r>
+            <a:r>
+              <a:rPr/>
+              <a:t>variable(s)</a:t>
+            </a:r>
+            <a:r>
+              <a:rPr/>
+              <a:t> </a:t>
+            </a:r>
+            <a:r>
+              <a:rPr/>
+              <a:t>you</a:t>
+            </a:r>
+            <a:r>
+              <a:rPr/>
+              <a:t> </a:t>
+            </a:r>
+            <a:r>
+              <a:rPr/>
+              <a:t>want</a:t>
+            </a:r>
+            <a:r>
+              <a:rPr/>
+              <a:t> </a:t>
+            </a:r>
+            <a:r>
+              <a:rPr/>
+              <a:t>descriptive</a:t>
+            </a:r>
+            <a:r>
+              <a:rPr/>
+              <a:t> </a:t>
+            </a:r>
+            <a:r>
+              <a:rPr/>
+              <a:t>statistics</a:t>
+            </a:r>
+            <a:r>
+              <a:rPr/>
+              <a:t> </a:t>
+            </a:r>
+            <a:r>
+              <a:rPr/>
+              <a:t>on.</a:t>
+            </a:r>
+          </a:p>
+          <a:p>
+            <a:pPr lvl="0" marL="0" indent="0">
+              <a:buNone/>
+            </a:pPr>
+          </a:p>
+          <a:p>
+            <a:pPr lvl="0" marL="0" indent="0">
+              <a:buNone/>
+            </a:pPr>
+            <a:r>
+              <a:rPr/>
+              <a:t>This</a:t>
+            </a:r>
+            <a:r>
+              <a:rPr/>
+              <a:t> </a:t>
+            </a:r>
+            <a:r>
+              <a:rPr/>
+              <a:t>data</a:t>
+            </a:r>
+            <a:r>
+              <a:rPr/>
+              <a:t> </a:t>
+            </a:r>
+            <a:r>
+              <a:rPr/>
+              <a:t>set</a:t>
+            </a:r>
+            <a:r>
+              <a:rPr/>
+              <a:t> </a:t>
+            </a:r>
+            <a:r>
+              <a:rPr/>
+              <a:t>did</a:t>
+            </a:r>
+            <a:r>
+              <a:rPr/>
+              <a:t> </a:t>
+            </a:r>
+            <a:r>
+              <a:rPr/>
+              <a:t>not</a:t>
+            </a:r>
+            <a:r>
+              <a:rPr/>
+              <a:t> </a:t>
+            </a:r>
+            <a:r>
+              <a:rPr/>
+              <a:t>have</a:t>
+            </a:r>
+            <a:r>
+              <a:rPr/>
+              <a:t> </a:t>
+            </a:r>
+            <a:r>
+              <a:rPr/>
+              <a:t>a</a:t>
+            </a:r>
+            <a:r>
+              <a:rPr/>
+              <a:t> </a:t>
+            </a:r>
+            <a:r>
+              <a:rPr/>
+              <a:t>header,</a:t>
+            </a:r>
+            <a:r>
+              <a:rPr/>
+              <a:t> </a:t>
+            </a:r>
+            <a:r>
+              <a:rPr/>
+              <a:t>a</a:t>
+            </a:r>
+            <a:r>
+              <a:rPr/>
+              <a:t> </a:t>
+            </a:r>
+            <a:r>
+              <a:rPr/>
+              <a:t>line</a:t>
+            </a:r>
+            <a:r>
+              <a:rPr/>
+              <a:t> </a:t>
+            </a:r>
+            <a:r>
+              <a:rPr/>
+              <a:t>at</a:t>
+            </a:r>
+            <a:r>
+              <a:rPr/>
+              <a:t> </a:t>
+            </a:r>
+            <a:r>
+              <a:rPr/>
+              <a:t>the</a:t>
+            </a:r>
+            <a:r>
+              <a:rPr/>
+              <a:t> </a:t>
+            </a:r>
+            <a:r>
+              <a:rPr/>
+              <a:t>very</a:t>
+            </a:r>
+            <a:r>
+              <a:rPr/>
+              <a:t> </a:t>
+            </a:r>
+            <a:r>
+              <a:rPr/>
+              <a:t>top</a:t>
+            </a:r>
+            <a:r>
+              <a:rPr/>
+              <a:t> </a:t>
+            </a:r>
+            <a:r>
+              <a:rPr/>
+              <a:t>of</a:t>
+            </a:r>
+            <a:r>
+              <a:rPr/>
+              <a:t> </a:t>
+            </a:r>
+            <a:r>
+              <a:rPr/>
+              <a:t>the</a:t>
+            </a:r>
+            <a:r>
+              <a:rPr/>
+              <a:t> </a:t>
+            </a:r>
+            <a:r>
+              <a:rPr/>
+              <a:t>file</a:t>
+            </a:r>
+            <a:r>
+              <a:rPr/>
+              <a:t> </a:t>
+            </a:r>
+            <a:r>
+              <a:rPr/>
+              <a:t>that</a:t>
+            </a:r>
+            <a:r>
+              <a:rPr/>
+              <a:t> </a:t>
+            </a:r>
+            <a:r>
+              <a:rPr/>
+              <a:t>lists</a:t>
+            </a:r>
+            <a:r>
+              <a:rPr/>
+              <a:t> </a:t>
+            </a:r>
+            <a:r>
+              <a:rPr/>
+              <a:t>variable</a:t>
+            </a:r>
+            <a:r>
+              <a:rPr/>
+              <a:t> </a:t>
+            </a:r>
+            <a:r>
+              <a:rPr/>
+              <a:t>names.</a:t>
+            </a:r>
+            <a:r>
+              <a:rPr/>
+              <a:t> </a:t>
+            </a:r>
+            <a:r>
+              <a:rPr/>
+              <a:t>For</a:t>
+            </a:r>
+            <a:r>
+              <a:rPr/>
+              <a:t> </a:t>
+            </a:r>
+            <a:r>
+              <a:rPr/>
+              <a:t>files</a:t>
+            </a:r>
+            <a:r>
+              <a:rPr/>
+              <a:t> </a:t>
+            </a:r>
+            <a:r>
+              <a:rPr/>
+              <a:t>with</a:t>
+            </a:r>
+            <a:r>
+              <a:rPr/>
+              <a:t> </a:t>
+            </a:r>
+            <a:r>
+              <a:rPr/>
+              <a:t>a</a:t>
+            </a:r>
+            <a:r>
+              <a:rPr/>
+              <a:t> </a:t>
+            </a:r>
+            <a:r>
+              <a:rPr/>
+              <a:t>header,</a:t>
+            </a:r>
+            <a:r>
+              <a:rPr/>
+              <a:t> </a:t>
+            </a:r>
+            <a:r>
+              <a:rPr/>
+              <a:t>you</a:t>
+            </a:r>
+            <a:r>
+              <a:rPr/>
+              <a:t> </a:t>
+            </a:r>
+            <a:r>
+              <a:rPr/>
+              <a:t>should</a:t>
+            </a:r>
+            <a:r>
+              <a:rPr/>
+              <a:t> </a:t>
+            </a:r>
+            <a:r>
+              <a:rPr/>
+              <a:t>consider</a:t>
+            </a:r>
+            <a:r>
+              <a:rPr/>
+              <a:t> </a:t>
+            </a:r>
+            <a:r>
+              <a:rPr/>
+              <a:t>using</a:t>
+            </a:r>
+            <a:r>
+              <a:rPr/>
+              <a:t> </a:t>
+            </a:r>
+            <a:r>
+              <a:rPr/>
+              <a:t>the</a:t>
+            </a:r>
+            <a:r>
+              <a:rPr/>
+              <a:t> </a:t>
+            </a:r>
+            <a:r>
+              <a:rPr/>
+              <a:t>import</a:t>
+            </a:r>
+            <a:r>
+              <a:rPr/>
+              <a:t> </a:t>
+            </a:r>
+            <a:r>
+              <a:rPr/>
+              <a:t>procedure,</a:t>
+            </a:r>
+            <a:r>
+              <a:rPr/>
+              <a:t> </a:t>
+            </a:r>
+            <a:r>
+              <a:rPr/>
+              <a:t>which</a:t>
+            </a:r>
+            <a:r>
+              <a:rPr/>
+              <a:t> </a:t>
+            </a:r>
+            <a:r>
+              <a:rPr/>
+              <a:t>I</a:t>
+            </a:r>
+            <a:r>
+              <a:rPr/>
+              <a:t> </a:t>
+            </a:r>
+            <a:r>
+              <a:rPr/>
+              <a:t>will</a:t>
+            </a:r>
+            <a:r>
+              <a:rPr/>
+              <a:t> </a:t>
+            </a:r>
+            <a:r>
+              <a:rPr/>
+              <a:t>describe</a:t>
+            </a:r>
+            <a:r>
+              <a:rPr/>
+              <a:t> </a:t>
+            </a:r>
+            <a:r>
+              <a:rPr/>
+              <a:t>later.</a:t>
+            </a:r>
+          </a:p>
+        </p:txBody>
+      </p:sp>
+      <p:sp>
+        <p:nvSpPr>
+          <p:cNvPr id="4" name="Slide Number Placeholder 3"/>
+          <p:cNvSpPr>
+            <a:spLocks noGrp="1"/>
+          </p:cNvSpPr>
+          <p:nvPr>
+            <p:ph type="sldNum" sz="quarter" idx="10"/>
+          </p:nvPr>
+        </p:nvSpPr>
+        <p:spPr/>
+        <p:txBody>
+          <a:bodyPr/>
+          <a:lstStyle/>
+          <a:p>
+            <a:fld id="{18BDFEC3-8487-43E8-A154-7C12CBC1FFF2}" type="slidenum">
+              <a:rPr lang="en-US"/>
+              <a:t>9</a:t>
             </a:fld>
             <a:endParaRPr lang="en-US"/>
           </a:p>
@@ -3689,15 +11362,23 @@
             </a:pPr>
             <a:r>
               <a:rPr/>
-              <a:t>Test</a:t>
-            </a:r>
-            <a:r>
-              <a:rPr/>
-              <a:t> </a:t>
-            </a:r>
-            <a:r>
-              <a:rPr/>
-              <a:t>slide</a:t>
+              <a:t>read-fat-data.sas,</a:t>
+            </a:r>
+            <a:r>
+              <a:rPr/>
+              <a:t> </a:t>
+            </a:r>
+            <a:r>
+              <a:rPr/>
+              <a:t>part</a:t>
+            </a:r>
+            <a:r>
+              <a:rPr/>
+              <a:t> </a:t>
+            </a:r>
+            <a:r>
+              <a:rPr/>
+              <a:t>1</a:t>
             </a:r>
           </a:p>
         </p:txBody>
@@ -3724,9 +11405,12 @@
               <a:rPr sz="1800">
                 <a:latin typeface="Courier"/>
               </a:rPr>
-              <a:t>* test.sas
+              <a:t>* code-03-01-read-fat-data.sas
   written by Steve Simon
-  2020-09-25;
+  2020-09-28;
+* Note: The options statement below insures that 
+  my output will fit easily on a PowerPont slide.
+  You should not use this option for your work;
 options papersize=(8in 4in) nodate;</a:t>
             </a:r>
           </a:p>
@@ -3774,15 +11458,412 @@
             </a:pPr>
             <a:r>
               <a:rPr/>
-              <a:t>Test</a:t>
-            </a:r>
-            <a:r>
-              <a:rPr/>
-              <a:t> </a:t>
-            </a:r>
-            <a:r>
-              <a:rPr/>
-              <a:t>image</a:t>
+              <a:t>read-fat-data.sas,</a:t>
+            </a:r>
+            <a:r>
+              <a:rPr/>
+              <a:t> </a:t>
+            </a:r>
+            <a:r>
+              <a:rPr/>
+              <a:t>part</a:t>
+            </a:r>
+            <a:r>
+              <a:rPr/>
+              <a:t> </a:t>
+            </a:r>
+            <a:r>
+              <a:rPr/>
+              <a:t>2</a:t>
+            </a:r>
+          </a:p>
+        </p:txBody>
+      </p:sp>
+      <p:sp>
+        <p:nvSpPr>
+          <p:cNvPr id="3" name="Content Placeholder 2"/>
+          <p:cNvSpPr>
+            <a:spLocks noGrp="1"/>
+          </p:cNvSpPr>
+          <p:nvPr>
+            <p:ph idx="1"/>
+          </p:nvPr>
+        </p:nvSpPr>
+        <p:spPr/>
+        <p:txBody>
+          <a:bodyPr/>
+          <a:lstStyle/>
+          <a:p>
+            <a:pPr lvl="0" marL="1270000" indent="0">
+              <a:buNone/>
+            </a:pPr>
+            <a:r>
+              <a:rPr sz="1800">
+                <a:latin typeface="Courier"/>
+              </a:rPr>
+              <a:t>filename fat
+  "q:/5507/module03/data/fat.txt";
+libname intro
+  "q:/5507/module03/data";
+* You should use "ods pdf file="your-name.pdf";
+ods printer printer=png
+  file="q:/5507/module03/results/code-03-01.png";</a:t>
+            </a:r>
+          </a:p>
+        </p:txBody>
+      </p:sp>
+    </p:spTree>
+  </p:cSld>
+</p:sld>
+</file>
+
+<file path=ppt/slides/slide4.xml><?xml version="1.0" encoding="utf-8"?>
+<p:sld xmlns:a="http://schemas.openxmlformats.org/drawingml/2006/main" xmlns:r="http://schemas.openxmlformats.org/officeDocument/2006/relationships" xmlns:p="http://schemas.openxmlformats.org/presentationml/2006/main">
+  <p:cSld>
+    <p:spTree>
+      <p:nvGrpSpPr>
+        <p:cNvPr id="1" name=""/>
+        <p:cNvGrpSpPr/>
+        <p:nvPr/>
+      </p:nvGrpSpPr>
+      <p:grpSpPr>
+        <a:xfrm>
+          <a:off x="0" y="0"/>
+          <a:ext cx="0" cy="0"/>
+          <a:chOff x="0" y="0"/>
+          <a:chExt cx="0" cy="0"/>
+        </a:xfrm>
+      </p:grpSpPr>
+      <p:sp>
+        <p:nvSpPr>
+          <p:cNvPr id="2" name="Title 1"/>
+          <p:cNvSpPr>
+            <a:spLocks noGrp="1"/>
+          </p:cNvSpPr>
+          <p:nvPr>
+            <p:ph type="title"/>
+          </p:nvPr>
+        </p:nvSpPr>
+        <p:spPr/>
+        <p:txBody>
+          <a:bodyPr/>
+          <a:lstStyle/>
+          <a:p>
+            <a:pPr lvl="0" marL="0" indent="0">
+              <a:buNone/>
+            </a:pPr>
+            <a:r>
+              <a:rPr/>
+              <a:t>read-fat-data.sas,</a:t>
+            </a:r>
+            <a:r>
+              <a:rPr/>
+              <a:t> </a:t>
+            </a:r>
+            <a:r>
+              <a:rPr/>
+              <a:t>part</a:t>
+            </a:r>
+            <a:r>
+              <a:rPr/>
+              <a:t> </a:t>
+            </a:r>
+            <a:r>
+              <a:rPr/>
+              <a:t>3</a:t>
+            </a:r>
+          </a:p>
+        </p:txBody>
+      </p:sp>
+      <p:sp>
+        <p:nvSpPr>
+          <p:cNvPr id="3" name="Content Placeholder 2"/>
+          <p:cNvSpPr>
+            <a:spLocks noGrp="1"/>
+          </p:cNvSpPr>
+          <p:nvPr>
+            <p:ph idx="1"/>
+          </p:nvPr>
+        </p:nvSpPr>
+        <p:spPr/>
+        <p:txBody>
+          <a:bodyPr/>
+          <a:lstStyle/>
+          <a:p>
+            <a:pPr lvl="0" marL="1270000" indent="0">
+              <a:buNone/>
+            </a:pPr>
+            <a:r>
+              <a:rPr sz="1800">
+                <a:latin typeface="Courier"/>
+              </a:rPr>
+              <a:t>data intro.fat;
+  infile fat delimiter=' ';
+  input 
+    case
+    fat_b
+    fat_s
+    dens
+    age
+    wt
+    ht
+    bmi
+    ffw
+    neck
+...</a:t>
+            </a:r>
+          </a:p>
+        </p:txBody>
+      </p:sp>
+    </p:spTree>
+  </p:cSld>
+</p:sld>
+</file>
+
+<file path=ppt/slides/slide5.xml><?xml version="1.0" encoding="utf-8"?>
+<p:sld xmlns:a="http://schemas.openxmlformats.org/drawingml/2006/main" xmlns:r="http://schemas.openxmlformats.org/officeDocument/2006/relationships" xmlns:p="http://schemas.openxmlformats.org/presentationml/2006/main">
+  <p:cSld>
+    <p:spTree>
+      <p:nvGrpSpPr>
+        <p:cNvPr id="1" name=""/>
+        <p:cNvGrpSpPr/>
+        <p:nvPr/>
+      </p:nvGrpSpPr>
+      <p:grpSpPr>
+        <a:xfrm>
+          <a:off x="0" y="0"/>
+          <a:ext cx="0" cy="0"/>
+          <a:chOff x="0" y="0"/>
+          <a:chExt cx="0" cy="0"/>
+        </a:xfrm>
+      </p:grpSpPr>
+      <p:sp>
+        <p:nvSpPr>
+          <p:cNvPr id="2" name="Title 1"/>
+          <p:cNvSpPr>
+            <a:spLocks noGrp="1"/>
+          </p:cNvSpPr>
+          <p:nvPr>
+            <p:ph type="title"/>
+          </p:nvPr>
+        </p:nvSpPr>
+        <p:spPr/>
+        <p:txBody>
+          <a:bodyPr/>
+          <a:lstStyle/>
+          <a:p>
+            <a:pPr lvl="0" marL="0" indent="0">
+              <a:buNone/>
+            </a:pPr>
+            <a:r>
+              <a:rPr/>
+              <a:t>read-fat-data.sas,</a:t>
+            </a:r>
+            <a:r>
+              <a:rPr/>
+              <a:t> </a:t>
+            </a:r>
+            <a:r>
+              <a:rPr/>
+              <a:t>part</a:t>
+            </a:r>
+            <a:r>
+              <a:rPr/>
+              <a:t> </a:t>
+            </a:r>
+            <a:r>
+              <a:rPr/>
+              <a:t>4</a:t>
+            </a:r>
+          </a:p>
+        </p:txBody>
+      </p:sp>
+      <p:sp>
+        <p:nvSpPr>
+          <p:cNvPr id="3" name="Content Placeholder 2"/>
+          <p:cNvSpPr>
+            <a:spLocks noGrp="1"/>
+          </p:cNvSpPr>
+          <p:nvPr>
+            <p:ph idx="1"/>
+          </p:nvPr>
+        </p:nvSpPr>
+        <p:spPr/>
+        <p:txBody>
+          <a:bodyPr/>
+          <a:lstStyle/>
+          <a:p>
+            <a:pPr lvl="0" marL="1270000" indent="0">
+              <a:buNone/>
+            </a:pPr>
+            <a:r>
+              <a:rPr sz="1800">
+                <a:latin typeface="Courier"/>
+              </a:rPr>
+              <a:t>  label
+    case="Case number"
+    fat_b="Percent body fat, Brozek's equation"
+    fat_s="Percent body fat, Siri's equation"
+    dens="Density"
+    age="Age (yrs)"
+    wt="Weight (lbs)"
+    ht="Height (inches)"
+    bmi="Adiposity index (kg/m^2)"
+    ffw="Fat Free Weight"
+    neck="Neck circumference (cm)"
+    chest="Chest circumference (cm)"
+    abdomen="Abdomen circumference (cm)"
+...</a:t>
+            </a:r>
+          </a:p>
+        </p:txBody>
+      </p:sp>
+    </p:spTree>
+  </p:cSld>
+</p:sld>
+</file>
+
+<file path=ppt/slides/slide6.xml><?xml version="1.0" encoding="utf-8"?>
+<p:sld xmlns:a="http://schemas.openxmlformats.org/drawingml/2006/main" xmlns:r="http://schemas.openxmlformats.org/officeDocument/2006/relationships" xmlns:p="http://schemas.openxmlformats.org/presentationml/2006/main">
+  <p:cSld>
+    <p:spTree>
+      <p:nvGrpSpPr>
+        <p:cNvPr id="1" name=""/>
+        <p:cNvGrpSpPr/>
+        <p:nvPr/>
+      </p:nvGrpSpPr>
+      <p:grpSpPr>
+        <a:xfrm>
+          <a:off x="0" y="0"/>
+          <a:ext cx="0" cy="0"/>
+          <a:chOff x="0" y="0"/>
+          <a:chExt cx="0" cy="0"/>
+        </a:xfrm>
+      </p:grpSpPr>
+      <p:sp>
+        <p:nvSpPr>
+          <p:cNvPr id="2" name="Title 1"/>
+          <p:cNvSpPr>
+            <a:spLocks noGrp="1"/>
+          </p:cNvSpPr>
+          <p:nvPr>
+            <p:ph type="title"/>
+          </p:nvPr>
+        </p:nvSpPr>
+        <p:spPr/>
+        <p:txBody>
+          <a:bodyPr/>
+          <a:lstStyle/>
+          <a:p>
+            <a:pPr lvl="0" marL="0" indent="0">
+              <a:buNone/>
+            </a:pPr>
+            <a:r>
+              <a:rPr/>
+              <a:t>read-fat-data.sas,</a:t>
+            </a:r>
+            <a:r>
+              <a:rPr/>
+              <a:t> </a:t>
+            </a:r>
+            <a:r>
+              <a:rPr/>
+              <a:t>part</a:t>
+            </a:r>
+            <a:r>
+              <a:rPr/>
+              <a:t> </a:t>
+            </a:r>
+            <a:r>
+              <a:rPr/>
+              <a:t>5</a:t>
+            </a:r>
+          </a:p>
+        </p:txBody>
+      </p:sp>
+      <p:sp>
+        <p:nvSpPr>
+          <p:cNvPr id="3" name="Content Placeholder 2"/>
+          <p:cNvSpPr>
+            <a:spLocks noGrp="1"/>
+          </p:cNvSpPr>
+          <p:nvPr>
+            <p:ph idx="1"/>
+          </p:nvPr>
+        </p:nvSpPr>
+        <p:spPr/>
+        <p:txBody>
+          <a:bodyPr/>
+          <a:lstStyle/>
+          <a:p>
+            <a:pPr lvl="0" marL="1270000" indent="0">
+              <a:buNone/>
+            </a:pPr>
+            <a:r>
+              <a:rPr sz="1800">
+                <a:latin typeface="Courier"/>
+              </a:rPr>
+              <a:t>proc print
+    data=intro.fat(obs=10);
+  var case fat_b fat_s dens age;
+  title1 "The first ten rows and five columns";
+  title2 "of the fat data set";
+run;</a:t>
+            </a:r>
+          </a:p>
+        </p:txBody>
+      </p:sp>
+    </p:spTree>
+  </p:cSld>
+</p:sld>
+</file>
+
+<file path=ppt/slides/slide7.xml><?xml version="1.0" encoding="utf-8"?>
+<p:sld xmlns:a="http://schemas.openxmlformats.org/drawingml/2006/main" xmlns:r="http://schemas.openxmlformats.org/officeDocument/2006/relationships" xmlns:p="http://schemas.openxmlformats.org/presentationml/2006/main">
+  <p:cSld>
+    <p:spTree>
+      <p:nvGrpSpPr>
+        <p:cNvPr id="1" name=""/>
+        <p:cNvGrpSpPr/>
+        <p:nvPr/>
+      </p:nvGrpSpPr>
+      <p:grpSpPr>
+        <a:xfrm>
+          <a:off x="0" y="0"/>
+          <a:ext cx="0" cy="0"/>
+          <a:chOff x="0" y="0"/>
+          <a:chExt cx="0" cy="0"/>
+        </a:xfrm>
+      </p:grpSpPr>
+      <p:sp>
+        <p:nvSpPr>
+          <p:cNvPr id="2" name="Title 1"/>
+          <p:cNvSpPr>
+            <a:spLocks noGrp="1"/>
+          </p:cNvSpPr>
+          <p:nvPr>
+            <p:ph type="title"/>
+          </p:nvPr>
+        </p:nvSpPr>
+        <p:spPr/>
+        <p:txBody>
+          <a:bodyPr/>
+          <a:lstStyle/>
+          <a:p>
+            <a:pPr lvl="0" marL="0" indent="0">
+              <a:buNone/>
+            </a:pPr>
+            <a:r>
+              <a:rPr/>
+              <a:t>read-fat-data.sas,</a:t>
+            </a:r>
+            <a:r>
+              <a:rPr/>
+              <a:t> </a:t>
+            </a:r>
+            <a:r>
+              <a:rPr/>
+              <a:t>ouptut</a:t>
             </a:r>
           </a:p>
         </p:txBody>
@@ -3796,7 +11877,7 @@
           <p:nvPr/>
         </p:nvPicPr>
         <p:blipFill>
-          <a:blip r:embed="rId2"/>
+          <a:blip r:embed="rId3"/>
           <a:stretch>
             <a:fillRect/>
           </a:stretch>
@@ -3883,6 +11964,201 @@
             <a:r>
               <a:rPr/>
               <a:t>dataset</a:t>
+            </a:r>
+          </a:p>
+        </p:txBody>
+      </p:sp>
+    </p:spTree>
+  </p:cSld>
+</p:sld>
+</file>
+
+<file path=ppt/slides/slide8.xml><?xml version="1.0" encoding="utf-8"?>
+<p:sld xmlns:a="http://schemas.openxmlformats.org/drawingml/2006/main" xmlns:r="http://schemas.openxmlformats.org/officeDocument/2006/relationships" xmlns:p="http://schemas.openxmlformats.org/presentationml/2006/main">
+  <p:cSld>
+    <p:spTree>
+      <p:nvGrpSpPr>
+        <p:cNvPr id="1" name=""/>
+        <p:cNvGrpSpPr/>
+        <p:nvPr/>
+      </p:nvGrpSpPr>
+      <p:grpSpPr>
+        <a:xfrm>
+          <a:off x="0" y="0"/>
+          <a:ext cx="0" cy="0"/>
+          <a:chOff x="0" y="0"/>
+          <a:chExt cx="0" cy="0"/>
+        </a:xfrm>
+      </p:grpSpPr>
+      <p:sp>
+        <p:nvSpPr>
+          <p:cNvPr id="2" name="Title 1"/>
+          <p:cNvSpPr>
+            <a:spLocks noGrp="1"/>
+          </p:cNvSpPr>
+          <p:nvPr>
+            <p:ph type="title"/>
+          </p:nvPr>
+        </p:nvSpPr>
+        <p:spPr/>
+        <p:txBody>
+          <a:bodyPr/>
+          <a:lstStyle/>
+          <a:p>
+            <a:pPr lvl="0" marL="0" indent="0">
+              <a:buNone/>
+            </a:pPr>
+            <a:r>
+              <a:rPr/>
+              <a:t>proc-means.sas,</a:t>
+            </a:r>
+            <a:r>
+              <a:rPr/>
+              <a:t> </a:t>
+            </a:r>
+            <a:r>
+              <a:rPr/>
+              <a:t>part</a:t>
+            </a:r>
+            <a:r>
+              <a:rPr/>
+              <a:t> </a:t>
+            </a:r>
+            <a:r>
+              <a:rPr/>
+              <a:t>1</a:t>
+            </a:r>
+          </a:p>
+        </p:txBody>
+      </p:sp>
+      <p:sp>
+        <p:nvSpPr>
+          <p:cNvPr id="3" name="Content Placeholder 2"/>
+          <p:cNvSpPr>
+            <a:spLocks noGrp="1"/>
+          </p:cNvSpPr>
+          <p:nvPr>
+            <p:ph idx="1"/>
+          </p:nvPr>
+        </p:nvSpPr>
+        <p:spPr/>
+        <p:txBody>
+          <a:bodyPr/>
+          <a:lstStyle/>
+          <a:p>
+            <a:pPr lvl="0" marL="1270000" indent="0">
+              <a:buNone/>
+            </a:pPr>
+            <a:r>
+              <a:rPr sz="1800">
+                <a:latin typeface="Courier"/>
+              </a:rPr>
+              <a:t>* code-03-02-proc-means.sas
+  written by Steve Simon
+  2020-09-28;
+options papersize=(8in 4in) nodate;
+filename fat
+  "q:/5507/module03/data/fat.txt";
+libname intro
+  "q:/5507/module03/data";
+ods printer printer=png
+  file="q:/5507/module03/results/code-03-02.png";</a:t>
+            </a:r>
+          </a:p>
+        </p:txBody>
+      </p:sp>
+    </p:spTree>
+  </p:cSld>
+</p:sld>
+</file>
+
+<file path=ppt/slides/slide9.xml><?xml version="1.0" encoding="utf-8"?>
+<p:sld xmlns:a="http://schemas.openxmlformats.org/drawingml/2006/main" xmlns:r="http://schemas.openxmlformats.org/officeDocument/2006/relationships" xmlns:p="http://schemas.openxmlformats.org/presentationml/2006/main">
+  <p:cSld>
+    <p:spTree>
+      <p:nvGrpSpPr>
+        <p:cNvPr id="1" name=""/>
+        <p:cNvGrpSpPr/>
+        <p:nvPr/>
+      </p:nvGrpSpPr>
+      <p:grpSpPr>
+        <a:xfrm>
+          <a:off x="0" y="0"/>
+          <a:ext cx="0" cy="0"/>
+          <a:chOff x="0" y="0"/>
+          <a:chExt cx="0" cy="0"/>
+        </a:xfrm>
+      </p:grpSpPr>
+      <p:sp>
+        <p:nvSpPr>
+          <p:cNvPr id="2" name="Title 1"/>
+          <p:cNvSpPr>
+            <a:spLocks noGrp="1"/>
+          </p:cNvSpPr>
+          <p:nvPr>
+            <p:ph type="title"/>
+          </p:nvPr>
+        </p:nvSpPr>
+        <p:spPr/>
+        <p:txBody>
+          <a:bodyPr/>
+          <a:lstStyle/>
+          <a:p>
+            <a:pPr lvl="0" marL="0" indent="0">
+              <a:buNone/>
+            </a:pPr>
+            <a:r>
+              <a:rPr/>
+              <a:t>read-fat-data.sas,</a:t>
+            </a:r>
+            <a:r>
+              <a:rPr/>
+              <a:t> </a:t>
+            </a:r>
+            <a:r>
+              <a:rPr/>
+              <a:t>part</a:t>
+            </a:r>
+            <a:r>
+              <a:rPr/>
+              <a:t> </a:t>
+            </a:r>
+            <a:r>
+              <a:rPr/>
+              <a:t>2</a:t>
+            </a:r>
+          </a:p>
+        </p:txBody>
+      </p:sp>
+      <p:sp>
+        <p:nvSpPr>
+          <p:cNvPr id="3" name="Content Placeholder 2"/>
+          <p:cNvSpPr>
+            <a:spLocks noGrp="1"/>
+          </p:cNvSpPr>
+          <p:nvPr>
+            <p:ph idx="1"/>
+          </p:nvPr>
+        </p:nvSpPr>
+        <p:spPr/>
+        <p:txBody>
+          <a:bodyPr/>
+          <a:lstStyle/>
+          <a:p>
+            <a:pPr lvl="0" marL="1270000" indent="0">
+              <a:buNone/>
+            </a:pPr>
+            <a:r>
+              <a:rPr sz="1800">
+                <a:latin typeface="Courier"/>
+              </a:rPr>
+              <a:t>proc means
+    n mean std min max
+    data=intro.fat;
+  var ht;
+  title1 "Simple descriptive statistics for ht";
+  title2 "Notice the unusual minimum value";
+run;</a:t>
             </a:r>
           </a:p>
         </p:txBody>

--- a/module03/src/slides-and-speaker-notes-03.pptx
+++ b/module03/src/slides-and-speaker-notes-03.pptx
@@ -5,7 +5,7 @@
     <p:sldMasterId id="2147483648" r:id="rId1"/>
   </p:sldMasterIdLst>
   <p:notesMasterIdLst>
-    <p:NotesMasterId r:id="rId11"/>
+    <p:NotesMasterId r:id="rId13"/>
   </p:notesMasterIdLst>
   <p:sldIdLst>
     <p:sldId id="256" r:id="rId2"/>
@@ -17,6 +17,8 @@
     <p:sldId id="262" r:id="rId8"/>
     <p:sldId id="263" r:id="rId9"/>
     <p:sldId id="264" r:id="rId10"/>
+    <p:sldId id="265" r:id="rId11"/>
+    <p:sldId id="266" r:id="rId12"/>
   </p:sldIdLst>
   <p:sldSz cx="9144000" cy="6858000" type="screen4x3"/>
   <p:notesSz cx="6858000" cy="9144000"/>
@@ -533,6 +535,696 @@
             </a:pPr>
             <a:r>
               <a:rPr/>
+              <a:t>This</a:t>
+            </a:r>
+            <a:r>
+              <a:rPr/>
+              <a:t> </a:t>
+            </a:r>
+            <a:r>
+              <a:rPr/>
+              <a:t>program</a:t>
+            </a:r>
+            <a:r>
+              <a:rPr/>
+              <a:t> </a:t>
+            </a:r>
+            <a:r>
+              <a:rPr/>
+              <a:t>shows</a:t>
+            </a:r>
+            <a:r>
+              <a:rPr/>
+              <a:t> </a:t>
+            </a:r>
+            <a:r>
+              <a:rPr/>
+              <a:t>how</a:t>
+            </a:r>
+            <a:r>
+              <a:rPr/>
+              <a:t> </a:t>
+            </a:r>
+            <a:r>
+              <a:rPr/>
+              <a:t>to</a:t>
+            </a:r>
+            <a:r>
+              <a:rPr/>
+              <a:t> </a:t>
+            </a:r>
+            <a:r>
+              <a:rPr/>
+              <a:t>analyze</a:t>
+            </a:r>
+            <a:r>
+              <a:rPr/>
+              <a:t> </a:t>
+            </a:r>
+            <a:r>
+              <a:rPr/>
+              <a:t>data</a:t>
+            </a:r>
+            <a:r>
+              <a:rPr/>
+              <a:t> </a:t>
+            </a:r>
+            <a:r>
+              <a:rPr/>
+              <a:t>with</a:t>
+            </a:r>
+            <a:r>
+              <a:rPr/>
+              <a:t> </a:t>
+            </a:r>
+            <a:r>
+              <a:rPr/>
+              <a:t>mostly</a:t>
+            </a:r>
+            <a:r>
+              <a:rPr/>
+              <a:t> </a:t>
+            </a:r>
+            <a:r>
+              <a:rPr/>
+              <a:t>continuous</a:t>
+            </a:r>
+            <a:r>
+              <a:rPr/>
+              <a:t> </a:t>
+            </a:r>
+            <a:r>
+              <a:rPr/>
+              <a:t>variables.</a:t>
+            </a:r>
+            <a:r>
+              <a:rPr/>
+              <a:t> </a:t>
+            </a:r>
+            <a:r>
+              <a:rPr/>
+              <a:t>It</a:t>
+            </a:r>
+            <a:r>
+              <a:rPr/>
+              <a:t> </a:t>
+            </a:r>
+            <a:r>
+              <a:rPr/>
+              <a:t>uses</a:t>
+            </a:r>
+            <a:r>
+              <a:rPr/>
+              <a:t> </a:t>
+            </a:r>
+            <a:r>
+              <a:rPr/>
+              <a:t>a</a:t>
+            </a:r>
+            <a:r>
+              <a:rPr/>
+              <a:t> </a:t>
+            </a:r>
+            <a:r>
+              <a:rPr/>
+              <a:t>dataset</a:t>
+            </a:r>
+            <a:r>
+              <a:rPr/>
+              <a:t> </a:t>
+            </a:r>
+            <a:r>
+              <a:rPr/>
+              <a:t>with</a:t>
+            </a:r>
+            <a:r>
+              <a:rPr/>
+              <a:t> </a:t>
+            </a:r>
+            <a:r>
+              <a:rPr/>
+              <a:t>measurements</a:t>
+            </a:r>
+            <a:r>
+              <a:rPr/>
+              <a:t> </a:t>
+            </a:r>
+            <a:r>
+              <a:rPr/>
+              <a:t>of</a:t>
+            </a:r>
+            <a:r>
+              <a:rPr/>
+              <a:t> </a:t>
+            </a:r>
+            <a:r>
+              <a:rPr/>
+              <a:t>body</a:t>
+            </a:r>
+            <a:r>
+              <a:rPr/>
+              <a:t> </a:t>
+            </a:r>
+            <a:r>
+              <a:rPr/>
+              <a:t>fat.</a:t>
+            </a:r>
+            <a:r>
+              <a:rPr/>
+              <a:t> </a:t>
+            </a:r>
+            <a:r>
+              <a:rPr/>
+              <a:t>You</a:t>
+            </a:r>
+            <a:r>
+              <a:rPr/>
+              <a:t> </a:t>
+            </a:r>
+            <a:r>
+              <a:rPr/>
+              <a:t>can</a:t>
+            </a:r>
+            <a:r>
+              <a:rPr/>
+              <a:t> </a:t>
+            </a:r>
+            <a:r>
+              <a:rPr/>
+              <a:t>measure</a:t>
+            </a:r>
+            <a:r>
+              <a:rPr/>
+              <a:t> </a:t>
+            </a:r>
+            <a:r>
+              <a:rPr/>
+              <a:t>body</a:t>
+            </a:r>
+            <a:r>
+              <a:rPr/>
+              <a:t> </a:t>
+            </a:r>
+            <a:r>
+              <a:rPr/>
+              <a:t>fat</a:t>
+            </a:r>
+            <a:r>
+              <a:rPr/>
+              <a:t> </a:t>
+            </a:r>
+            <a:r>
+              <a:rPr/>
+              <a:t>accurately</a:t>
+            </a:r>
+            <a:r>
+              <a:rPr/>
+              <a:t> </a:t>
+            </a:r>
+            <a:r>
+              <a:rPr/>
+              <a:t>using</a:t>
+            </a:r>
+            <a:r>
+              <a:rPr/>
+              <a:t> </a:t>
+            </a:r>
+            <a:r>
+              <a:rPr/>
+              <a:t>hydrostatic</a:t>
+            </a:r>
+            <a:r>
+              <a:rPr/>
+              <a:t> </a:t>
+            </a:r>
+            <a:r>
+              <a:rPr/>
+              <a:t>weighing,</a:t>
+            </a:r>
+            <a:r>
+              <a:rPr/>
+              <a:t> </a:t>
+            </a:r>
+            <a:r>
+              <a:rPr/>
+              <a:t>a</a:t>
+            </a:r>
+            <a:r>
+              <a:rPr/>
+              <a:t> </a:t>
+            </a:r>
+            <a:r>
+              <a:rPr/>
+              <a:t>complex</a:t>
+            </a:r>
+            <a:r>
+              <a:rPr/>
+              <a:t> </a:t>
+            </a:r>
+            <a:r>
+              <a:rPr/>
+              <a:t>process</a:t>
+            </a:r>
+            <a:r>
+              <a:rPr/>
+              <a:t> </a:t>
+            </a:r>
+            <a:r>
+              <a:rPr/>
+              <a:t>where</a:t>
+            </a:r>
+            <a:r>
+              <a:rPr/>
+              <a:t> </a:t>
+            </a:r>
+            <a:r>
+              <a:rPr/>
+              <a:t>you</a:t>
+            </a:r>
+            <a:r>
+              <a:rPr/>
+              <a:t> </a:t>
+            </a:r>
+            <a:r>
+              <a:rPr/>
+              <a:t>weigh</a:t>
+            </a:r>
+            <a:r>
+              <a:rPr/>
+              <a:t> </a:t>
+            </a:r>
+            <a:r>
+              <a:rPr/>
+              <a:t>someone</a:t>
+            </a:r>
+            <a:r>
+              <a:rPr/>
+              <a:t> </a:t>
+            </a:r>
+            <a:r>
+              <a:rPr/>
+              <a:t>will</a:t>
+            </a:r>
+            <a:r>
+              <a:rPr/>
+              <a:t> </a:t>
+            </a:r>
+            <a:r>
+              <a:rPr/>
+              <a:t>submersed</a:t>
+            </a:r>
+            <a:r>
+              <a:rPr/>
+              <a:t> </a:t>
+            </a:r>
+            <a:r>
+              <a:rPr/>
+              <a:t>in</a:t>
+            </a:r>
+            <a:r>
+              <a:rPr/>
+              <a:t> </a:t>
+            </a:r>
+            <a:r>
+              <a:rPr/>
+              <a:t>a</a:t>
+            </a:r>
+            <a:r>
+              <a:rPr/>
+              <a:t> </a:t>
+            </a:r>
+            <a:r>
+              <a:rPr/>
+              <a:t>tank</a:t>
+            </a:r>
+            <a:r>
+              <a:rPr/>
+              <a:t> </a:t>
+            </a:r>
+            <a:r>
+              <a:rPr/>
+              <a:t>of</a:t>
+            </a:r>
+            <a:r>
+              <a:rPr/>
+              <a:t> </a:t>
+            </a:r>
+            <a:r>
+              <a:rPr/>
+              <a:t>water.</a:t>
+            </a:r>
+            <a:r>
+              <a:rPr/>
+              <a:t> </a:t>
+            </a:r>
+            <a:r>
+              <a:rPr/>
+              <a:t>In</a:t>
+            </a:r>
+            <a:r>
+              <a:rPr/>
+              <a:t> </a:t>
+            </a:r>
+            <a:r>
+              <a:rPr/>
+              <a:t>addition,</a:t>
+            </a:r>
+            <a:r>
+              <a:rPr/>
+              <a:t> </a:t>
+            </a:r>
+            <a:r>
+              <a:rPr/>
+              <a:t>you</a:t>
+            </a:r>
+            <a:r>
+              <a:rPr/>
+              <a:t> </a:t>
+            </a:r>
+            <a:r>
+              <a:rPr/>
+              <a:t>have</a:t>
+            </a:r>
+            <a:r>
+              <a:rPr/>
+              <a:t> </a:t>
+            </a:r>
+            <a:r>
+              <a:rPr/>
+              <a:t>measures</a:t>
+            </a:r>
+            <a:r>
+              <a:rPr/>
+              <a:t> </a:t>
+            </a:r>
+            <a:r>
+              <a:rPr/>
+              <a:t>of</a:t>
+            </a:r>
+            <a:r>
+              <a:rPr/>
+              <a:t> </a:t>
+            </a:r>
+            <a:r>
+              <a:rPr/>
+              <a:t>circumference</a:t>
+            </a:r>
+            <a:r>
+              <a:rPr/>
+              <a:t> </a:t>
+            </a:r>
+            <a:r>
+              <a:rPr/>
+              <a:t>at</a:t>
+            </a:r>
+            <a:r>
+              <a:rPr/>
+              <a:t> </a:t>
+            </a:r>
+            <a:r>
+              <a:rPr/>
+              <a:t>various</a:t>
+            </a:r>
+            <a:r>
+              <a:rPr/>
+              <a:t> </a:t>
+            </a:r>
+            <a:r>
+              <a:rPr/>
+              <a:t>body</a:t>
+            </a:r>
+            <a:r>
+              <a:rPr/>
+              <a:t> </a:t>
+            </a:r>
+            <a:r>
+              <a:rPr/>
+              <a:t>locations.</a:t>
+            </a:r>
+            <a:r>
+              <a:rPr/>
+              <a:t> </a:t>
+            </a:r>
+            <a:r>
+              <a:rPr/>
+              <a:t>Measuring</a:t>
+            </a:r>
+            <a:r>
+              <a:rPr/>
+              <a:t> </a:t>
+            </a:r>
+            <a:r>
+              <a:rPr/>
+              <a:t>circumference</a:t>
+            </a:r>
+            <a:r>
+              <a:rPr/>
+              <a:t> </a:t>
+            </a:r>
+            <a:r>
+              <a:rPr/>
+              <a:t>is</a:t>
+            </a:r>
+            <a:r>
+              <a:rPr/>
+              <a:t> </a:t>
+            </a:r>
+            <a:r>
+              <a:rPr/>
+              <a:t>a</a:t>
+            </a:r>
+            <a:r>
+              <a:rPr/>
+              <a:t> </a:t>
+            </a:r>
+            <a:r>
+              <a:rPr/>
+              <a:t>lot</a:t>
+            </a:r>
+            <a:r>
+              <a:rPr/>
+              <a:t> </a:t>
+            </a:r>
+            <a:r>
+              <a:rPr/>
+              <a:t>faster</a:t>
+            </a:r>
+            <a:r>
+              <a:rPr/>
+              <a:t> </a:t>
+            </a:r>
+            <a:r>
+              <a:rPr/>
+              <a:t>and</a:t>
+            </a:r>
+            <a:r>
+              <a:rPr/>
+              <a:t> </a:t>
+            </a:r>
+            <a:r>
+              <a:rPr/>
+              <a:t>easier.</a:t>
+            </a:r>
+            <a:r>
+              <a:rPr/>
+              <a:t> </a:t>
+            </a:r>
+            <a:r>
+              <a:rPr/>
+              <a:t>Can</a:t>
+            </a:r>
+            <a:r>
+              <a:rPr/>
+              <a:t> </a:t>
+            </a:r>
+            <a:r>
+              <a:rPr/>
+              <a:t>these</a:t>
+            </a:r>
+            <a:r>
+              <a:rPr/>
+              <a:t> </a:t>
+            </a:r>
+            <a:r>
+              <a:rPr/>
+              <a:t>easy</a:t>
+            </a:r>
+            <a:r>
+              <a:rPr/>
+              <a:t> </a:t>
+            </a:r>
+            <a:r>
+              <a:rPr/>
+              <a:t>measures</a:t>
+            </a:r>
+            <a:r>
+              <a:rPr/>
+              <a:t> </a:t>
+            </a:r>
+            <a:r>
+              <a:rPr/>
+              <a:t>predict</a:t>
+            </a:r>
+            <a:r>
+              <a:rPr/>
+              <a:t> </a:t>
+            </a:r>
+            <a:r>
+              <a:rPr/>
+              <a:t>body</a:t>
+            </a:r>
+            <a:r>
+              <a:rPr/>
+              <a:t> </a:t>
+            </a:r>
+            <a:r>
+              <a:rPr/>
+              <a:t>fat</a:t>
+            </a:r>
+            <a:r>
+              <a:rPr/>
+              <a:t> </a:t>
+            </a:r>
+            <a:r>
+              <a:rPr/>
+              <a:t>as</a:t>
+            </a:r>
+            <a:r>
+              <a:rPr/>
+              <a:t> </a:t>
+            </a:r>
+            <a:r>
+              <a:rPr/>
+              <a:t>measured</a:t>
+            </a:r>
+            <a:r>
+              <a:rPr/>
+              <a:t> </a:t>
+            </a:r>
+            <a:r>
+              <a:rPr/>
+              <a:t>by</a:t>
+            </a:r>
+            <a:r>
+              <a:rPr/>
+              <a:t> </a:t>
+            </a:r>
+            <a:r>
+              <a:rPr/>
+              <a:t>hydrostatic</a:t>
+            </a:r>
+            <a:r>
+              <a:rPr/>
+              <a:t> </a:t>
+            </a:r>
+            <a:r>
+              <a:rPr/>
+              <a:t>weighing?</a:t>
+            </a:r>
+          </a:p>
+          <a:p>
+            <a:pPr lvl="0" marL="0" indent="0">
+              <a:buNone/>
+            </a:pPr>
+          </a:p>
+          <a:p>
+            <a:pPr lvl="0" marL="0" indent="0">
+              <a:buNone/>
+            </a:pPr>
+            <a:r>
+              <a:rPr/>
+              <a:t>A</a:t>
+            </a:r>
+            <a:r>
+              <a:rPr/>
+              <a:t> </a:t>
+            </a:r>
+            <a:r>
+              <a:rPr/>
+              <a:t>brief</a:t>
+            </a:r>
+            <a:r>
+              <a:rPr/>
+              <a:t> </a:t>
+            </a:r>
+            <a:r>
+              <a:rPr/>
+              <a:t>description</a:t>
+            </a:r>
+            <a:r>
+              <a:rPr/>
+              <a:t> </a:t>
+            </a:r>
+            <a:r>
+              <a:rPr/>
+              <a:t>of</a:t>
+            </a:r>
+            <a:r>
+              <a:rPr/>
+              <a:t> </a:t>
+            </a:r>
+            <a:r>
+              <a:rPr/>
+              <a:t>this</a:t>
+            </a:r>
+            <a:r>
+              <a:rPr/>
+              <a:t> </a:t>
+            </a:r>
+            <a:r>
+              <a:rPr/>
+              <a:t>file</a:t>
+            </a:r>
+            <a:r>
+              <a:rPr/>
+              <a:t> </a:t>
+            </a:r>
+            <a:r>
+              <a:rPr/>
+              <a:t>is</a:t>
+            </a:r>
+            <a:r>
+              <a:rPr/>
+              <a:t> </a:t>
+            </a:r>
+            <a:r>
+              <a:rPr/>
+              <a:t>available</a:t>
+            </a:r>
+            <a:r>
+              <a:rPr/>
+              <a:t> </a:t>
+            </a:r>
+            <a:r>
+              <a:rPr/>
+              <a:t>at</a:t>
+            </a:r>
+          </a:p>
+          <a:p>
+            <a:pPr lvl="0" marL="0" indent="0">
+              <a:buNone/>
+            </a:pPr>
+          </a:p>
+          <a:p>
+            <a:pPr lvl="0" marL="0" indent="0">
+              <a:buNone/>
+            </a:pPr>
+            <a:r>
+              <a:rPr/>
+              <a:t>www.amstat.org/publications/jse/datasets/fat.txt</a:t>
+            </a:r>
+          </a:p>
+          <a:p>
+            <a:pPr lvl="0" marL="0" indent="0">
+              <a:buNone/>
+            </a:pPr>
+          </a:p>
+          <a:p>
+            <a:pPr lvl="0" marL="0" indent="0">
+              <a:buNone/>
+            </a:pPr>
+            <a:r>
+              <a:rPr/>
               <a:t>Here</a:t>
             </a:r>
             <a:r>
@@ -549,6 +1241,174 @@
             </a:r>
             <a:r>
               <a:rPr/>
+              <a:t>the</a:t>
+            </a:r>
+            <a:r>
+              <a:rPr/>
+              <a:t> </a:t>
+            </a:r>
+            <a:r>
+              <a:rPr/>
+              <a:t>program</a:t>
+            </a:r>
+            <a:r>
+              <a:rPr/>
+              <a:t> </a:t>
+            </a:r>
+            <a:r>
+              <a:rPr/>
+              <a:t>header</a:t>
+            </a:r>
+            <a:r>
+              <a:rPr/>
+              <a:t> </a:t>
+            </a:r>
+            <a:r>
+              <a:rPr/>
+              <a:t>and</a:t>
+            </a:r>
+            <a:r>
+              <a:rPr/>
+              <a:t> </a:t>
+            </a:r>
+            <a:r>
+              <a:rPr/>
+              <a:t>an</a:t>
+            </a:r>
+            <a:r>
+              <a:rPr/>
+              <a:t> </a:t>
+            </a:r>
+            <a:r>
+              <a:rPr/>
+              <a:t>option</a:t>
+            </a:r>
+            <a:r>
+              <a:rPr/>
+              <a:t> </a:t>
+            </a:r>
+            <a:r>
+              <a:rPr/>
+              <a:t>that</a:t>
+            </a:r>
+            <a:r>
+              <a:rPr/>
+              <a:t> </a:t>
+            </a:r>
+            <a:r>
+              <a:rPr/>
+              <a:t>is</a:t>
+            </a:r>
+            <a:r>
+              <a:rPr/>
+              <a:t> </a:t>
+            </a:r>
+            <a:r>
+              <a:rPr/>
+              <a:t>only</a:t>
+            </a:r>
+            <a:r>
+              <a:rPr/>
+              <a:t> </a:t>
+            </a:r>
+            <a:r>
+              <a:rPr/>
+              <a:t>needed</a:t>
+            </a:r>
+            <a:r>
+              <a:rPr/>
+              <a:t> </a:t>
+            </a:r>
+            <a:r>
+              <a:rPr/>
+              <a:t>for</a:t>
+            </a:r>
+            <a:r>
+              <a:rPr/>
+              <a:t> </a:t>
+            </a:r>
+            <a:r>
+              <a:rPr/>
+              <a:t>me</a:t>
+            </a:r>
+            <a:r>
+              <a:rPr/>
+              <a:t> </a:t>
+            </a:r>
+            <a:r>
+              <a:rPr/>
+              <a:t>so</a:t>
+            </a:r>
+            <a:r>
+              <a:rPr/>
+              <a:t> </a:t>
+            </a:r>
+            <a:r>
+              <a:rPr/>
+              <a:t>that</a:t>
+            </a:r>
+            <a:r>
+              <a:rPr/>
+              <a:t> </a:t>
+            </a:r>
+            <a:r>
+              <a:rPr/>
+              <a:t>my</a:t>
+            </a:r>
+            <a:r>
+              <a:rPr/>
+              <a:t> </a:t>
+            </a:r>
+            <a:r>
+              <a:rPr/>
+              <a:t>SAS</a:t>
+            </a:r>
+            <a:r>
+              <a:rPr/>
+              <a:t> </a:t>
+            </a:r>
+            <a:r>
+              <a:rPr/>
+              <a:t>output</a:t>
+            </a:r>
+            <a:r>
+              <a:rPr/>
+              <a:t> </a:t>
+            </a:r>
+            <a:r>
+              <a:rPr/>
+              <a:t>will</a:t>
+            </a:r>
+            <a:r>
+              <a:rPr/>
+              <a:t> </a:t>
+            </a:r>
+            <a:r>
+              <a:rPr/>
+              <a:t>fit</a:t>
+            </a:r>
+            <a:r>
+              <a:rPr/>
+              <a:t> </a:t>
+            </a:r>
+            <a:r>
+              <a:rPr/>
+              <a:t>easily</a:t>
+            </a:r>
+            <a:r>
+              <a:rPr/>
+              <a:t> </a:t>
+            </a:r>
+            <a:r>
+              <a:rPr/>
+              <a:t>on</a:t>
+            </a:r>
+            <a:r>
+              <a:rPr/>
+              <a:t> </a:t>
+            </a:r>
+            <a:r>
+              <a:rPr/>
               <a:t>a</a:t>
             </a:r>
             <a:r>
@@ -557,159 +1417,15 @@
             </a:r>
             <a:r>
               <a:rPr/>
-              <a:t>simple</a:t>
-            </a:r>
-            <a:r>
-              <a:rPr/>
-              <a:t> </a:t>
-            </a:r>
-            <a:r>
-              <a:rPr/>
-              <a:t>program</a:t>
-            </a:r>
-            <a:r>
-              <a:rPr/>
-              <a:t> </a:t>
-            </a:r>
-            <a:r>
-              <a:rPr/>
-              <a:t>to</a:t>
-            </a:r>
-            <a:r>
-              <a:rPr/>
-              <a:t> </a:t>
-            </a:r>
-            <a:r>
-              <a:rPr/>
-              <a:t>read</a:t>
-            </a:r>
-            <a:r>
-              <a:rPr/>
-              <a:t> </a:t>
-            </a:r>
-            <a:r>
-              <a:rPr/>
-              <a:t>in</a:t>
-            </a:r>
-            <a:r>
-              <a:rPr/>
-              <a:t> </a:t>
-            </a:r>
-            <a:r>
-              <a:rPr/>
-              <a:t>data.</a:t>
-            </a:r>
-            <a:r>
-              <a:rPr/>
-              <a:t> </a:t>
-            </a:r>
-            <a:r>
-              <a:rPr/>
-              <a:t>You</a:t>
-            </a:r>
-            <a:r>
-              <a:rPr/>
-              <a:t> </a:t>
-            </a:r>
-            <a:r>
-              <a:rPr/>
-              <a:t>already</a:t>
-            </a:r>
-            <a:r>
-              <a:rPr/>
-              <a:t> </a:t>
-            </a:r>
-            <a:r>
-              <a:rPr/>
-              <a:t>know</a:t>
-            </a:r>
-            <a:r>
-              <a:rPr/>
-              <a:t> </a:t>
-            </a:r>
-            <a:r>
-              <a:rPr/>
-              <a:t>how</a:t>
-            </a:r>
-            <a:r>
-              <a:rPr/>
-              <a:t> </a:t>
-            </a:r>
-            <a:r>
-              <a:rPr/>
-              <a:t>to</a:t>
-            </a:r>
-            <a:r>
-              <a:rPr/>
-              <a:t> </a:t>
-            </a:r>
-            <a:r>
-              <a:rPr/>
-              <a:t>do</a:t>
-            </a:r>
-            <a:r>
-              <a:rPr/>
-              <a:t> </a:t>
-            </a:r>
-            <a:r>
-              <a:rPr/>
-              <a:t>this,</a:t>
-            </a:r>
-            <a:r>
-              <a:rPr/>
-              <a:t> </a:t>
-            </a:r>
-            <a:r>
-              <a:rPr/>
-              <a:t>but</a:t>
-            </a:r>
-            <a:r>
-              <a:rPr/>
-              <a:t> </a:t>
-            </a:r>
-            <a:r>
-              <a:rPr/>
-              <a:t>it</a:t>
-            </a:r>
-            <a:r>
-              <a:rPr/>
-              <a:t> </a:t>
-            </a:r>
-            <a:r>
-              <a:rPr/>
-              <a:t>doesn’t</a:t>
-            </a:r>
-            <a:r>
-              <a:rPr/>
-              <a:t> </a:t>
-            </a:r>
-            <a:r>
-              <a:rPr/>
-              <a:t>hurt</a:t>
-            </a:r>
-            <a:r>
-              <a:rPr/>
-              <a:t> </a:t>
-            </a:r>
-            <a:r>
-              <a:rPr/>
-              <a:t>to</a:t>
-            </a:r>
-            <a:r>
-              <a:rPr/>
-              <a:t> </a:t>
-            </a:r>
-            <a:r>
-              <a:rPr/>
-              <a:t>review</a:t>
-            </a:r>
-            <a:r>
-              <a:rPr/>
-              <a:t> </a:t>
-            </a:r>
-            <a:r>
-              <a:rPr/>
-              <a:t>things.</a:t>
+              <a:t>PowerPoint</a:t>
+            </a:r>
+            <a:r>
+              <a:rPr/>
+              <a:t> </a:t>
+            </a:r>
+            <a:r>
+              <a:rPr/>
+              <a:t>slide.</a:t>
             </a:r>
           </a:p>
         </p:txBody>
@@ -732,6 +1448,248 @@
             <a:fld id="{18BDFEC3-8487-43E8-A154-7C12CBC1FFF2}" type="slidenum">
               <a:rPr lang="en-US"/>
               <a:t>2</a:t>
+            </a:fld>
+            <a:endParaRPr lang="en-US"/>
+          </a:p>
+        </p:txBody>
+      </p:sp>
+    </p:spTree>
+  </p:cSld>
+</p:notes>
+</file>
+
+<file path=ppt/notesSlides/notesSlide10.xml><?xml version="1.0" encoding="utf-8"?>
+<p:notes xmlns:a="http://schemas.openxmlformats.org/drawingml/2006/main" xmlns:r="http://schemas.openxmlformats.org/officeDocument/2006/relationships" xmlns:p="http://schemas.openxmlformats.org/presentationml/2006/main">
+  <p:cSld>
+    <p:spTree>
+      <p:nvGrpSpPr>
+        <p:cNvPr id="1" name=""/>
+        <p:cNvGrpSpPr/>
+        <p:nvPr/>
+      </p:nvGrpSpPr>
+      <p:grpSpPr>
+        <a:xfrm>
+          <a:off x="0" y="0"/>
+          <a:ext cx="0" cy="0"/>
+          <a:chOff x="0" y="0"/>
+          <a:chExt cx="0" cy="0"/>
+        </a:xfrm>
+      </p:grpSpPr>
+      <p:sp>
+        <p:nvSpPr>
+          <p:cNvPr id="2" name="Slide Image Placeholder 1"/>
+          <p:cNvSpPr>
+            <a:spLocks noGrp="1" noRot="1" noChangeAspect="1"/>
+          </p:cNvSpPr>
+          <p:nvPr>
+            <p:ph type="sldImg"/>
+          </p:nvPr>
+        </p:nvSpPr>
+        <p:spPr/>
+      </p:sp>
+      <p:sp>
+        <p:nvSpPr>
+          <p:cNvPr id="3" name="Notes Placeholder 2"/>
+          <p:cNvSpPr>
+            <a:spLocks noGrp="1"/>
+          </p:cNvSpPr>
+          <p:nvPr>
+            <p:ph type="body" idx="1"/>
+          </p:nvPr>
+        </p:nvSpPr>
+        <p:spPr/>
+        <p:txBody>
+          <a:bodyPr/>
+          <a:lstStyle/>
+          <a:p>
+            <a:pPr lvl="0" marL="0" indent="0">
+              <a:buNone/>
+            </a:pPr>
+            <a:r>
+              <a:rPr/>
+              <a:t>Clearly</a:t>
+            </a:r>
+            <a:r>
+              <a:rPr/>
+              <a:t> </a:t>
+            </a:r>
+            <a:r>
+              <a:rPr/>
+              <a:t>something</a:t>
+            </a:r>
+            <a:r>
+              <a:rPr/>
+              <a:t> </a:t>
+            </a:r>
+            <a:r>
+              <a:rPr/>
+              <a:t>is</a:t>
+            </a:r>
+            <a:r>
+              <a:rPr/>
+              <a:t> </a:t>
+            </a:r>
+            <a:r>
+              <a:rPr/>
+              <a:t>wrong.</a:t>
+            </a:r>
+            <a:r>
+              <a:rPr/>
+              <a:t> </a:t>
+            </a:r>
+            <a:r>
+              <a:rPr/>
+              <a:t>There’s</a:t>
+            </a:r>
+            <a:r>
+              <a:rPr/>
+              <a:t> </a:t>
+            </a:r>
+            <a:r>
+              <a:rPr/>
+              <a:t>no</a:t>
+            </a:r>
+            <a:r>
+              <a:rPr/>
+              <a:t> </a:t>
+            </a:r>
+            <a:r>
+              <a:rPr/>
+              <a:t>way</a:t>
+            </a:r>
+            <a:r>
+              <a:rPr/>
+              <a:t> </a:t>
+            </a:r>
+            <a:r>
+              <a:rPr/>
+              <a:t>that</a:t>
+            </a:r>
+            <a:r>
+              <a:rPr/>
+              <a:t> </a:t>
+            </a:r>
+            <a:r>
+              <a:rPr/>
+              <a:t>a</a:t>
+            </a:r>
+            <a:r>
+              <a:rPr/>
+              <a:t> </a:t>
+            </a:r>
+            <a:r>
+              <a:rPr/>
+              <a:t>person</a:t>
+            </a:r>
+            <a:r>
+              <a:rPr/>
+              <a:t> </a:t>
+            </a:r>
+            <a:r>
+              <a:rPr/>
+              <a:t>with</a:t>
+            </a:r>
+            <a:r>
+              <a:rPr/>
+              <a:t> </a:t>
+            </a:r>
+            <a:r>
+              <a:rPr/>
+              <a:t>such</a:t>
+            </a:r>
+            <a:r>
+              <a:rPr/>
+              <a:t> </a:t>
+            </a:r>
+            <a:r>
+              <a:rPr/>
+              <a:t>a</a:t>
+            </a:r>
+            <a:r>
+              <a:rPr/>
+              <a:t> </a:t>
+            </a:r>
+            <a:r>
+              <a:rPr/>
+              <a:t>small</a:t>
+            </a:r>
+            <a:r>
+              <a:rPr/>
+              <a:t> </a:t>
+            </a:r>
+            <a:r>
+              <a:rPr/>
+              <a:t>height</a:t>
+            </a:r>
+            <a:r>
+              <a:rPr/>
+              <a:t> </a:t>
+            </a:r>
+            <a:r>
+              <a:rPr/>
+              <a:t>would</a:t>
+            </a:r>
+            <a:r>
+              <a:rPr/>
+              <a:t> </a:t>
+            </a:r>
+            <a:r>
+              <a:rPr/>
+              <a:t>have</a:t>
+            </a:r>
+            <a:r>
+              <a:rPr/>
+              <a:t> </a:t>
+            </a:r>
+            <a:r>
+              <a:rPr/>
+              <a:t>such</a:t>
+            </a:r>
+            <a:r>
+              <a:rPr/>
+              <a:t> </a:t>
+            </a:r>
+            <a:r>
+              <a:rPr/>
+              <a:t>a</a:t>
+            </a:r>
+            <a:r>
+              <a:rPr/>
+              <a:t> </a:t>
+            </a:r>
+            <a:r>
+              <a:rPr/>
+              <a:t>big</a:t>
+            </a:r>
+            <a:r>
+              <a:rPr/>
+              <a:t> </a:t>
+            </a:r>
+            <a:r>
+              <a:rPr/>
+              <a:t>weight.</a:t>
+            </a:r>
+          </a:p>
+        </p:txBody>
+      </p:sp>
+      <p:sp>
+        <p:nvSpPr>
+          <p:cNvPr id="4" name="Slide Number Placeholder 3"/>
+          <p:cNvSpPr>
+            <a:spLocks noGrp="1"/>
+          </p:cNvSpPr>
+          <p:nvPr>
+            <p:ph type="sldNum" sz="quarter" idx="10"/>
+          </p:nvPr>
+        </p:nvSpPr>
+        <p:spPr/>
+        <p:txBody>
+          <a:bodyPr/>
+          <a:lstStyle/>
+          <a:p>
+            <a:fld id="{18BDFEC3-8487-43E8-A154-7C12CBC1FFF2}" type="slidenum">
+              <a:rPr lang="en-US"/>
+              <a:t>11</a:t>
             </a:fld>
             <a:endParaRPr lang="en-US"/>
           </a:p>
@@ -1123,15 +2081,7 @@
             </a:r>
             <a:r>
               <a:rPr/>
-              <a:t>files</a:t>
-            </a:r>
-            <a:r>
-              <a:rPr/>
-              <a:t> </a:t>
-            </a:r>
-            <a:r>
-              <a:rPr/>
-              <a:t>;</a:t>
+              <a:t>files.</a:t>
             </a:r>
           </a:p>
           <a:p>
@@ -1145,7 +2095,39 @@
             </a:pPr>
             <a:r>
               <a:rPr/>
-              <a:t>The</a:t>
+              <a:t>You</a:t>
+            </a:r>
+            <a:r>
+              <a:rPr/>
+              <a:t> </a:t>
+            </a:r>
+            <a:r>
+              <a:rPr/>
+              <a:t>should</a:t>
+            </a:r>
+            <a:r>
+              <a:rPr/>
+              <a:t> </a:t>
+            </a:r>
+            <a:r>
+              <a:rPr/>
+              <a:t>also</a:t>
+            </a:r>
+            <a:r>
+              <a:rPr/>
+              <a:t> </a:t>
+            </a:r>
+            <a:r>
+              <a:rPr/>
+              <a:t>include</a:t>
+            </a:r>
+            <a:r>
+              <a:rPr/>
+              <a:t> </a:t>
+            </a:r>
+            <a:r>
+              <a:rPr/>
+              <a:t>an</a:t>
             </a:r>
             <a:r>
               <a:rPr/>
@@ -1169,30 +2151,6 @@
             </a:r>
             <a:r>
               <a:rPr/>
-              <a:t>tells</a:t>
-            </a:r>
-            <a:r>
-              <a:rPr/>
-              <a:t> </a:t>
-            </a:r>
-            <a:r>
-              <a:rPr/>
-              <a:t>SAS</a:t>
-            </a:r>
-            <a:r>
-              <a:rPr/>
-              <a:t> </a:t>
-            </a:r>
-            <a:r>
-              <a:rPr/>
-              <a:t>where</a:t>
-            </a:r>
-            <a:r>
-              <a:rPr/>
-              <a:t> </a:t>
-            </a:r>
-            <a:r>
-              <a:rPr/>
               <a:t>to</a:t>
             </a:r>
             <a:r>
@@ -1225,31 +2183,31 @@
             </a:r>
             <a:r>
               <a:rPr/>
-              <a:t>and</a:t>
-            </a:r>
-            <a:r>
-              <a:rPr/>
-              <a:t> </a:t>
-            </a:r>
-            <a:r>
-              <a:rPr/>
-              <a:t>in</a:t>
-            </a:r>
-            <a:r>
-              <a:rPr/>
-              <a:t> </a:t>
-            </a:r>
-            <a:r>
-              <a:rPr/>
-              <a:t>what</a:t>
-            </a:r>
-            <a:r>
-              <a:rPr/>
-              <a:t> </a:t>
-            </a:r>
-            <a:r>
-              <a:rPr/>
-              <a:t>format.</a:t>
+              <a:t>as</a:t>
+            </a:r>
+            <a:r>
+              <a:rPr/>
+              <a:t> </a:t>
+            </a:r>
+            <a:r>
+              <a:rPr/>
+              <a:t>a</a:t>
+            </a:r>
+            <a:r>
+              <a:rPr/>
+              <a:t> </a:t>
+            </a:r>
+            <a:r>
+              <a:rPr/>
+              <a:t>pdf</a:t>
+            </a:r>
+            <a:r>
+              <a:rPr/>
+              <a:t> </a:t>
+            </a:r>
+            <a:r>
+              <a:rPr/>
+              <a:t>file.</a:t>
             </a:r>
           </a:p>
           <a:p>
@@ -1263,23 +2221,31 @@
             </a:pPr>
             <a:r>
               <a:rPr/>
-              <a:t>I</a:t>
-            </a:r>
-            <a:r>
-              <a:rPr/>
-              <a:t> </a:t>
-            </a:r>
-            <a:r>
-              <a:rPr/>
-              <a:t>am</a:t>
-            </a:r>
-            <a:r>
-              <a:rPr/>
-              <a:t> </a:t>
-            </a:r>
-            <a:r>
-              <a:rPr/>
-              <a:t>printing</a:t>
+              <a:t>VERY</a:t>
+            </a:r>
+            <a:r>
+              <a:rPr/>
+              <a:t> </a:t>
+            </a:r>
+            <a:r>
+              <a:rPr/>
+              <a:t>IMPORTANT!</a:t>
+            </a:r>
+            <a:r>
+              <a:rPr/>
+              <a:t> </a:t>
+            </a:r>
+            <a:r>
+              <a:rPr/>
+              <a:t>You</a:t>
+            </a:r>
+            <a:r>
+              <a:rPr/>
+              <a:t> </a:t>
+            </a:r>
+            <a:r>
+              <a:rPr/>
+              <a:t>need</a:t>
             </a:r>
             <a:r>
               <a:rPr/>
@@ -1295,71 +2261,31 @@
             </a:r>
             <a:r>
               <a:rPr/>
-              <a:t>a</a:t>
-            </a:r>
-            <a:r>
-              <a:rPr/>
-              <a:t> </a:t>
-            </a:r>
-            <a:r>
-              <a:rPr/>
-              <a:t>png</a:t>
-            </a:r>
-            <a:r>
-              <a:rPr/>
-              <a:t> </a:t>
-            </a:r>
-            <a:r>
-              <a:rPr/>
-              <a:t>file</a:t>
-            </a:r>
-            <a:r>
-              <a:rPr/>
-              <a:t> </a:t>
-            </a:r>
-            <a:r>
-              <a:rPr/>
-              <a:t>to</a:t>
-            </a:r>
-            <a:r>
-              <a:rPr/>
-              <a:t> </a:t>
-            </a:r>
-            <a:r>
-              <a:rPr/>
-              <a:t>make</a:t>
-            </a:r>
-            <a:r>
-              <a:rPr/>
-              <a:t> </a:t>
-            </a:r>
-            <a:r>
-              <a:rPr/>
-              <a:t>it</a:t>
-            </a:r>
-            <a:r>
-              <a:rPr/>
-              <a:t> </a:t>
-            </a:r>
-            <a:r>
-              <a:rPr/>
-              <a:t>easier</a:t>
-            </a:r>
-            <a:r>
-              <a:rPr/>
-              <a:t> </a:t>
-            </a:r>
-            <a:r>
-              <a:rPr/>
-              <a:t>to</a:t>
-            </a:r>
-            <a:r>
-              <a:rPr/>
-              <a:t> </a:t>
-            </a:r>
-            <a:r>
-              <a:rPr/>
-              <a:t>include</a:t>
+              <a:t>turn</a:t>
+            </a:r>
+            <a:r>
+              <a:rPr/>
+              <a:t> </a:t>
+            </a:r>
+            <a:r>
+              <a:rPr/>
+              <a:t>off</a:t>
+            </a:r>
+            <a:r>
+              <a:rPr/>
+              <a:t> </a:t>
+            </a:r>
+            <a:r>
+              <a:rPr/>
+              <a:t>ODS</a:t>
+            </a:r>
+            <a:r>
+              <a:rPr/>
+              <a:t> </a:t>
+            </a:r>
+            <a:r>
+              <a:rPr/>
+              <a:t>at</a:t>
             </a:r>
             <a:r>
               <a:rPr/>
@@ -1375,6 +2301,70 @@
             </a:r>
             <a:r>
               <a:rPr/>
+              <a:t>completion</a:t>
+            </a:r>
+            <a:r>
+              <a:rPr/>
+              <a:t> </a:t>
+            </a:r>
+            <a:r>
+              <a:rPr/>
+              <a:t>of</a:t>
+            </a:r>
+            <a:r>
+              <a:rPr/>
+              <a:t> </a:t>
+            </a:r>
+            <a:r>
+              <a:rPr/>
+              <a:t>your</a:t>
+            </a:r>
+            <a:r>
+              <a:rPr/>
+              <a:t> </a:t>
+            </a:r>
+            <a:r>
+              <a:rPr/>
+              <a:t>program</a:t>
+            </a:r>
+            <a:r>
+              <a:rPr/>
+              <a:t> </a:t>
+            </a:r>
+            <a:r>
+              <a:rPr/>
+              <a:t>or</a:t>
+            </a:r>
+            <a:r>
+              <a:rPr/>
+              <a:t> </a:t>
+            </a:r>
+            <a:r>
+              <a:rPr/>
+              <a:t>none</a:t>
+            </a:r>
+            <a:r>
+              <a:rPr/>
+              <a:t> </a:t>
+            </a:r>
+            <a:r>
+              <a:rPr/>
+              <a:t>of</a:t>
+            </a:r>
+            <a:r>
+              <a:rPr/>
+              <a:t> </a:t>
+            </a:r>
+            <a:r>
+              <a:rPr/>
+              <a:t>the</a:t>
+            </a:r>
+            <a:r>
+              <a:rPr/>
+              <a:t> </a:t>
+            </a:r>
+            <a:r>
+              <a:rPr/>
               <a:t>output</a:t>
             </a:r>
             <a:r>
@@ -1383,252 +2373,6 @@
             </a:r>
             <a:r>
               <a:rPr/>
-              <a:t>in</a:t>
-            </a:r>
-            <a:r>
-              <a:rPr/>
-              <a:t> </a:t>
-            </a:r>
-            <a:r>
-              <a:rPr/>
-              <a:t>my</a:t>
-            </a:r>
-            <a:r>
-              <a:rPr/>
-              <a:t> </a:t>
-            </a:r>
-            <a:r>
-              <a:rPr/>
-              <a:t>Powerpoint</a:t>
-            </a:r>
-            <a:r>
-              <a:rPr/>
-              <a:t> </a:t>
-            </a:r>
-            <a:r>
-              <a:rPr/>
-              <a:t>presentation.</a:t>
-            </a:r>
-            <a:r>
-              <a:rPr/>
-              <a:t> </a:t>
-            </a:r>
-            <a:r>
-              <a:rPr/>
-              <a:t>You</a:t>
-            </a:r>
-            <a:r>
-              <a:rPr/>
-              <a:t> </a:t>
-            </a:r>
-            <a:r>
-              <a:rPr/>
-              <a:t>should</a:t>
-            </a:r>
-            <a:r>
-              <a:rPr/>
-              <a:t> </a:t>
-            </a:r>
-            <a:r>
-              <a:rPr/>
-              <a:t>print</a:t>
-            </a:r>
-            <a:r>
-              <a:rPr/>
-              <a:t> </a:t>
-            </a:r>
-            <a:r>
-              <a:rPr/>
-              <a:t>to</a:t>
-            </a:r>
-            <a:r>
-              <a:rPr/>
-              <a:t> </a:t>
-            </a:r>
-            <a:r>
-              <a:rPr/>
-              <a:t>a</a:t>
-            </a:r>
-            <a:r>
-              <a:rPr/>
-              <a:t> </a:t>
-            </a:r>
-            <a:r>
-              <a:rPr/>
-              <a:t>pdf</a:t>
-            </a:r>
-            <a:r>
-              <a:rPr/>
-              <a:t> </a:t>
-            </a:r>
-            <a:r>
-              <a:rPr/>
-              <a:t>file.</a:t>
-            </a:r>
-          </a:p>
-          <a:p>
-            <a:pPr lvl="0" marL="0" indent="0">
-              <a:buNone/>
-            </a:pPr>
-          </a:p>
-          <a:p>
-            <a:pPr lvl="0" marL="0" indent="0">
-              <a:buNone/>
-            </a:pPr>
-            <a:r>
-              <a:rPr/>
-              <a:t>VERY</a:t>
-            </a:r>
-            <a:r>
-              <a:rPr/>
-              <a:t> </a:t>
-            </a:r>
-            <a:r>
-              <a:rPr/>
-              <a:t>IMPORTANT!</a:t>
-            </a:r>
-            <a:r>
-              <a:rPr/>
-              <a:t> </a:t>
-            </a:r>
-            <a:r>
-              <a:rPr/>
-              <a:t>You</a:t>
-            </a:r>
-            <a:r>
-              <a:rPr/>
-              <a:t> </a:t>
-            </a:r>
-            <a:r>
-              <a:rPr/>
-              <a:t>need</a:t>
-            </a:r>
-            <a:r>
-              <a:rPr/>
-              <a:t> </a:t>
-            </a:r>
-            <a:r>
-              <a:rPr/>
-              <a:t>to</a:t>
-            </a:r>
-            <a:r>
-              <a:rPr/>
-              <a:t> </a:t>
-            </a:r>
-            <a:r>
-              <a:rPr/>
-              <a:t>turn</a:t>
-            </a:r>
-            <a:r>
-              <a:rPr/>
-              <a:t> </a:t>
-            </a:r>
-            <a:r>
-              <a:rPr/>
-              <a:t>off</a:t>
-            </a:r>
-            <a:r>
-              <a:rPr/>
-              <a:t> </a:t>
-            </a:r>
-            <a:r>
-              <a:rPr/>
-              <a:t>ODS</a:t>
-            </a:r>
-            <a:r>
-              <a:rPr/>
-              <a:t> </a:t>
-            </a:r>
-            <a:r>
-              <a:rPr/>
-              <a:t>at</a:t>
-            </a:r>
-            <a:r>
-              <a:rPr/>
-              <a:t> </a:t>
-            </a:r>
-            <a:r>
-              <a:rPr/>
-              <a:t>the</a:t>
-            </a:r>
-            <a:r>
-              <a:rPr/>
-              <a:t> </a:t>
-            </a:r>
-            <a:r>
-              <a:rPr/>
-              <a:t>completion</a:t>
-            </a:r>
-            <a:r>
-              <a:rPr/>
-              <a:t> </a:t>
-            </a:r>
-            <a:r>
-              <a:rPr/>
-              <a:t>of</a:t>
-            </a:r>
-            <a:r>
-              <a:rPr/>
-              <a:t> </a:t>
-            </a:r>
-            <a:r>
-              <a:rPr/>
-              <a:t>your</a:t>
-            </a:r>
-            <a:r>
-              <a:rPr/>
-              <a:t> </a:t>
-            </a:r>
-            <a:r>
-              <a:rPr/>
-              <a:t>program</a:t>
-            </a:r>
-            <a:r>
-              <a:rPr/>
-              <a:t> </a:t>
-            </a:r>
-            <a:r>
-              <a:rPr/>
-              <a:t>or</a:t>
-            </a:r>
-            <a:r>
-              <a:rPr/>
-              <a:t> </a:t>
-            </a:r>
-            <a:r>
-              <a:rPr/>
-              <a:t>none</a:t>
-            </a:r>
-            <a:r>
-              <a:rPr/>
-              <a:t> </a:t>
-            </a:r>
-            <a:r>
-              <a:rPr/>
-              <a:t>of</a:t>
-            </a:r>
-            <a:r>
-              <a:rPr/>
-              <a:t> </a:t>
-            </a:r>
-            <a:r>
-              <a:rPr/>
-              <a:t>the</a:t>
-            </a:r>
-            <a:r>
-              <a:rPr/>
-              <a:t> </a:t>
-            </a:r>
-            <a:r>
-              <a:rPr/>
-              <a:t>output</a:t>
-            </a:r>
-            <a:r>
-              <a:rPr/>
-              <a:t> </a:t>
-            </a:r>
-            <a:r>
-              <a:rPr/>
               <a:t>gets</a:t>
             </a:r>
             <a:r>
@@ -1638,244 +2382,6 @@
             <a:r>
               <a:rPr/>
               <a:t>saved.</a:t>
-            </a:r>
-          </a:p>
-          <a:p>
-            <a:pPr lvl="0" marL="0" indent="0">
-              <a:buNone/>
-            </a:pPr>
-          </a:p>
-          <a:p>
-            <a:pPr lvl="0" marL="0" indent="0">
-              <a:buNone/>
-            </a:pPr>
-            <a:r>
-              <a:rPr/>
-              <a:t>You</a:t>
-            </a:r>
-            <a:r>
-              <a:rPr/>
-              <a:t> </a:t>
-            </a:r>
-            <a:r>
-              <a:rPr/>
-              <a:t>can</a:t>
-            </a:r>
-            <a:r>
-              <a:rPr/>
-              <a:t> </a:t>
-            </a:r>
-            <a:r>
-              <a:rPr/>
-              <a:t>view</a:t>
-            </a:r>
-            <a:r>
-              <a:rPr/>
-              <a:t> </a:t>
-            </a:r>
-            <a:r>
-              <a:rPr/>
-              <a:t>the</a:t>
-            </a:r>
-            <a:r>
-              <a:rPr/>
-              <a:t> </a:t>
-            </a:r>
-            <a:r>
-              <a:rPr/>
-              <a:t>output</a:t>
-            </a:r>
-            <a:r>
-              <a:rPr/>
-              <a:t> </a:t>
-            </a:r>
-            <a:r>
-              <a:rPr/>
-              <a:t>on</a:t>
-            </a:r>
-            <a:r>
-              <a:rPr/>
-              <a:t> </a:t>
-            </a:r>
-            <a:r>
-              <a:rPr/>
-              <a:t>the</a:t>
-            </a:r>
-            <a:r>
-              <a:rPr/>
-              <a:t> </a:t>
-            </a:r>
-            <a:r>
-              <a:rPr/>
-              <a:t>screen</a:t>
-            </a:r>
-            <a:r>
-              <a:rPr/>
-              <a:t> </a:t>
-            </a:r>
-            <a:r>
-              <a:rPr/>
-              <a:t>and</a:t>
-            </a:r>
-            <a:r>
-              <a:rPr/>
-              <a:t> </a:t>
-            </a:r>
-            <a:r>
-              <a:rPr/>
-              <a:t>then</a:t>
-            </a:r>
-            <a:r>
-              <a:rPr/>
-              <a:t> </a:t>
-            </a:r>
-            <a:r>
-              <a:rPr/>
-              <a:t>save</a:t>
-            </a:r>
-            <a:r>
-              <a:rPr/>
-              <a:t> </a:t>
-            </a:r>
-            <a:r>
-              <a:rPr/>
-              <a:t>the</a:t>
-            </a:r>
-            <a:r>
-              <a:rPr/>
-              <a:t> </a:t>
-            </a:r>
-            <a:r>
-              <a:rPr/>
-              <a:t>output</a:t>
-            </a:r>
-            <a:r>
-              <a:rPr/>
-              <a:t> </a:t>
-            </a:r>
-            <a:r>
-              <a:rPr/>
-              <a:t>manually,</a:t>
-            </a:r>
-            <a:r>
-              <a:rPr/>
-              <a:t> </a:t>
-            </a:r>
-            <a:r>
-              <a:rPr/>
-              <a:t>but</a:t>
-            </a:r>
-            <a:r>
-              <a:rPr/>
-              <a:t> </a:t>
-            </a:r>
-            <a:r>
-              <a:rPr/>
-              <a:t>it</a:t>
-            </a:r>
-            <a:r>
-              <a:rPr/>
-              <a:t> </a:t>
-            </a:r>
-            <a:r>
-              <a:rPr/>
-              <a:t>is</a:t>
-            </a:r>
-            <a:r>
-              <a:rPr/>
-              <a:t> </a:t>
-            </a:r>
-            <a:r>
-              <a:rPr/>
-              <a:t>good</a:t>
-            </a:r>
-            <a:r>
-              <a:rPr/>
-              <a:t> </a:t>
-            </a:r>
-            <a:r>
-              <a:rPr/>
-              <a:t>form</a:t>
-            </a:r>
-            <a:r>
-              <a:rPr/>
-              <a:t> </a:t>
-            </a:r>
-            <a:r>
-              <a:rPr/>
-              <a:t>to</a:t>
-            </a:r>
-            <a:r>
-              <a:rPr/>
-              <a:t> </a:t>
-            </a:r>
-            <a:r>
-              <a:rPr/>
-              <a:t>explicity</a:t>
-            </a:r>
-            <a:r>
-              <a:rPr/>
-              <a:t> </a:t>
-            </a:r>
-            <a:r>
-              <a:rPr/>
-              <a:t>specify</a:t>
-            </a:r>
-            <a:r>
-              <a:rPr/>
-              <a:t> </a:t>
-            </a:r>
-            <a:r>
-              <a:rPr/>
-              <a:t>the</a:t>
-            </a:r>
-            <a:r>
-              <a:rPr/>
-              <a:t> </a:t>
-            </a:r>
-            <a:r>
-              <a:rPr/>
-              <a:t>location</a:t>
-            </a:r>
-            <a:r>
-              <a:rPr/>
-              <a:t> </a:t>
-            </a:r>
-            <a:r>
-              <a:rPr/>
-              <a:t>of</a:t>
-            </a:r>
-            <a:r>
-              <a:rPr/>
-              <a:t> </a:t>
-            </a:r>
-            <a:r>
-              <a:rPr/>
-              <a:t>output</a:t>
-            </a:r>
-            <a:r>
-              <a:rPr/>
-              <a:t> </a:t>
-            </a:r>
-            <a:r>
-              <a:rPr/>
-              <a:t>in</a:t>
-            </a:r>
-            <a:r>
-              <a:rPr/>
-              <a:t> </a:t>
-            </a:r>
-            <a:r>
-              <a:rPr/>
-              <a:t>your</a:t>
-            </a:r>
-            <a:r>
-              <a:rPr/>
-              <a:t> </a:t>
-            </a:r>
-            <a:r>
-              <a:rPr/>
-              <a:t>program</a:t>
             </a:r>
           </a:p>
         </p:txBody>
@@ -7099,31 +7605,851 @@
             </a:pPr>
             <a:r>
               <a:rPr/>
-              <a:t>Here’s</a:t>
-            </a:r>
-            <a:r>
-              <a:rPr/>
-              <a:t> </a:t>
-            </a:r>
-            <a:r>
-              <a:rPr/>
-              <a:t>another</a:t>
-            </a:r>
-            <a:r>
-              <a:rPr/>
-              <a:t> </a:t>
-            </a:r>
-            <a:r>
-              <a:rPr/>
-              <a:t>simple</a:t>
-            </a:r>
-            <a:r>
-              <a:rPr/>
-              <a:t> </a:t>
-            </a:r>
-            <a:r>
-              <a:rPr/>
-              <a:t>program.</a:t>
+              <a:t>The</a:t>
+            </a:r>
+            <a:r>
+              <a:rPr/>
+              <a:t> </a:t>
+            </a:r>
+            <a:r>
+              <a:rPr/>
+              <a:t>means</a:t>
+            </a:r>
+            <a:r>
+              <a:rPr/>
+              <a:t> </a:t>
+            </a:r>
+            <a:r>
+              <a:rPr/>
+              <a:t>procedure</a:t>
+            </a:r>
+            <a:r>
+              <a:rPr/>
+              <a:t> </a:t>
+            </a:r>
+            <a:r>
+              <a:rPr/>
+              <a:t>will</a:t>
+            </a:r>
+            <a:r>
+              <a:rPr/>
+              <a:t> </a:t>
+            </a:r>
+            <a:r>
+              <a:rPr/>
+              <a:t>produce</a:t>
+            </a:r>
+            <a:r>
+              <a:rPr/>
+              <a:t> </a:t>
+            </a:r>
+            <a:r>
+              <a:rPr/>
+              <a:t>descriptive</a:t>
+            </a:r>
+            <a:r>
+              <a:rPr/>
+              <a:t> </a:t>
+            </a:r>
+            <a:r>
+              <a:rPr/>
+              <a:t>statistics</a:t>
+            </a:r>
+            <a:r>
+              <a:rPr/>
+              <a:t> </a:t>
+            </a:r>
+            <a:r>
+              <a:rPr/>
+              <a:t>for</a:t>
+            </a:r>
+            <a:r>
+              <a:rPr/>
+              <a:t> </a:t>
+            </a:r>
+            <a:r>
+              <a:rPr/>
+              <a:t>your</a:t>
+            </a:r>
+            <a:r>
+              <a:rPr/>
+              <a:t> </a:t>
+            </a:r>
+            <a:r>
+              <a:rPr/>
+              <a:t>data.</a:t>
+            </a:r>
+            <a:r>
+              <a:rPr/>
+              <a:t> </a:t>
+            </a:r>
+            <a:r>
+              <a:rPr/>
+              <a:t>By</a:t>
+            </a:r>
+            <a:r>
+              <a:rPr/>
+              <a:t> </a:t>
+            </a:r>
+            <a:r>
+              <a:rPr/>
+              <a:t>default,</a:t>
+            </a:r>
+            <a:r>
+              <a:rPr/>
+              <a:t> </a:t>
+            </a:r>
+            <a:r>
+              <a:rPr/>
+              <a:t>it</a:t>
+            </a:r>
+            <a:r>
+              <a:rPr/>
+              <a:t> </a:t>
+            </a:r>
+            <a:r>
+              <a:rPr/>
+              <a:t>will</a:t>
+            </a:r>
+            <a:r>
+              <a:rPr/>
+              <a:t> </a:t>
+            </a:r>
+            <a:r>
+              <a:rPr/>
+              <a:t>produce</a:t>
+            </a:r>
+            <a:r>
+              <a:rPr/>
+              <a:t> </a:t>
+            </a:r>
+            <a:r>
+              <a:rPr/>
+              <a:t>the</a:t>
+            </a:r>
+            <a:r>
+              <a:rPr/>
+              <a:t> </a:t>
+            </a:r>
+            <a:r>
+              <a:rPr/>
+              <a:t>count</a:t>
+            </a:r>
+            <a:r>
+              <a:rPr/>
+              <a:t> </a:t>
+            </a:r>
+            <a:r>
+              <a:rPr/>
+              <a:t>of</a:t>
+            </a:r>
+            <a:r>
+              <a:rPr/>
+              <a:t> </a:t>
+            </a:r>
+            <a:r>
+              <a:rPr/>
+              <a:t>non-missing</a:t>
+            </a:r>
+            <a:r>
+              <a:rPr/>
+              <a:t> </a:t>
+            </a:r>
+            <a:r>
+              <a:rPr/>
+              <a:t>values,</a:t>
+            </a:r>
+            <a:r>
+              <a:rPr/>
+              <a:t> </a:t>
+            </a:r>
+            <a:r>
+              <a:rPr/>
+              <a:t>the</a:t>
+            </a:r>
+            <a:r>
+              <a:rPr/>
+              <a:t> </a:t>
+            </a:r>
+            <a:r>
+              <a:rPr/>
+              <a:t>mean,</a:t>
+            </a:r>
+            <a:r>
+              <a:rPr/>
+              <a:t> </a:t>
+            </a:r>
+            <a:r>
+              <a:rPr/>
+              <a:t>the</a:t>
+            </a:r>
+            <a:r>
+              <a:rPr/>
+              <a:t> </a:t>
+            </a:r>
+            <a:r>
+              <a:rPr/>
+              <a:t>standard</a:t>
+            </a:r>
+            <a:r>
+              <a:rPr/>
+              <a:t> </a:t>
+            </a:r>
+            <a:r>
+              <a:rPr/>
+              <a:t>deviation,</a:t>
+            </a:r>
+            <a:r>
+              <a:rPr/>
+              <a:t> </a:t>
+            </a:r>
+            <a:r>
+              <a:rPr/>
+              <a:t>and</a:t>
+            </a:r>
+            <a:r>
+              <a:rPr/>
+              <a:t> </a:t>
+            </a:r>
+            <a:r>
+              <a:rPr/>
+              <a:t>the</a:t>
+            </a:r>
+            <a:r>
+              <a:rPr/>
+              <a:t> </a:t>
+            </a:r>
+            <a:r>
+              <a:rPr/>
+              <a:t>minimum</a:t>
+            </a:r>
+            <a:r>
+              <a:rPr/>
+              <a:t> </a:t>
+            </a:r>
+            <a:r>
+              <a:rPr/>
+              <a:t>and</a:t>
+            </a:r>
+            <a:r>
+              <a:rPr/>
+              <a:t> </a:t>
+            </a:r>
+            <a:r>
+              <a:rPr/>
+              <a:t>maximum</a:t>
+            </a:r>
+            <a:r>
+              <a:rPr/>
+              <a:t> </a:t>
+            </a:r>
+            <a:r>
+              <a:rPr/>
+              <a:t>values,</a:t>
+            </a:r>
+            <a:r>
+              <a:rPr/>
+              <a:t> </a:t>
+            </a:r>
+            <a:r>
+              <a:rPr/>
+              <a:t>but</a:t>
+            </a:r>
+            <a:r>
+              <a:rPr/>
+              <a:t> </a:t>
+            </a:r>
+            <a:r>
+              <a:rPr/>
+              <a:t>I</a:t>
+            </a:r>
+            <a:r>
+              <a:rPr/>
+              <a:t> </a:t>
+            </a:r>
+            <a:r>
+              <a:rPr/>
+              <a:t>am</a:t>
+            </a:r>
+            <a:r>
+              <a:rPr/>
+              <a:t> </a:t>
+            </a:r>
+            <a:r>
+              <a:rPr/>
+              <a:t>listing</a:t>
+            </a:r>
+            <a:r>
+              <a:rPr/>
+              <a:t> </a:t>
+            </a:r>
+            <a:r>
+              <a:rPr/>
+              <a:t>them</a:t>
+            </a:r>
+            <a:r>
+              <a:rPr/>
+              <a:t> </a:t>
+            </a:r>
+            <a:r>
+              <a:rPr/>
+              <a:t>explicitly</a:t>
+            </a:r>
+            <a:r>
+              <a:rPr/>
+              <a:t> </a:t>
+            </a:r>
+            <a:r>
+              <a:rPr/>
+              <a:t>here,</a:t>
+            </a:r>
+            <a:r>
+              <a:rPr/>
+              <a:t> </a:t>
+            </a:r>
+            <a:r>
+              <a:rPr/>
+              <a:t>just</a:t>
+            </a:r>
+            <a:r>
+              <a:rPr/>
+              <a:t> </a:t>
+            </a:r>
+            <a:r>
+              <a:rPr/>
+              <a:t>for</a:t>
+            </a:r>
+            <a:r>
+              <a:rPr/>
+              <a:t> </a:t>
+            </a:r>
+            <a:r>
+              <a:rPr/>
+              <a:t>show.</a:t>
+            </a:r>
+          </a:p>
+          <a:p>
+            <a:pPr lvl="0" marL="0" indent="0">
+              <a:buNone/>
+            </a:pPr>
+          </a:p>
+          <a:p>
+            <a:pPr lvl="0" marL="0" indent="0">
+              <a:buNone/>
+            </a:pPr>
+            <a:r>
+              <a:rPr/>
+              <a:t>The</a:t>
+            </a:r>
+            <a:r>
+              <a:rPr/>
+              <a:t> </a:t>
+            </a:r>
+            <a:r>
+              <a:rPr/>
+              <a:t>data</a:t>
+            </a:r>
+            <a:r>
+              <a:rPr/>
+              <a:t> </a:t>
+            </a:r>
+            <a:r>
+              <a:rPr/>
+              <a:t>option</a:t>
+            </a:r>
+            <a:r>
+              <a:rPr/>
+              <a:t> </a:t>
+            </a:r>
+            <a:r>
+              <a:rPr/>
+              <a:t>tells</a:t>
+            </a:r>
+            <a:r>
+              <a:rPr/>
+              <a:t> </a:t>
+            </a:r>
+            <a:r>
+              <a:rPr/>
+              <a:t>SAS</a:t>
+            </a:r>
+            <a:r>
+              <a:rPr/>
+              <a:t> </a:t>
+            </a:r>
+            <a:r>
+              <a:rPr/>
+              <a:t>which</a:t>
+            </a:r>
+            <a:r>
+              <a:rPr/>
+              <a:t> </a:t>
+            </a:r>
+            <a:r>
+              <a:rPr/>
+              <a:t>data</a:t>
+            </a:r>
+            <a:r>
+              <a:rPr/>
+              <a:t> </a:t>
+            </a:r>
+            <a:r>
+              <a:rPr/>
+              <a:t>set</a:t>
+            </a:r>
+            <a:r>
+              <a:rPr/>
+              <a:t> </a:t>
+            </a:r>
+            <a:r>
+              <a:rPr/>
+              <a:t>you</a:t>
+            </a:r>
+            <a:r>
+              <a:rPr/>
+              <a:t> </a:t>
+            </a:r>
+            <a:r>
+              <a:rPr/>
+              <a:t>want</a:t>
+            </a:r>
+            <a:r>
+              <a:rPr/>
+              <a:t> </a:t>
+            </a:r>
+            <a:r>
+              <a:rPr/>
+              <a:t>descriptive</a:t>
+            </a:r>
+            <a:r>
+              <a:rPr/>
+              <a:t> </a:t>
+            </a:r>
+            <a:r>
+              <a:rPr/>
+              <a:t>statistics</a:t>
+            </a:r>
+            <a:r>
+              <a:rPr/>
+              <a:t> </a:t>
+            </a:r>
+            <a:r>
+              <a:rPr/>
+              <a:t>on,</a:t>
+            </a:r>
+            <a:r>
+              <a:rPr/>
+              <a:t> </a:t>
+            </a:r>
+            <a:r>
+              <a:rPr/>
+              <a:t>and</a:t>
+            </a:r>
+            <a:r>
+              <a:rPr/>
+              <a:t> </a:t>
+            </a:r>
+            <a:r>
+              <a:rPr/>
+              <a:t>the</a:t>
+            </a:r>
+            <a:r>
+              <a:rPr/>
+              <a:t> </a:t>
+            </a:r>
+            <a:r>
+              <a:rPr/>
+              <a:t>var</a:t>
+            </a:r>
+            <a:r>
+              <a:rPr/>
+              <a:t> </a:t>
+            </a:r>
+            <a:r>
+              <a:rPr/>
+              <a:t>statement</a:t>
+            </a:r>
+            <a:r>
+              <a:rPr/>
+              <a:t> </a:t>
+            </a:r>
+            <a:r>
+              <a:rPr/>
+              <a:t>tells</a:t>
+            </a:r>
+            <a:r>
+              <a:rPr/>
+              <a:t> </a:t>
+            </a:r>
+            <a:r>
+              <a:rPr/>
+              <a:t>SAS</a:t>
+            </a:r>
+            <a:r>
+              <a:rPr/>
+              <a:t> </a:t>
+            </a:r>
+            <a:r>
+              <a:rPr/>
+              <a:t>which</a:t>
+            </a:r>
+            <a:r>
+              <a:rPr/>
+              <a:t> </a:t>
+            </a:r>
+            <a:r>
+              <a:rPr/>
+              <a:t>variable(s)</a:t>
+            </a:r>
+            <a:r>
+              <a:rPr/>
+              <a:t> </a:t>
+            </a:r>
+            <a:r>
+              <a:rPr/>
+              <a:t>you</a:t>
+            </a:r>
+            <a:r>
+              <a:rPr/>
+              <a:t> </a:t>
+            </a:r>
+            <a:r>
+              <a:rPr/>
+              <a:t>want</a:t>
+            </a:r>
+            <a:r>
+              <a:rPr/>
+              <a:t> </a:t>
+            </a:r>
+            <a:r>
+              <a:rPr/>
+              <a:t>descriptive</a:t>
+            </a:r>
+            <a:r>
+              <a:rPr/>
+              <a:t> </a:t>
+            </a:r>
+            <a:r>
+              <a:rPr/>
+              <a:t>statistics</a:t>
+            </a:r>
+            <a:r>
+              <a:rPr/>
+              <a:t> </a:t>
+            </a:r>
+            <a:r>
+              <a:rPr/>
+              <a:t>on.</a:t>
+            </a:r>
+          </a:p>
+          <a:p>
+            <a:pPr lvl="0" marL="0" indent="0">
+              <a:buNone/>
+            </a:pPr>
+          </a:p>
+          <a:p>
+            <a:pPr lvl="0" marL="0" indent="0">
+              <a:buNone/>
+            </a:pPr>
+            <a:r>
+              <a:rPr/>
+              <a:t>This</a:t>
+            </a:r>
+            <a:r>
+              <a:rPr/>
+              <a:t> </a:t>
+            </a:r>
+            <a:r>
+              <a:rPr/>
+              <a:t>data</a:t>
+            </a:r>
+            <a:r>
+              <a:rPr/>
+              <a:t> </a:t>
+            </a:r>
+            <a:r>
+              <a:rPr/>
+              <a:t>set</a:t>
+            </a:r>
+            <a:r>
+              <a:rPr/>
+              <a:t> </a:t>
+            </a:r>
+            <a:r>
+              <a:rPr/>
+              <a:t>did</a:t>
+            </a:r>
+            <a:r>
+              <a:rPr/>
+              <a:t> </a:t>
+            </a:r>
+            <a:r>
+              <a:rPr/>
+              <a:t>not</a:t>
+            </a:r>
+            <a:r>
+              <a:rPr/>
+              <a:t> </a:t>
+            </a:r>
+            <a:r>
+              <a:rPr/>
+              <a:t>have</a:t>
+            </a:r>
+            <a:r>
+              <a:rPr/>
+              <a:t> </a:t>
+            </a:r>
+            <a:r>
+              <a:rPr/>
+              <a:t>a</a:t>
+            </a:r>
+            <a:r>
+              <a:rPr/>
+              <a:t> </a:t>
+            </a:r>
+            <a:r>
+              <a:rPr/>
+              <a:t>header,</a:t>
+            </a:r>
+            <a:r>
+              <a:rPr/>
+              <a:t> </a:t>
+            </a:r>
+            <a:r>
+              <a:rPr/>
+              <a:t>a</a:t>
+            </a:r>
+            <a:r>
+              <a:rPr/>
+              <a:t> </a:t>
+            </a:r>
+            <a:r>
+              <a:rPr/>
+              <a:t>line</a:t>
+            </a:r>
+            <a:r>
+              <a:rPr/>
+              <a:t> </a:t>
+            </a:r>
+            <a:r>
+              <a:rPr/>
+              <a:t>at</a:t>
+            </a:r>
+            <a:r>
+              <a:rPr/>
+              <a:t> </a:t>
+            </a:r>
+            <a:r>
+              <a:rPr/>
+              <a:t>the</a:t>
+            </a:r>
+            <a:r>
+              <a:rPr/>
+              <a:t> </a:t>
+            </a:r>
+            <a:r>
+              <a:rPr/>
+              <a:t>very</a:t>
+            </a:r>
+            <a:r>
+              <a:rPr/>
+              <a:t> </a:t>
+            </a:r>
+            <a:r>
+              <a:rPr/>
+              <a:t>top</a:t>
+            </a:r>
+            <a:r>
+              <a:rPr/>
+              <a:t> </a:t>
+            </a:r>
+            <a:r>
+              <a:rPr/>
+              <a:t>of</a:t>
+            </a:r>
+            <a:r>
+              <a:rPr/>
+              <a:t> </a:t>
+            </a:r>
+            <a:r>
+              <a:rPr/>
+              <a:t>the</a:t>
+            </a:r>
+            <a:r>
+              <a:rPr/>
+              <a:t> </a:t>
+            </a:r>
+            <a:r>
+              <a:rPr/>
+              <a:t>file</a:t>
+            </a:r>
+            <a:r>
+              <a:rPr/>
+              <a:t> </a:t>
+            </a:r>
+            <a:r>
+              <a:rPr/>
+              <a:t>that</a:t>
+            </a:r>
+            <a:r>
+              <a:rPr/>
+              <a:t> </a:t>
+            </a:r>
+            <a:r>
+              <a:rPr/>
+              <a:t>lists</a:t>
+            </a:r>
+            <a:r>
+              <a:rPr/>
+              <a:t> </a:t>
+            </a:r>
+            <a:r>
+              <a:rPr/>
+              <a:t>variable</a:t>
+            </a:r>
+            <a:r>
+              <a:rPr/>
+              <a:t> </a:t>
+            </a:r>
+            <a:r>
+              <a:rPr/>
+              <a:t>names.</a:t>
+            </a:r>
+            <a:r>
+              <a:rPr/>
+              <a:t> </a:t>
+            </a:r>
+            <a:r>
+              <a:rPr/>
+              <a:t>For</a:t>
+            </a:r>
+            <a:r>
+              <a:rPr/>
+              <a:t> </a:t>
+            </a:r>
+            <a:r>
+              <a:rPr/>
+              <a:t>files</a:t>
+            </a:r>
+            <a:r>
+              <a:rPr/>
+              <a:t> </a:t>
+            </a:r>
+            <a:r>
+              <a:rPr/>
+              <a:t>with</a:t>
+            </a:r>
+            <a:r>
+              <a:rPr/>
+              <a:t> </a:t>
+            </a:r>
+            <a:r>
+              <a:rPr/>
+              <a:t>a</a:t>
+            </a:r>
+            <a:r>
+              <a:rPr/>
+              <a:t> </a:t>
+            </a:r>
+            <a:r>
+              <a:rPr/>
+              <a:t>header,</a:t>
+            </a:r>
+            <a:r>
+              <a:rPr/>
+              <a:t> </a:t>
+            </a:r>
+            <a:r>
+              <a:rPr/>
+              <a:t>you</a:t>
+            </a:r>
+            <a:r>
+              <a:rPr/>
+              <a:t> </a:t>
+            </a:r>
+            <a:r>
+              <a:rPr/>
+              <a:t>should</a:t>
+            </a:r>
+            <a:r>
+              <a:rPr/>
+              <a:t> </a:t>
+            </a:r>
+            <a:r>
+              <a:rPr/>
+              <a:t>consider</a:t>
+            </a:r>
+            <a:r>
+              <a:rPr/>
+              <a:t> </a:t>
+            </a:r>
+            <a:r>
+              <a:rPr/>
+              <a:t>using</a:t>
+            </a:r>
+            <a:r>
+              <a:rPr/>
+              <a:t> </a:t>
+            </a:r>
+            <a:r>
+              <a:rPr/>
+              <a:t>the</a:t>
+            </a:r>
+            <a:r>
+              <a:rPr/>
+              <a:t> </a:t>
+            </a:r>
+            <a:r>
+              <a:rPr/>
+              <a:t>import</a:t>
+            </a:r>
+            <a:r>
+              <a:rPr/>
+              <a:t> </a:t>
+            </a:r>
+            <a:r>
+              <a:rPr/>
+              <a:t>procedure,</a:t>
+            </a:r>
+            <a:r>
+              <a:rPr/>
+              <a:t> </a:t>
+            </a:r>
+            <a:r>
+              <a:rPr/>
+              <a:t>which</a:t>
+            </a:r>
+            <a:r>
+              <a:rPr/>
+              <a:t> </a:t>
+            </a:r>
+            <a:r>
+              <a:rPr/>
+              <a:t>I</a:t>
+            </a:r>
+            <a:r>
+              <a:rPr/>
+              <a:t> </a:t>
+            </a:r>
+            <a:r>
+              <a:rPr/>
+              <a:t>will</a:t>
+            </a:r>
+            <a:r>
+              <a:rPr/>
+              <a:t> </a:t>
+            </a:r>
+            <a:r>
+              <a:rPr/>
+              <a:t>describe</a:t>
+            </a:r>
+            <a:r>
+              <a:rPr/>
+              <a:t> </a:t>
+            </a:r>
+            <a:r>
+              <a:rPr/>
+              <a:t>later.</a:t>
             </a:r>
           </a:p>
         </p:txBody>
@@ -7205,7 +8531,31 @@
             </a:pPr>
             <a:r>
               <a:rPr/>
-              <a:t>This</a:t>
+              <a:t>There</a:t>
+            </a:r>
+            <a:r>
+              <a:rPr/>
+              <a:t> </a:t>
+            </a:r>
+            <a:r>
+              <a:rPr/>
+              <a:t>is</a:t>
+            </a:r>
+            <a:r>
+              <a:rPr/>
+              <a:t> </a:t>
+            </a:r>
+            <a:r>
+              <a:rPr/>
+              <a:t>an</a:t>
+            </a:r>
+            <a:r>
+              <a:rPr/>
+              <a:t> </a:t>
+            </a:r>
+            <a:r>
+              <a:rPr/>
+              <a:t>unusual</a:t>
             </a:r>
             <a:r>
               <a:rPr/>
@@ -7221,71 +8571,103 @@
             </a:r>
             <a:r>
               <a:rPr/>
-              <a:t>set</a:t>
-            </a:r>
-            <a:r>
-              <a:rPr/>
-              <a:t> </a:t>
-            </a:r>
-            <a:r>
-              <a:rPr/>
-              <a:t>shows</a:t>
-            </a:r>
-            <a:r>
-              <a:rPr/>
-              <a:t> </a:t>
-            </a:r>
-            <a:r>
-              <a:rPr/>
-              <a:t>data</a:t>
-            </a:r>
-            <a:r>
-              <a:rPr/>
-              <a:t> </a:t>
-            </a:r>
-            <a:r>
-              <a:rPr/>
-              <a:t>various</a:t>
-            </a:r>
-            <a:r>
-              <a:rPr/>
-              <a:t> </a:t>
-            </a:r>
-            <a:r>
-              <a:rPr/>
-              <a:t>body</a:t>
-            </a:r>
-            <a:r>
-              <a:rPr/>
-              <a:t> </a:t>
-            </a:r>
-            <a:r>
-              <a:rPr/>
-              <a:t>measurements.</a:t>
-            </a:r>
-            <a:r>
-              <a:rPr/>
-              <a:t> </a:t>
-            </a:r>
-            <a:r>
-              <a:rPr/>
-              <a:t>A</a:t>
-            </a:r>
-            <a:r>
-              <a:rPr/>
-              <a:t> </a:t>
-            </a:r>
-            <a:r>
-              <a:rPr/>
-              <a:t>brief</a:t>
-            </a:r>
-            <a:r>
-              <a:rPr/>
-              <a:t> </a:t>
-            </a:r>
-            <a:r>
-              <a:rPr/>
-              <a:t>description</a:t>
+              <a:t>value</a:t>
+            </a:r>
+            <a:r>
+              <a:rPr/>
+              <a:t> </a:t>
+            </a:r>
+            <a:r>
+              <a:rPr/>
+              <a:t>for</a:t>
+            </a:r>
+            <a:r>
+              <a:rPr/>
+              <a:t> </a:t>
+            </a:r>
+            <a:r>
+              <a:rPr/>
+              <a:t>ht,</a:t>
+            </a:r>
+            <a:r>
+              <a:rPr/>
+              <a:t> </a:t>
+            </a:r>
+            <a:r>
+              <a:rPr/>
+              <a:t>29.5</a:t>
+            </a:r>
+            <a:r>
+              <a:rPr/>
+              <a:t> </a:t>
+            </a:r>
+            <a:r>
+              <a:rPr/>
+              <a:t>inches.</a:t>
+            </a:r>
+            <a:r>
+              <a:rPr/>
+              <a:t> </a:t>
+            </a:r>
+            <a:r>
+              <a:rPr/>
+              <a:t>While</a:t>
+            </a:r>
+            <a:r>
+              <a:rPr/>
+              <a:t> </a:t>
+            </a:r>
+            <a:r>
+              <a:rPr/>
+              <a:t>this</a:t>
+            </a:r>
+            <a:r>
+              <a:rPr/>
+              <a:t> </a:t>
+            </a:r>
+            <a:r>
+              <a:rPr/>
+              <a:t>is</a:t>
+            </a:r>
+            <a:r>
+              <a:rPr/>
+              <a:t> </a:t>
+            </a:r>
+            <a:r>
+              <a:rPr/>
+              <a:t>not</a:t>
+            </a:r>
+            <a:r>
+              <a:rPr/>
+              <a:t> </a:t>
+            </a:r>
+            <a:r>
+              <a:rPr/>
+              <a:t>totally</a:t>
+            </a:r>
+            <a:r>
+              <a:rPr/>
+              <a:t> </a:t>
+            </a:r>
+            <a:r>
+              <a:rPr/>
+              <a:t>outside</a:t>
+            </a:r>
+            <a:r>
+              <a:rPr/>
+              <a:t> </a:t>
+            </a:r>
+            <a:r>
+              <a:rPr/>
+              <a:t>the</a:t>
+            </a:r>
+            <a:r>
+              <a:rPr/>
+              <a:t> </a:t>
+            </a:r>
+            <a:r>
+              <a:rPr/>
+              <a:t>realm</a:t>
             </a:r>
             <a:r>
               <a:rPr/>
@@ -7301,457 +8683,7 @@
             </a:r>
             <a:r>
               <a:rPr/>
-              <a:t>this</a:t>
-            </a:r>
-            <a:r>
-              <a:rPr/>
-              <a:t> </a:t>
-            </a:r>
-            <a:r>
-              <a:rPr/>
-              <a:t>file</a:t>
-            </a:r>
-            <a:r>
-              <a:rPr/>
-              <a:t> </a:t>
-            </a:r>
-            <a:r>
-              <a:rPr/>
-              <a:t>is</a:t>
-            </a:r>
-            <a:r>
-              <a:rPr/>
-              <a:t> </a:t>
-            </a:r>
-            <a:r>
-              <a:rPr/>
-              <a:t>available</a:t>
-            </a:r>
-            <a:r>
-              <a:rPr/>
-              <a:t> </a:t>
-            </a:r>
-            <a:r>
-              <a:rPr/>
-              <a:t>at</a:t>
-            </a:r>
-          </a:p>
-          <a:p>
-            <a:pPr lvl="0" marL="0" indent="0">
-              <a:buNone/>
-            </a:pPr>
-          </a:p>
-          <a:p>
-            <a:pPr lvl="0" marL="0" indent="0">
-              <a:buNone/>
-            </a:pPr>
-            <a:r>
-              <a:rPr/>
-              <a:t>http://www.amstat.org/publications/jse/datasets/fat.txt</a:t>
-            </a:r>
-          </a:p>
-          <a:p>
-            <a:pPr lvl="0" marL="0" indent="0">
-              <a:buNone/>
-            </a:pPr>
-          </a:p>
-          <a:p>
-            <a:pPr lvl="0" marL="0" indent="0">
-              <a:buNone/>
-            </a:pPr>
-            <a:r>
-              <a:rPr/>
-              <a:t>The</a:t>
-            </a:r>
-            <a:r>
-              <a:rPr/>
-              <a:t> </a:t>
-            </a:r>
-            <a:r>
-              <a:rPr/>
-              <a:t>means</a:t>
-            </a:r>
-            <a:r>
-              <a:rPr/>
-              <a:t> </a:t>
-            </a:r>
-            <a:r>
-              <a:rPr/>
-              <a:t>procedure</a:t>
-            </a:r>
-            <a:r>
-              <a:rPr/>
-              <a:t> </a:t>
-            </a:r>
-            <a:r>
-              <a:rPr/>
-              <a:t>will</a:t>
-            </a:r>
-            <a:r>
-              <a:rPr/>
-              <a:t> </a:t>
-            </a:r>
-            <a:r>
-              <a:rPr/>
-              <a:t>produce</a:t>
-            </a:r>
-            <a:r>
-              <a:rPr/>
-              <a:t> </a:t>
-            </a:r>
-            <a:r>
-              <a:rPr/>
-              <a:t>descriptive</a:t>
-            </a:r>
-            <a:r>
-              <a:rPr/>
-              <a:t> </a:t>
-            </a:r>
-            <a:r>
-              <a:rPr/>
-              <a:t>statistics</a:t>
-            </a:r>
-            <a:r>
-              <a:rPr/>
-              <a:t> </a:t>
-            </a:r>
-            <a:r>
-              <a:rPr/>
-              <a:t>for</a:t>
-            </a:r>
-            <a:r>
-              <a:rPr/>
-              <a:t> </a:t>
-            </a:r>
-            <a:r>
-              <a:rPr/>
-              <a:t>your</a:t>
-            </a:r>
-            <a:r>
-              <a:rPr/>
-              <a:t> </a:t>
-            </a:r>
-            <a:r>
-              <a:rPr/>
-              <a:t>data.</a:t>
-            </a:r>
-            <a:r>
-              <a:rPr/>
-              <a:t> </a:t>
-            </a:r>
-            <a:r>
-              <a:rPr/>
-              <a:t>By</a:t>
-            </a:r>
-            <a:r>
-              <a:rPr/>
-              <a:t> </a:t>
-            </a:r>
-            <a:r>
-              <a:rPr/>
-              <a:t>default,</a:t>
-            </a:r>
-            <a:r>
-              <a:rPr/>
-              <a:t> </a:t>
-            </a:r>
-            <a:r>
-              <a:rPr/>
-              <a:t>it</a:t>
-            </a:r>
-            <a:r>
-              <a:rPr/>
-              <a:t> </a:t>
-            </a:r>
-            <a:r>
-              <a:rPr/>
-              <a:t>will</a:t>
-            </a:r>
-            <a:r>
-              <a:rPr/>
-              <a:t> </a:t>
-            </a:r>
-            <a:r>
-              <a:rPr/>
-              <a:t>produce</a:t>
-            </a:r>
-            <a:r>
-              <a:rPr/>
-              <a:t> </a:t>
-            </a:r>
-            <a:r>
-              <a:rPr/>
-              <a:t>the</a:t>
-            </a:r>
-            <a:r>
-              <a:rPr/>
-              <a:t> </a:t>
-            </a:r>
-            <a:r>
-              <a:rPr/>
-              <a:t>count</a:t>
-            </a:r>
-            <a:r>
-              <a:rPr/>
-              <a:t> </a:t>
-            </a:r>
-            <a:r>
-              <a:rPr/>
-              <a:t>of</a:t>
-            </a:r>
-            <a:r>
-              <a:rPr/>
-              <a:t> </a:t>
-            </a:r>
-            <a:r>
-              <a:rPr/>
-              <a:t>non-missing</a:t>
-            </a:r>
-            <a:r>
-              <a:rPr/>
-              <a:t> </a:t>
-            </a:r>
-            <a:r>
-              <a:rPr/>
-              <a:t>values,</a:t>
-            </a:r>
-            <a:r>
-              <a:rPr/>
-              <a:t> </a:t>
-            </a:r>
-            <a:r>
-              <a:rPr/>
-              <a:t>the</a:t>
-            </a:r>
-            <a:r>
-              <a:rPr/>
-              <a:t> </a:t>
-            </a:r>
-            <a:r>
-              <a:rPr/>
-              <a:t>mean,</a:t>
-            </a:r>
-            <a:r>
-              <a:rPr/>
-              <a:t> </a:t>
-            </a:r>
-            <a:r>
-              <a:rPr/>
-              <a:t>the</a:t>
-            </a:r>
-            <a:r>
-              <a:rPr/>
-              <a:t> </a:t>
-            </a:r>
-            <a:r>
-              <a:rPr/>
-              <a:t>standard</a:t>
-            </a:r>
-            <a:r>
-              <a:rPr/>
-              <a:t> </a:t>
-            </a:r>
-            <a:r>
-              <a:rPr/>
-              <a:t>deviation,</a:t>
-            </a:r>
-            <a:r>
-              <a:rPr/>
-              <a:t> </a:t>
-            </a:r>
-            <a:r>
-              <a:rPr/>
-              <a:t>and</a:t>
-            </a:r>
-            <a:r>
-              <a:rPr/>
-              <a:t> </a:t>
-            </a:r>
-            <a:r>
-              <a:rPr/>
-              <a:t>the</a:t>
-            </a:r>
-            <a:r>
-              <a:rPr/>
-              <a:t> </a:t>
-            </a:r>
-            <a:r>
-              <a:rPr/>
-              <a:t>minimum</a:t>
-            </a:r>
-            <a:r>
-              <a:rPr/>
-              <a:t> </a:t>
-            </a:r>
-            <a:r>
-              <a:rPr/>
-              <a:t>and</a:t>
-            </a:r>
-            <a:r>
-              <a:rPr/>
-              <a:t> </a:t>
-            </a:r>
-            <a:r>
-              <a:rPr/>
-              <a:t>maximum</a:t>
-            </a:r>
-            <a:r>
-              <a:rPr/>
-              <a:t> </a:t>
-            </a:r>
-            <a:r>
-              <a:rPr/>
-              <a:t>values,</a:t>
-            </a:r>
-            <a:r>
-              <a:rPr/>
-              <a:t> </a:t>
-            </a:r>
-            <a:r>
-              <a:rPr/>
-              <a:t>but</a:t>
-            </a:r>
-            <a:r>
-              <a:rPr/>
-              <a:t> </a:t>
-            </a:r>
-            <a:r>
-              <a:rPr/>
-              <a:t>I</a:t>
-            </a:r>
-            <a:r>
-              <a:rPr/>
-              <a:t> </a:t>
-            </a:r>
-            <a:r>
-              <a:rPr/>
-              <a:t>am</a:t>
-            </a:r>
-            <a:r>
-              <a:rPr/>
-              <a:t> </a:t>
-            </a:r>
-            <a:r>
-              <a:rPr/>
-              <a:t>listing</a:t>
-            </a:r>
-            <a:r>
-              <a:rPr/>
-              <a:t> </a:t>
-            </a:r>
-            <a:r>
-              <a:rPr/>
-              <a:t>them</a:t>
-            </a:r>
-            <a:r>
-              <a:rPr/>
-              <a:t> </a:t>
-            </a:r>
-            <a:r>
-              <a:rPr/>
-              <a:t>explicitly</a:t>
-            </a:r>
-            <a:r>
-              <a:rPr/>
-              <a:t> </a:t>
-            </a:r>
-            <a:r>
-              <a:rPr/>
-              <a:t>here,</a:t>
-            </a:r>
-            <a:r>
-              <a:rPr/>
-              <a:t> </a:t>
-            </a:r>
-            <a:r>
-              <a:rPr/>
-              <a:t>just</a:t>
-            </a:r>
-            <a:r>
-              <a:rPr/>
-              <a:t> </a:t>
-            </a:r>
-            <a:r>
-              <a:rPr/>
-              <a:t>for</a:t>
-            </a:r>
-            <a:r>
-              <a:rPr/>
-              <a:t> </a:t>
-            </a:r>
-            <a:r>
-              <a:rPr/>
-              <a:t>show.</a:t>
-            </a:r>
-          </a:p>
-          <a:p>
-            <a:pPr lvl="0" marL="0" indent="0">
-              <a:buNone/>
-            </a:pPr>
-          </a:p>
-          <a:p>
-            <a:pPr lvl="0" marL="0" indent="0">
-              <a:buNone/>
-            </a:pPr>
-            <a:r>
-              <a:rPr/>
-              <a:t>The</a:t>
-            </a:r>
-            <a:r>
-              <a:rPr/>
-              <a:t> </a:t>
-            </a:r>
-            <a:r>
-              <a:rPr/>
-              <a:t>data</a:t>
-            </a:r>
-            <a:r>
-              <a:rPr/>
-              <a:t> </a:t>
-            </a:r>
-            <a:r>
-              <a:rPr/>
-              <a:t>option</a:t>
-            </a:r>
-            <a:r>
-              <a:rPr/>
-              <a:t> </a:t>
-            </a:r>
-            <a:r>
-              <a:rPr/>
-              <a:t>tells</a:t>
-            </a:r>
-            <a:r>
-              <a:rPr/>
-              <a:t> </a:t>
-            </a:r>
-            <a:r>
-              <a:rPr/>
-              <a:t>SAS</a:t>
-            </a:r>
-            <a:r>
-              <a:rPr/>
-              <a:t> </a:t>
-            </a:r>
-            <a:r>
-              <a:rPr/>
-              <a:t>which</a:t>
-            </a:r>
-            <a:r>
-              <a:rPr/>
-              <a:t> </a:t>
-            </a:r>
-            <a:r>
-              <a:rPr/>
-              <a:t>data</a:t>
-            </a:r>
-            <a:r>
-              <a:rPr/>
-              <a:t> </a:t>
-            </a:r>
-            <a:r>
-              <a:rPr/>
-              <a:t>set</a:t>
+              <a:t>possibility,</a:t>
             </a:r>
             <a:r>
               <a:rPr/>
@@ -7767,95 +8699,31 @@
             </a:r>
             <a:r>
               <a:rPr/>
-              <a:t>want</a:t>
-            </a:r>
-            <a:r>
-              <a:rPr/>
-              <a:t> </a:t>
-            </a:r>
-            <a:r>
-              <a:rPr/>
-              <a:t>descriptive</a:t>
-            </a:r>
-            <a:r>
-              <a:rPr/>
-              <a:t> </a:t>
-            </a:r>
-            <a:r>
-              <a:rPr/>
-              <a:t>statistics</a:t>
-            </a:r>
-            <a:r>
-              <a:rPr/>
-              <a:t> </a:t>
-            </a:r>
-            <a:r>
-              <a:rPr/>
-              <a:t>on,</a:t>
-            </a:r>
-            <a:r>
-              <a:rPr/>
-              <a:t> </a:t>
-            </a:r>
-            <a:r>
-              <a:rPr/>
-              <a:t>and</a:t>
-            </a:r>
-            <a:r>
-              <a:rPr/>
-              <a:t> </a:t>
-            </a:r>
-            <a:r>
-              <a:rPr/>
-              <a:t>the</a:t>
-            </a:r>
-            <a:r>
-              <a:rPr/>
-              <a:t> </a:t>
-            </a:r>
-            <a:r>
-              <a:rPr/>
-              <a:t>var</a:t>
-            </a:r>
-            <a:r>
-              <a:rPr/>
-              <a:t> </a:t>
-            </a:r>
-            <a:r>
-              <a:rPr/>
-              <a:t>statement</a:t>
-            </a:r>
-            <a:r>
-              <a:rPr/>
-              <a:t> </a:t>
-            </a:r>
-            <a:r>
-              <a:rPr/>
-              <a:t>tells</a:t>
-            </a:r>
-            <a:r>
-              <a:rPr/>
-              <a:t> </a:t>
-            </a:r>
-            <a:r>
-              <a:rPr/>
-              <a:t>SAS</a:t>
-            </a:r>
-            <a:r>
-              <a:rPr/>
-              <a:t> </a:t>
-            </a:r>
-            <a:r>
-              <a:rPr/>
-              <a:t>which</a:t>
-            </a:r>
-            <a:r>
-              <a:rPr/>
-              <a:t> </a:t>
-            </a:r>
-            <a:r>
-              <a:rPr/>
-              <a:t>variable(s)</a:t>
+              <a:t>should</a:t>
+            </a:r>
+            <a:r>
+              <a:rPr/>
+              <a:t> </a:t>
+            </a:r>
+            <a:r>
+              <a:rPr/>
+              <a:t>always</a:t>
+            </a:r>
+            <a:r>
+              <a:rPr/>
+              <a:t> </a:t>
+            </a:r>
+            <a:r>
+              <a:rPr/>
+              <a:t>ask</a:t>
+            </a:r>
+            <a:r>
+              <a:rPr/>
+              <a:t> </a:t>
+            </a:r>
+            <a:r>
+              <a:rPr/>
+              <a:t>when</a:t>
             </a:r>
             <a:r>
               <a:rPr/>
@@ -7871,341 +8739,39 @@
             </a:r>
             <a:r>
               <a:rPr/>
-              <a:t>want</a:t>
-            </a:r>
-            <a:r>
-              <a:rPr/>
-              <a:t> </a:t>
-            </a:r>
-            <a:r>
-              <a:rPr/>
-              <a:t>descriptive</a:t>
-            </a:r>
-            <a:r>
-              <a:rPr/>
-              <a:t> </a:t>
-            </a:r>
-            <a:r>
-              <a:rPr/>
-              <a:t>statistics</a:t>
-            </a:r>
-            <a:r>
-              <a:rPr/>
-              <a:t> </a:t>
-            </a:r>
-            <a:r>
-              <a:rPr/>
-              <a:t>on.</a:t>
-            </a:r>
-          </a:p>
-          <a:p>
-            <a:pPr lvl="0" marL="0" indent="0">
-              <a:buNone/>
-            </a:pPr>
-          </a:p>
-          <a:p>
-            <a:pPr lvl="0" marL="0" indent="0">
-              <a:buNone/>
-            </a:pPr>
-            <a:r>
-              <a:rPr/>
-              <a:t>This</a:t>
-            </a:r>
-            <a:r>
-              <a:rPr/>
-              <a:t> </a:t>
-            </a:r>
-            <a:r>
-              <a:rPr/>
-              <a:t>data</a:t>
-            </a:r>
-            <a:r>
-              <a:rPr/>
-              <a:t> </a:t>
-            </a:r>
-            <a:r>
-              <a:rPr/>
-              <a:t>set</a:t>
-            </a:r>
-            <a:r>
-              <a:rPr/>
-              <a:t> </a:t>
-            </a:r>
-            <a:r>
-              <a:rPr/>
-              <a:t>did</a:t>
-            </a:r>
-            <a:r>
-              <a:rPr/>
-              <a:t> </a:t>
-            </a:r>
-            <a:r>
-              <a:rPr/>
-              <a:t>not</a:t>
-            </a:r>
-            <a:r>
-              <a:rPr/>
-              <a:t> </a:t>
-            </a:r>
-            <a:r>
-              <a:rPr/>
-              <a:t>have</a:t>
-            </a:r>
-            <a:r>
-              <a:rPr/>
-              <a:t> </a:t>
-            </a:r>
-            <a:r>
-              <a:rPr/>
-              <a:t>a</a:t>
-            </a:r>
-            <a:r>
-              <a:rPr/>
-              <a:t> </a:t>
-            </a:r>
-            <a:r>
-              <a:rPr/>
-              <a:t>header,</a:t>
-            </a:r>
-            <a:r>
-              <a:rPr/>
-              <a:t> </a:t>
-            </a:r>
-            <a:r>
-              <a:rPr/>
-              <a:t>a</a:t>
-            </a:r>
-            <a:r>
-              <a:rPr/>
-              <a:t> </a:t>
-            </a:r>
-            <a:r>
-              <a:rPr/>
-              <a:t>line</a:t>
-            </a:r>
-            <a:r>
-              <a:rPr/>
-              <a:t> </a:t>
-            </a:r>
-            <a:r>
-              <a:rPr/>
-              <a:t>at</a:t>
-            </a:r>
-            <a:r>
-              <a:rPr/>
-              <a:t> </a:t>
-            </a:r>
-            <a:r>
-              <a:rPr/>
-              <a:t>the</a:t>
-            </a:r>
-            <a:r>
-              <a:rPr/>
-              <a:t> </a:t>
-            </a:r>
-            <a:r>
-              <a:rPr/>
-              <a:t>very</a:t>
-            </a:r>
-            <a:r>
-              <a:rPr/>
-              <a:t> </a:t>
-            </a:r>
-            <a:r>
-              <a:rPr/>
-              <a:t>top</a:t>
-            </a:r>
-            <a:r>
-              <a:rPr/>
-              <a:t> </a:t>
-            </a:r>
-            <a:r>
-              <a:rPr/>
-              <a:t>of</a:t>
-            </a:r>
-            <a:r>
-              <a:rPr/>
-              <a:t> </a:t>
-            </a:r>
-            <a:r>
-              <a:rPr/>
-              <a:t>the</a:t>
-            </a:r>
-            <a:r>
-              <a:rPr/>
-              <a:t> </a:t>
-            </a:r>
-            <a:r>
-              <a:rPr/>
-              <a:t>file</a:t>
-            </a:r>
-            <a:r>
-              <a:rPr/>
-              <a:t> </a:t>
-            </a:r>
-            <a:r>
-              <a:rPr/>
-              <a:t>that</a:t>
-            </a:r>
-            <a:r>
-              <a:rPr/>
-              <a:t> </a:t>
-            </a:r>
-            <a:r>
-              <a:rPr/>
-              <a:t>lists</a:t>
-            </a:r>
-            <a:r>
-              <a:rPr/>
-              <a:t> </a:t>
-            </a:r>
-            <a:r>
-              <a:rPr/>
-              <a:t>variable</a:t>
-            </a:r>
-            <a:r>
-              <a:rPr/>
-              <a:t> </a:t>
-            </a:r>
-            <a:r>
-              <a:rPr/>
-              <a:t>names.</a:t>
-            </a:r>
-            <a:r>
-              <a:rPr/>
-              <a:t> </a:t>
-            </a:r>
-            <a:r>
-              <a:rPr/>
-              <a:t>For</a:t>
-            </a:r>
-            <a:r>
-              <a:rPr/>
-              <a:t> </a:t>
-            </a:r>
-            <a:r>
-              <a:rPr/>
-              <a:t>files</a:t>
-            </a:r>
-            <a:r>
-              <a:rPr/>
-              <a:t> </a:t>
-            </a:r>
-            <a:r>
-              <a:rPr/>
-              <a:t>with</a:t>
-            </a:r>
-            <a:r>
-              <a:rPr/>
-              <a:t> </a:t>
-            </a:r>
-            <a:r>
-              <a:rPr/>
-              <a:t>a</a:t>
-            </a:r>
-            <a:r>
-              <a:rPr/>
-              <a:t> </a:t>
-            </a:r>
-            <a:r>
-              <a:rPr/>
-              <a:t>header,</a:t>
-            </a:r>
-            <a:r>
-              <a:rPr/>
-              <a:t> </a:t>
-            </a:r>
-            <a:r>
-              <a:rPr/>
-              <a:t>you</a:t>
-            </a:r>
-            <a:r>
-              <a:rPr/>
-              <a:t> </a:t>
-            </a:r>
-            <a:r>
-              <a:rPr/>
-              <a:t>should</a:t>
-            </a:r>
-            <a:r>
-              <a:rPr/>
-              <a:t> </a:t>
-            </a:r>
-            <a:r>
-              <a:rPr/>
-              <a:t>consider</a:t>
-            </a:r>
-            <a:r>
-              <a:rPr/>
-              <a:t> </a:t>
-            </a:r>
-            <a:r>
-              <a:rPr/>
-              <a:t>using</a:t>
-            </a:r>
-            <a:r>
-              <a:rPr/>
-              <a:t> </a:t>
-            </a:r>
-            <a:r>
-              <a:rPr/>
-              <a:t>the</a:t>
-            </a:r>
-            <a:r>
-              <a:rPr/>
-              <a:t> </a:t>
-            </a:r>
-            <a:r>
-              <a:rPr/>
-              <a:t>import</a:t>
-            </a:r>
-            <a:r>
-              <a:rPr/>
-              <a:t> </a:t>
-            </a:r>
-            <a:r>
-              <a:rPr/>
-              <a:t>procedure,</a:t>
-            </a:r>
-            <a:r>
-              <a:rPr/>
-              <a:t> </a:t>
-            </a:r>
-            <a:r>
-              <a:rPr/>
-              <a:t>which</a:t>
-            </a:r>
-            <a:r>
-              <a:rPr/>
-              <a:t> </a:t>
-            </a:r>
-            <a:r>
-              <a:rPr/>
-              <a:t>I</a:t>
-            </a:r>
-            <a:r>
-              <a:rPr/>
-              <a:t> </a:t>
-            </a:r>
-            <a:r>
-              <a:rPr/>
-              <a:t>will</a:t>
-            </a:r>
-            <a:r>
-              <a:rPr/>
-              <a:t> </a:t>
-            </a:r>
-            <a:r>
-              <a:rPr/>
-              <a:t>describe</a:t>
-            </a:r>
-            <a:r>
-              <a:rPr/>
-              <a:t> </a:t>
-            </a:r>
-            <a:r>
-              <a:rPr/>
-              <a:t>later.</a:t>
+              <a:t>see</a:t>
+            </a:r>
+            <a:r>
+              <a:rPr/>
+              <a:t> </a:t>
+            </a:r>
+            <a:r>
+              <a:rPr/>
+              <a:t>something</a:t>
+            </a:r>
+            <a:r>
+              <a:rPr/>
+              <a:t> </a:t>
+            </a:r>
+            <a:r>
+              <a:rPr/>
+              <a:t>unusual</a:t>
+            </a:r>
+            <a:r>
+              <a:rPr/>
+              <a:t> </a:t>
+            </a:r>
+            <a:r>
+              <a:rPr/>
+              <a:t>like</a:t>
+            </a:r>
+            <a:r>
+              <a:rPr/>
+              <a:t> </a:t>
+            </a:r>
+            <a:r>
+              <a:rPr/>
+              <a:t>this.</a:t>
             </a:r>
           </a:p>
         </p:txBody>
@@ -8228,6 +8794,168 @@
             <a:fld id="{18BDFEC3-8487-43E8-A154-7C12CBC1FFF2}" type="slidenum">
               <a:rPr lang="en-US"/>
               <a:t>9</a:t>
+            </a:fld>
+            <a:endParaRPr lang="en-US"/>
+          </a:p>
+        </p:txBody>
+      </p:sp>
+    </p:spTree>
+  </p:cSld>
+</p:notes>
+</file>
+
+<file path=ppt/notesSlides/notesSlide9.xml><?xml version="1.0" encoding="utf-8"?>
+<p:notes xmlns:a="http://schemas.openxmlformats.org/drawingml/2006/main" xmlns:r="http://schemas.openxmlformats.org/officeDocument/2006/relationships" xmlns:p="http://schemas.openxmlformats.org/presentationml/2006/main">
+  <p:cSld>
+    <p:spTree>
+      <p:nvGrpSpPr>
+        <p:cNvPr id="1" name=""/>
+        <p:cNvGrpSpPr/>
+        <p:nvPr/>
+      </p:nvGrpSpPr>
+      <p:grpSpPr>
+        <a:xfrm>
+          <a:off x="0" y="0"/>
+          <a:ext cx="0" cy="0"/>
+          <a:chOff x="0" y="0"/>
+          <a:chExt cx="0" cy="0"/>
+        </a:xfrm>
+      </p:grpSpPr>
+      <p:sp>
+        <p:nvSpPr>
+          <p:cNvPr id="2" name="Slide Image Placeholder 1"/>
+          <p:cNvSpPr>
+            <a:spLocks noGrp="1" noRot="1" noChangeAspect="1"/>
+          </p:cNvSpPr>
+          <p:nvPr>
+            <p:ph type="sldImg"/>
+          </p:nvPr>
+        </p:nvSpPr>
+        <p:spPr/>
+      </p:sp>
+      <p:sp>
+        <p:nvSpPr>
+          <p:cNvPr id="3" name="Notes Placeholder 2"/>
+          <p:cNvSpPr>
+            <a:spLocks noGrp="1"/>
+          </p:cNvSpPr>
+          <p:nvPr>
+            <p:ph type="body" idx="1"/>
+          </p:nvPr>
+        </p:nvSpPr>
+        <p:spPr/>
+        <p:txBody>
+          <a:bodyPr/>
+          <a:lstStyle/>
+          <a:p>
+            <a:pPr lvl="0" marL="0" indent="0">
+              <a:buNone/>
+            </a:pPr>
+            <a:r>
+              <a:rPr/>
+              <a:t>To</a:t>
+            </a:r>
+            <a:r>
+              <a:rPr/>
+              <a:t> </a:t>
+            </a:r>
+            <a:r>
+              <a:rPr/>
+              <a:t>investigate</a:t>
+            </a:r>
+            <a:r>
+              <a:rPr/>
+              <a:t> </a:t>
+            </a:r>
+            <a:r>
+              <a:rPr/>
+              <a:t>further,</a:t>
+            </a:r>
+            <a:r>
+              <a:rPr/>
+              <a:t> </a:t>
+            </a:r>
+            <a:r>
+              <a:rPr/>
+              <a:t>sort</a:t>
+            </a:r>
+            <a:r>
+              <a:rPr/>
+              <a:t> </a:t>
+            </a:r>
+            <a:r>
+              <a:rPr/>
+              <a:t>the</a:t>
+            </a:r>
+            <a:r>
+              <a:rPr/>
+              <a:t> </a:t>
+            </a:r>
+            <a:r>
+              <a:rPr/>
+              <a:t>data</a:t>
+            </a:r>
+            <a:r>
+              <a:rPr/>
+              <a:t> </a:t>
+            </a:r>
+            <a:r>
+              <a:rPr/>
+              <a:t>and</a:t>
+            </a:r>
+            <a:r>
+              <a:rPr/>
+              <a:t> </a:t>
+            </a:r>
+            <a:r>
+              <a:rPr/>
+              <a:t>print</a:t>
+            </a:r>
+            <a:r>
+              <a:rPr/>
+              <a:t> </a:t>
+            </a:r>
+            <a:r>
+              <a:rPr/>
+              <a:t>the</a:t>
+            </a:r>
+            <a:r>
+              <a:rPr/>
+              <a:t> </a:t>
+            </a:r>
+            <a:r>
+              <a:rPr/>
+              <a:t>first</a:t>
+            </a:r>
+            <a:r>
+              <a:rPr/>
+              <a:t> </a:t>
+            </a:r>
+            <a:r>
+              <a:rPr/>
+              <a:t>observation.</a:t>
+            </a:r>
+          </a:p>
+        </p:txBody>
+      </p:sp>
+      <p:sp>
+        <p:nvSpPr>
+          <p:cNvPr id="4" name="Slide Number Placeholder 3"/>
+          <p:cNvSpPr>
+            <a:spLocks noGrp="1"/>
+          </p:cNvSpPr>
+          <p:nvPr>
+            <p:ph type="sldNum" sz="quarter" idx="10"/>
+          </p:nvPr>
+        </p:nvSpPr>
+        <p:spPr/>
+        <p:txBody>
+          <a:bodyPr/>
+          <a:lstStyle/>
+          <a:p>
+            <a:fld id="{18BDFEC3-8487-43E8-A154-7C12CBC1FFF2}" type="slidenum">
+              <a:rPr lang="en-US"/>
+              <a:t>10</a:t>
             </a:fld>
             <a:endParaRPr lang="en-US"/>
           </a:p>
@@ -11325,7 +12053,7 @@
 </p:sld>
 </file>
 
-<file path=ppt/slides/slide2.xml><?xml version="1.0" encoding="utf-8"?>
+<file path=ppt/slides/slide10.xml><?xml version="1.0" encoding="utf-8"?>
 <p:sld xmlns:a="http://schemas.openxmlformats.org/drawingml/2006/main" xmlns:r="http://schemas.openxmlformats.org/officeDocument/2006/relationships" xmlns:p="http://schemas.openxmlformats.org/presentationml/2006/main">
   <p:cSld>
     <p:spTree>
@@ -11362,7 +12090,7 @@
             </a:pPr>
             <a:r>
               <a:rPr/>
-              <a:t>read-fat-data.sas,</a:t>
+              <a:t>code-03-01-readfat-data.sas,</a:t>
             </a:r>
             <a:r>
               <a:rPr/>
@@ -11378,7 +12106,7 @@
             </a:r>
             <a:r>
               <a:rPr/>
-              <a:t>1</a:t>
+              <a:t>7</a:t>
             </a:r>
           </a:p>
         </p:txBody>
@@ -11405,13 +12133,14 @@
               <a:rPr sz="1800">
                 <a:latin typeface="Courier"/>
               </a:rPr>
-              <a:t>* code-03-01-read-fat-data.sas
-  written by Steve Simon
-  2020-09-28;
-* Note: The options statement below insures that 
-  my output will fit easily on a PowerPont slide.
-  You should not use this option for your work;
-options papersize=(8in 4in) nodate;</a:t>
+              <a:t>proc sort
+    data=intro.fat;
+  by ht;
+run;
+proc print
+    data=intro.fat(obs=1);
+  title1 "The row with the smallest ht";
+run;</a:t>
             </a:r>
           </a:p>
         </p:txBody>
@@ -11421,7 +12150,7 @@
 </p:sld>
 </file>
 
-<file path=ppt/slides/slide3.xml><?xml version="1.0" encoding="utf-8"?>
+<file path=ppt/slides/slide11.xml><?xml version="1.0" encoding="utf-8"?>
 <p:sld xmlns:a="http://schemas.openxmlformats.org/drawingml/2006/main" xmlns:r="http://schemas.openxmlformats.org/officeDocument/2006/relationships" xmlns:p="http://schemas.openxmlformats.org/presentationml/2006/main">
   <p:cSld>
     <p:spTree>
@@ -11458,111 +12187,23 @@
             </a:pPr>
             <a:r>
               <a:rPr/>
-              <a:t>read-fat-data.sas,</a:t>
-            </a:r>
-            <a:r>
-              <a:rPr/>
-              <a:t> </a:t>
-            </a:r>
-            <a:r>
-              <a:rPr/>
-              <a:t>part</a:t>
-            </a:r>
-            <a:r>
-              <a:rPr/>
-              <a:t> </a:t>
-            </a:r>
-            <a:r>
-              <a:rPr/>
-              <a:t>2</a:t>
-            </a:r>
-          </a:p>
-        </p:txBody>
-      </p:sp>
-      <p:sp>
-        <p:nvSpPr>
-          <p:cNvPr id="3" name="Content Placeholder 2"/>
-          <p:cNvSpPr>
-            <a:spLocks noGrp="1"/>
-          </p:cNvSpPr>
-          <p:nvPr>
-            <p:ph idx="1"/>
-          </p:nvPr>
-        </p:nvSpPr>
-        <p:spPr/>
-        <p:txBody>
-          <a:bodyPr/>
-          <a:lstStyle/>
-          <a:p>
-            <a:pPr lvl="0" marL="1270000" indent="0">
-              <a:buNone/>
-            </a:pPr>
-            <a:r>
-              <a:rPr sz="1800">
-                <a:latin typeface="Courier"/>
-              </a:rPr>
-              <a:t>filename fat
-  "q:/5507/module03/data/fat.txt";
-libname intro
-  "q:/5507/module03/data";
-* You should use "ods pdf file="your-name.pdf";
-ods printer printer=png
-  file="q:/5507/module03/results/code-03-01.png";</a:t>
-            </a:r>
-          </a:p>
-        </p:txBody>
-      </p:sp>
-    </p:spTree>
-  </p:cSld>
-</p:sld>
-</file>
-
-<file path=ppt/slides/slide4.xml><?xml version="1.0" encoding="utf-8"?>
-<p:sld xmlns:a="http://schemas.openxmlformats.org/drawingml/2006/main" xmlns:r="http://schemas.openxmlformats.org/officeDocument/2006/relationships" xmlns:p="http://schemas.openxmlformats.org/presentationml/2006/main">
-  <p:cSld>
-    <p:spTree>
-      <p:nvGrpSpPr>
-        <p:cNvPr id="1" name=""/>
-        <p:cNvGrpSpPr/>
-        <p:nvPr/>
-      </p:nvGrpSpPr>
-      <p:grpSpPr>
-        <a:xfrm>
-          <a:off x="0" y="0"/>
-          <a:ext cx="0" cy="0"/>
-          <a:chOff x="0" y="0"/>
-          <a:chExt cx="0" cy="0"/>
-        </a:xfrm>
-      </p:grpSpPr>
-      <p:sp>
-        <p:nvSpPr>
-          <p:cNvPr id="2" name="Title 1"/>
-          <p:cNvSpPr>
-            <a:spLocks noGrp="1"/>
-          </p:cNvSpPr>
-          <p:nvPr>
-            <p:ph type="title"/>
-          </p:nvPr>
-        </p:nvSpPr>
-        <p:spPr/>
-        <p:txBody>
-          <a:bodyPr/>
-          <a:lstStyle/>
-          <a:p>
-            <a:pPr lvl="0" marL="0" indent="0">
-              <a:buNone/>
-            </a:pPr>
-            <a:r>
-              <a:rPr/>
-              <a:t>read-fat-data.sas,</a:t>
-            </a:r>
-            <a:r>
-              <a:rPr/>
-              <a:t> </a:t>
-            </a:r>
-            <a:r>
-              <a:rPr/>
-              <a:t>part</a:t>
+              <a:t>code-03-01-readfat-data.sas,</a:t>
+            </a:r>
+            <a:r>
+              <a:rPr/>
+              <a:t> </a:t>
+            </a:r>
+            <a:r>
+              <a:rPr/>
+              <a:t>ouptut</a:t>
+            </a:r>
+            <a:r>
+              <a:rPr/>
+              <a:t> </a:t>
+            </a:r>
+            <a:r>
+              <a:rPr/>
+              <a:t>page</a:t>
             </a:r>
             <a:r>
               <a:rPr/>
@@ -11571,306 +12212,13 @@
             <a:r>
               <a:rPr/>
               <a:t>3</a:t>
-            </a:r>
-          </a:p>
-        </p:txBody>
-      </p:sp>
-      <p:sp>
-        <p:nvSpPr>
-          <p:cNvPr id="3" name="Content Placeholder 2"/>
-          <p:cNvSpPr>
-            <a:spLocks noGrp="1"/>
-          </p:cNvSpPr>
-          <p:nvPr>
-            <p:ph idx="1"/>
-          </p:nvPr>
-        </p:nvSpPr>
-        <p:spPr/>
-        <p:txBody>
-          <a:bodyPr/>
-          <a:lstStyle/>
-          <a:p>
-            <a:pPr lvl="0" marL="1270000" indent="0">
-              <a:buNone/>
-            </a:pPr>
-            <a:r>
-              <a:rPr sz="1800">
-                <a:latin typeface="Courier"/>
-              </a:rPr>
-              <a:t>data intro.fat;
-  infile fat delimiter=' ';
-  input 
-    case
-    fat_b
-    fat_s
-    dens
-    age
-    wt
-    ht
-    bmi
-    ffw
-    neck
-...</a:t>
-            </a:r>
-          </a:p>
-        </p:txBody>
-      </p:sp>
-    </p:spTree>
-  </p:cSld>
-</p:sld>
-</file>
-
-<file path=ppt/slides/slide5.xml><?xml version="1.0" encoding="utf-8"?>
-<p:sld xmlns:a="http://schemas.openxmlformats.org/drawingml/2006/main" xmlns:r="http://schemas.openxmlformats.org/officeDocument/2006/relationships" xmlns:p="http://schemas.openxmlformats.org/presentationml/2006/main">
-  <p:cSld>
-    <p:spTree>
-      <p:nvGrpSpPr>
-        <p:cNvPr id="1" name=""/>
-        <p:cNvGrpSpPr/>
-        <p:nvPr/>
-      </p:nvGrpSpPr>
-      <p:grpSpPr>
-        <a:xfrm>
-          <a:off x="0" y="0"/>
-          <a:ext cx="0" cy="0"/>
-          <a:chOff x="0" y="0"/>
-          <a:chExt cx="0" cy="0"/>
-        </a:xfrm>
-      </p:grpSpPr>
-      <p:sp>
-        <p:nvSpPr>
-          <p:cNvPr id="2" name="Title 1"/>
-          <p:cNvSpPr>
-            <a:spLocks noGrp="1"/>
-          </p:cNvSpPr>
-          <p:nvPr>
-            <p:ph type="title"/>
-          </p:nvPr>
-        </p:nvSpPr>
-        <p:spPr/>
-        <p:txBody>
-          <a:bodyPr/>
-          <a:lstStyle/>
-          <a:p>
-            <a:pPr lvl="0" marL="0" indent="0">
-              <a:buNone/>
-            </a:pPr>
-            <a:r>
-              <a:rPr/>
-              <a:t>read-fat-data.sas,</a:t>
-            </a:r>
-            <a:r>
-              <a:rPr/>
-              <a:t> </a:t>
-            </a:r>
-            <a:r>
-              <a:rPr/>
-              <a:t>part</a:t>
-            </a:r>
-            <a:r>
-              <a:rPr/>
-              <a:t> </a:t>
-            </a:r>
-            <a:r>
-              <a:rPr/>
-              <a:t>4</a:t>
-            </a:r>
-          </a:p>
-        </p:txBody>
-      </p:sp>
-      <p:sp>
-        <p:nvSpPr>
-          <p:cNvPr id="3" name="Content Placeholder 2"/>
-          <p:cNvSpPr>
-            <a:spLocks noGrp="1"/>
-          </p:cNvSpPr>
-          <p:nvPr>
-            <p:ph idx="1"/>
-          </p:nvPr>
-        </p:nvSpPr>
-        <p:spPr/>
-        <p:txBody>
-          <a:bodyPr/>
-          <a:lstStyle/>
-          <a:p>
-            <a:pPr lvl="0" marL="1270000" indent="0">
-              <a:buNone/>
-            </a:pPr>
-            <a:r>
-              <a:rPr sz="1800">
-                <a:latin typeface="Courier"/>
-              </a:rPr>
-              <a:t>  label
-    case="Case number"
-    fat_b="Percent body fat, Brozek's equation"
-    fat_s="Percent body fat, Siri's equation"
-    dens="Density"
-    age="Age (yrs)"
-    wt="Weight (lbs)"
-    ht="Height (inches)"
-    bmi="Adiposity index (kg/m^2)"
-    ffw="Fat Free Weight"
-    neck="Neck circumference (cm)"
-    chest="Chest circumference (cm)"
-    abdomen="Abdomen circumference (cm)"
-...</a:t>
-            </a:r>
-          </a:p>
-        </p:txBody>
-      </p:sp>
-    </p:spTree>
-  </p:cSld>
-</p:sld>
-</file>
-
-<file path=ppt/slides/slide6.xml><?xml version="1.0" encoding="utf-8"?>
-<p:sld xmlns:a="http://schemas.openxmlformats.org/drawingml/2006/main" xmlns:r="http://schemas.openxmlformats.org/officeDocument/2006/relationships" xmlns:p="http://schemas.openxmlformats.org/presentationml/2006/main">
-  <p:cSld>
-    <p:spTree>
-      <p:nvGrpSpPr>
-        <p:cNvPr id="1" name=""/>
-        <p:cNvGrpSpPr/>
-        <p:nvPr/>
-      </p:nvGrpSpPr>
-      <p:grpSpPr>
-        <a:xfrm>
-          <a:off x="0" y="0"/>
-          <a:ext cx="0" cy="0"/>
-          <a:chOff x="0" y="0"/>
-          <a:chExt cx="0" cy="0"/>
-        </a:xfrm>
-      </p:grpSpPr>
-      <p:sp>
-        <p:nvSpPr>
-          <p:cNvPr id="2" name="Title 1"/>
-          <p:cNvSpPr>
-            <a:spLocks noGrp="1"/>
-          </p:cNvSpPr>
-          <p:nvPr>
-            <p:ph type="title"/>
-          </p:nvPr>
-        </p:nvSpPr>
-        <p:spPr/>
-        <p:txBody>
-          <a:bodyPr/>
-          <a:lstStyle/>
-          <a:p>
-            <a:pPr lvl="0" marL="0" indent="0">
-              <a:buNone/>
-            </a:pPr>
-            <a:r>
-              <a:rPr/>
-              <a:t>read-fat-data.sas,</a:t>
-            </a:r>
-            <a:r>
-              <a:rPr/>
-              <a:t> </a:t>
-            </a:r>
-            <a:r>
-              <a:rPr/>
-              <a:t>part</a:t>
-            </a:r>
-            <a:r>
-              <a:rPr/>
-              <a:t> </a:t>
-            </a:r>
-            <a:r>
-              <a:rPr/>
-              <a:t>5</a:t>
-            </a:r>
-          </a:p>
-        </p:txBody>
-      </p:sp>
-      <p:sp>
-        <p:nvSpPr>
-          <p:cNvPr id="3" name="Content Placeholder 2"/>
-          <p:cNvSpPr>
-            <a:spLocks noGrp="1"/>
-          </p:cNvSpPr>
-          <p:nvPr>
-            <p:ph idx="1"/>
-          </p:nvPr>
-        </p:nvSpPr>
-        <p:spPr/>
-        <p:txBody>
-          <a:bodyPr/>
-          <a:lstStyle/>
-          <a:p>
-            <a:pPr lvl="0" marL="1270000" indent="0">
-              <a:buNone/>
-            </a:pPr>
-            <a:r>
-              <a:rPr sz="1800">
-                <a:latin typeface="Courier"/>
-              </a:rPr>
-              <a:t>proc print
-    data=intro.fat(obs=10);
-  var case fat_b fat_s dens age;
-  title1 "The first ten rows and five columns";
-  title2 "of the fat data set";
-run;</a:t>
-            </a:r>
-          </a:p>
-        </p:txBody>
-      </p:sp>
-    </p:spTree>
-  </p:cSld>
-</p:sld>
-</file>
-
-<file path=ppt/slides/slide7.xml><?xml version="1.0" encoding="utf-8"?>
-<p:sld xmlns:a="http://schemas.openxmlformats.org/drawingml/2006/main" xmlns:r="http://schemas.openxmlformats.org/officeDocument/2006/relationships" xmlns:p="http://schemas.openxmlformats.org/presentationml/2006/main">
-  <p:cSld>
-    <p:spTree>
-      <p:nvGrpSpPr>
-        <p:cNvPr id="1" name=""/>
-        <p:cNvGrpSpPr/>
-        <p:nvPr/>
-      </p:nvGrpSpPr>
-      <p:grpSpPr>
-        <a:xfrm>
-          <a:off x="0" y="0"/>
-          <a:ext cx="0" cy="0"/>
-          <a:chOff x="0" y="0"/>
-          <a:chExt cx="0" cy="0"/>
-        </a:xfrm>
-      </p:grpSpPr>
-      <p:sp>
-        <p:nvSpPr>
-          <p:cNvPr id="2" name="Title 1"/>
-          <p:cNvSpPr>
-            <a:spLocks noGrp="1"/>
-          </p:cNvSpPr>
-          <p:nvPr>
-            <p:ph type="title"/>
-          </p:nvPr>
-        </p:nvSpPr>
-        <p:spPr/>
-        <p:txBody>
-          <a:bodyPr/>
-          <a:lstStyle/>
-          <a:p>
-            <a:pPr lvl="0" marL="0" indent="0">
-              <a:buNone/>
-            </a:pPr>
-            <a:r>
-              <a:rPr/>
-              <a:t>read-fat-data.sas,</a:t>
-            </a:r>
-            <a:r>
-              <a:rPr/>
-              <a:t> </a:t>
-            </a:r>
-            <a:r>
-              <a:rPr/>
-              <a:t>ouptut</a:t>
             </a:r>
           </a:p>
         </p:txBody>
       </p:sp>
       <p:pic>
         <p:nvPicPr>
-          <p:cNvPr descr="../results/code-03-01-lecture.png" id="0" name="Picture 1"/>
+          <p:cNvPr descr="../results/code-03-03.png" id="0" name="Picture 1"/>
           <p:cNvPicPr>
             <a:picLocks noGrp="1" noChangeAspect="1"/>
           </p:cNvPicPr>
@@ -11923,6 +12271,639 @@
             </a:pPr>
             <a:r>
               <a:rPr/>
+              <a:t>Listing</a:t>
+            </a:r>
+            <a:r>
+              <a:rPr/>
+              <a:t> </a:t>
+            </a:r>
+            <a:r>
+              <a:rPr/>
+              <a:t>of</a:t>
+            </a:r>
+            <a:r>
+              <a:rPr/>
+              <a:t> </a:t>
+            </a:r>
+            <a:r>
+              <a:rPr/>
+              <a:t>outlier</a:t>
+            </a:r>
+          </a:p>
+        </p:txBody>
+      </p:sp>
+    </p:spTree>
+  </p:cSld>
+</p:sld>
+</file>
+
+<file path=ppt/slides/slide2.xml><?xml version="1.0" encoding="utf-8"?>
+<p:sld xmlns:a="http://schemas.openxmlformats.org/drawingml/2006/main" xmlns:r="http://schemas.openxmlformats.org/officeDocument/2006/relationships" xmlns:p="http://schemas.openxmlformats.org/presentationml/2006/main">
+  <p:cSld>
+    <p:spTree>
+      <p:nvGrpSpPr>
+        <p:cNvPr id="1" name=""/>
+        <p:cNvGrpSpPr/>
+        <p:nvPr/>
+      </p:nvGrpSpPr>
+      <p:grpSpPr>
+        <a:xfrm>
+          <a:off x="0" y="0"/>
+          <a:ext cx="0" cy="0"/>
+          <a:chOff x="0" y="0"/>
+          <a:chExt cx="0" cy="0"/>
+        </a:xfrm>
+      </p:grpSpPr>
+      <p:sp>
+        <p:nvSpPr>
+          <p:cNvPr id="2" name="Title 1"/>
+          <p:cNvSpPr>
+            <a:spLocks noGrp="1"/>
+          </p:cNvSpPr>
+          <p:nvPr>
+            <p:ph type="title"/>
+          </p:nvPr>
+        </p:nvSpPr>
+        <p:spPr/>
+        <p:txBody>
+          <a:bodyPr/>
+          <a:lstStyle/>
+          <a:p>
+            <a:pPr lvl="0" marL="0" indent="0">
+              <a:buNone/>
+            </a:pPr>
+            <a:r>
+              <a:rPr/>
+              <a:t>code-03-01-readfat-data.sas,</a:t>
+            </a:r>
+            <a:r>
+              <a:rPr/>
+              <a:t> </a:t>
+            </a:r>
+            <a:r>
+              <a:rPr/>
+              <a:t>part</a:t>
+            </a:r>
+            <a:r>
+              <a:rPr/>
+              <a:t> </a:t>
+            </a:r>
+            <a:r>
+              <a:rPr/>
+              <a:t>1</a:t>
+            </a:r>
+          </a:p>
+        </p:txBody>
+      </p:sp>
+      <p:sp>
+        <p:nvSpPr>
+          <p:cNvPr id="3" name="Content Placeholder 2"/>
+          <p:cNvSpPr>
+            <a:spLocks noGrp="1"/>
+          </p:cNvSpPr>
+          <p:nvPr>
+            <p:ph idx="1"/>
+          </p:nvPr>
+        </p:nvSpPr>
+        <p:spPr/>
+        <p:txBody>
+          <a:bodyPr/>
+          <a:lstStyle/>
+          <a:p>
+            <a:pPr lvl="0" marL="1270000" indent="0">
+              <a:buNone/>
+            </a:pPr>
+            <a:r>
+              <a:rPr sz="1800">
+                <a:latin typeface="Courier"/>
+              </a:rPr>
+              <a:t>* code-03-01-read-fat-data.sas
+  written by Steve Simon
+  2020-09-28;</a:t>
+            </a:r>
+          </a:p>
+        </p:txBody>
+      </p:sp>
+    </p:spTree>
+  </p:cSld>
+</p:sld>
+</file>
+
+<file path=ppt/slides/slide3.xml><?xml version="1.0" encoding="utf-8"?>
+<p:sld xmlns:a="http://schemas.openxmlformats.org/drawingml/2006/main" xmlns:r="http://schemas.openxmlformats.org/officeDocument/2006/relationships" xmlns:p="http://schemas.openxmlformats.org/presentationml/2006/main">
+  <p:cSld>
+    <p:spTree>
+      <p:nvGrpSpPr>
+        <p:cNvPr id="1" name=""/>
+        <p:cNvGrpSpPr/>
+        <p:nvPr/>
+      </p:nvGrpSpPr>
+      <p:grpSpPr>
+        <a:xfrm>
+          <a:off x="0" y="0"/>
+          <a:ext cx="0" cy="0"/>
+          <a:chOff x="0" y="0"/>
+          <a:chExt cx="0" cy="0"/>
+        </a:xfrm>
+      </p:grpSpPr>
+      <p:sp>
+        <p:nvSpPr>
+          <p:cNvPr id="2" name="Title 1"/>
+          <p:cNvSpPr>
+            <a:spLocks noGrp="1"/>
+          </p:cNvSpPr>
+          <p:nvPr>
+            <p:ph type="title"/>
+          </p:nvPr>
+        </p:nvSpPr>
+        <p:spPr/>
+        <p:txBody>
+          <a:bodyPr/>
+          <a:lstStyle/>
+          <a:p>
+            <a:pPr lvl="0" marL="0" indent="0">
+              <a:buNone/>
+            </a:pPr>
+            <a:r>
+              <a:rPr/>
+              <a:t>code-03-01-readfat-data.sas,</a:t>
+            </a:r>
+            <a:r>
+              <a:rPr/>
+              <a:t> </a:t>
+            </a:r>
+            <a:r>
+              <a:rPr/>
+              <a:t>part</a:t>
+            </a:r>
+            <a:r>
+              <a:rPr/>
+              <a:t> </a:t>
+            </a:r>
+            <a:r>
+              <a:rPr/>
+              <a:t>2</a:t>
+            </a:r>
+          </a:p>
+        </p:txBody>
+      </p:sp>
+      <p:sp>
+        <p:nvSpPr>
+          <p:cNvPr id="3" name="Content Placeholder 2"/>
+          <p:cNvSpPr>
+            <a:spLocks noGrp="1"/>
+          </p:cNvSpPr>
+          <p:nvPr>
+            <p:ph idx="1"/>
+          </p:nvPr>
+        </p:nvSpPr>
+        <p:spPr/>
+        <p:txBody>
+          <a:bodyPr/>
+          <a:lstStyle/>
+          <a:p>
+            <a:pPr lvl="0" marL="1270000" indent="0">
+              <a:buNone/>
+            </a:pPr>
+            <a:r>
+              <a:rPr sz="1800">
+                <a:latin typeface="Courier"/>
+              </a:rPr>
+              <a:t>filename fat
+  "q:/5507/module03/data/fat.txt";
+libname intro
+  "q:/5507/module03/data";</a:t>
+            </a:r>
+          </a:p>
+        </p:txBody>
+      </p:sp>
+    </p:spTree>
+  </p:cSld>
+</p:sld>
+</file>
+
+<file path=ppt/slides/slide4.xml><?xml version="1.0" encoding="utf-8"?>
+<p:sld xmlns:a="http://schemas.openxmlformats.org/drawingml/2006/main" xmlns:r="http://schemas.openxmlformats.org/officeDocument/2006/relationships" xmlns:p="http://schemas.openxmlformats.org/presentationml/2006/main">
+  <p:cSld>
+    <p:spTree>
+      <p:nvGrpSpPr>
+        <p:cNvPr id="1" name=""/>
+        <p:cNvGrpSpPr/>
+        <p:nvPr/>
+      </p:nvGrpSpPr>
+      <p:grpSpPr>
+        <a:xfrm>
+          <a:off x="0" y="0"/>
+          <a:ext cx="0" cy="0"/>
+          <a:chOff x="0" y="0"/>
+          <a:chExt cx="0" cy="0"/>
+        </a:xfrm>
+      </p:grpSpPr>
+      <p:sp>
+        <p:nvSpPr>
+          <p:cNvPr id="2" name="Title 1"/>
+          <p:cNvSpPr>
+            <a:spLocks noGrp="1"/>
+          </p:cNvSpPr>
+          <p:nvPr>
+            <p:ph type="title"/>
+          </p:nvPr>
+        </p:nvSpPr>
+        <p:spPr/>
+        <p:txBody>
+          <a:bodyPr/>
+          <a:lstStyle/>
+          <a:p>
+            <a:pPr lvl="0" marL="0" indent="0">
+              <a:buNone/>
+            </a:pPr>
+            <a:r>
+              <a:rPr/>
+              <a:t>code-03-01-readfat-data.sas,</a:t>
+            </a:r>
+            <a:r>
+              <a:rPr/>
+              <a:t> </a:t>
+            </a:r>
+            <a:r>
+              <a:rPr/>
+              <a:t>part</a:t>
+            </a:r>
+            <a:r>
+              <a:rPr/>
+              <a:t> </a:t>
+            </a:r>
+            <a:r>
+              <a:rPr/>
+              <a:t>3</a:t>
+            </a:r>
+          </a:p>
+        </p:txBody>
+      </p:sp>
+      <p:sp>
+        <p:nvSpPr>
+          <p:cNvPr id="3" name="Content Placeholder 2"/>
+          <p:cNvSpPr>
+            <a:spLocks noGrp="1"/>
+          </p:cNvSpPr>
+          <p:nvPr>
+            <p:ph idx="1"/>
+          </p:nvPr>
+        </p:nvSpPr>
+        <p:spPr/>
+        <p:txBody>
+          <a:bodyPr/>
+          <a:lstStyle/>
+          <a:p>
+            <a:pPr lvl="0" marL="1270000" indent="0">
+              <a:buNone/>
+            </a:pPr>
+            <a:r>
+              <a:rPr sz="1800">
+                <a:latin typeface="Courier"/>
+              </a:rPr>
+              <a:t>data intro.fat;
+  infile fat delimiter=' ';
+  input 
+    case
+    fat_b
+    fat_s
+    dens
+    age
+    wt
+    ht
+    bmi
+    ffw
+    neck
+...</a:t>
+            </a:r>
+          </a:p>
+        </p:txBody>
+      </p:sp>
+    </p:spTree>
+  </p:cSld>
+</p:sld>
+</file>
+
+<file path=ppt/slides/slide5.xml><?xml version="1.0" encoding="utf-8"?>
+<p:sld xmlns:a="http://schemas.openxmlformats.org/drawingml/2006/main" xmlns:r="http://schemas.openxmlformats.org/officeDocument/2006/relationships" xmlns:p="http://schemas.openxmlformats.org/presentationml/2006/main">
+  <p:cSld>
+    <p:spTree>
+      <p:nvGrpSpPr>
+        <p:cNvPr id="1" name=""/>
+        <p:cNvGrpSpPr/>
+        <p:nvPr/>
+      </p:nvGrpSpPr>
+      <p:grpSpPr>
+        <a:xfrm>
+          <a:off x="0" y="0"/>
+          <a:ext cx="0" cy="0"/>
+          <a:chOff x="0" y="0"/>
+          <a:chExt cx="0" cy="0"/>
+        </a:xfrm>
+      </p:grpSpPr>
+      <p:sp>
+        <p:nvSpPr>
+          <p:cNvPr id="2" name="Title 1"/>
+          <p:cNvSpPr>
+            <a:spLocks noGrp="1"/>
+          </p:cNvSpPr>
+          <p:nvPr>
+            <p:ph type="title"/>
+          </p:nvPr>
+        </p:nvSpPr>
+        <p:spPr/>
+        <p:txBody>
+          <a:bodyPr/>
+          <a:lstStyle/>
+          <a:p>
+            <a:pPr lvl="0" marL="0" indent="0">
+              <a:buNone/>
+            </a:pPr>
+            <a:r>
+              <a:rPr/>
+              <a:t>code-03-01-readfat-data.sas,</a:t>
+            </a:r>
+            <a:r>
+              <a:rPr/>
+              <a:t> </a:t>
+            </a:r>
+            <a:r>
+              <a:rPr/>
+              <a:t>part</a:t>
+            </a:r>
+            <a:r>
+              <a:rPr/>
+              <a:t> </a:t>
+            </a:r>
+            <a:r>
+              <a:rPr/>
+              <a:t>4</a:t>
+            </a:r>
+          </a:p>
+        </p:txBody>
+      </p:sp>
+      <p:sp>
+        <p:nvSpPr>
+          <p:cNvPr id="3" name="Content Placeholder 2"/>
+          <p:cNvSpPr>
+            <a:spLocks noGrp="1"/>
+          </p:cNvSpPr>
+          <p:nvPr>
+            <p:ph idx="1"/>
+          </p:nvPr>
+        </p:nvSpPr>
+        <p:spPr/>
+        <p:txBody>
+          <a:bodyPr/>
+          <a:lstStyle/>
+          <a:p>
+            <a:pPr lvl="0" marL="1270000" indent="0">
+              <a:buNone/>
+            </a:pPr>
+            <a:r>
+              <a:rPr sz="1800">
+                <a:latin typeface="Courier"/>
+              </a:rPr>
+              <a:t>  label
+    case="Case number"
+    fat_b="Percent body fat, Brozek's equation"
+    fat_s="Percent body fat, Siri's equation"
+    dens="Density"
+    age="Age (yrs)"
+    wt="Weight (lbs)"
+    ht="Height (inches)"
+    bmi="Adiposity index (kg/m^2)"
+    ffw="Fat Free Weight"
+    neck="Neck circumference (cm)"
+    chest="Chest circumference (cm)"
+    abdomen="Abdomen circumference (cm)"
+...</a:t>
+            </a:r>
+          </a:p>
+        </p:txBody>
+      </p:sp>
+    </p:spTree>
+  </p:cSld>
+</p:sld>
+</file>
+
+<file path=ppt/slides/slide6.xml><?xml version="1.0" encoding="utf-8"?>
+<p:sld xmlns:a="http://schemas.openxmlformats.org/drawingml/2006/main" xmlns:r="http://schemas.openxmlformats.org/officeDocument/2006/relationships" xmlns:p="http://schemas.openxmlformats.org/presentationml/2006/main">
+  <p:cSld>
+    <p:spTree>
+      <p:nvGrpSpPr>
+        <p:cNvPr id="1" name=""/>
+        <p:cNvGrpSpPr/>
+        <p:nvPr/>
+      </p:nvGrpSpPr>
+      <p:grpSpPr>
+        <a:xfrm>
+          <a:off x="0" y="0"/>
+          <a:ext cx="0" cy="0"/>
+          <a:chOff x="0" y="0"/>
+          <a:chExt cx="0" cy="0"/>
+        </a:xfrm>
+      </p:grpSpPr>
+      <p:sp>
+        <p:nvSpPr>
+          <p:cNvPr id="2" name="Title 1"/>
+          <p:cNvSpPr>
+            <a:spLocks noGrp="1"/>
+          </p:cNvSpPr>
+          <p:nvPr>
+            <p:ph type="title"/>
+          </p:nvPr>
+        </p:nvSpPr>
+        <p:spPr/>
+        <p:txBody>
+          <a:bodyPr/>
+          <a:lstStyle/>
+          <a:p>
+            <a:pPr lvl="0" marL="0" indent="0">
+              <a:buNone/>
+            </a:pPr>
+            <a:r>
+              <a:rPr/>
+              <a:t>code-03-01-readfat-data.sas,</a:t>
+            </a:r>
+            <a:r>
+              <a:rPr/>
+              <a:t> </a:t>
+            </a:r>
+            <a:r>
+              <a:rPr/>
+              <a:t>part</a:t>
+            </a:r>
+            <a:r>
+              <a:rPr/>
+              <a:t> </a:t>
+            </a:r>
+            <a:r>
+              <a:rPr/>
+              <a:t>5</a:t>
+            </a:r>
+          </a:p>
+        </p:txBody>
+      </p:sp>
+      <p:sp>
+        <p:nvSpPr>
+          <p:cNvPr id="3" name="Content Placeholder 2"/>
+          <p:cNvSpPr>
+            <a:spLocks noGrp="1"/>
+          </p:cNvSpPr>
+          <p:nvPr>
+            <p:ph idx="1"/>
+          </p:nvPr>
+        </p:nvSpPr>
+        <p:spPr/>
+        <p:txBody>
+          <a:bodyPr/>
+          <a:lstStyle/>
+          <a:p>
+            <a:pPr lvl="0" marL="1270000" indent="0">
+              <a:buNone/>
+            </a:pPr>
+            <a:r>
+              <a:rPr sz="1800">
+                <a:latin typeface="Courier"/>
+              </a:rPr>
+              <a:t>proc print
+    data=intro.fat(obs=10);
+  var case fat_b fat_s dens age;
+  title1 "The first ten rows and five columns";
+  title2 "of the fat data set";
+run;</a:t>
+            </a:r>
+          </a:p>
+        </p:txBody>
+      </p:sp>
+    </p:spTree>
+  </p:cSld>
+</p:sld>
+</file>
+
+<file path=ppt/slides/slide7.xml><?xml version="1.0" encoding="utf-8"?>
+<p:sld xmlns:a="http://schemas.openxmlformats.org/drawingml/2006/main" xmlns:r="http://schemas.openxmlformats.org/officeDocument/2006/relationships" xmlns:p="http://schemas.openxmlformats.org/presentationml/2006/main">
+  <p:cSld>
+    <p:spTree>
+      <p:nvGrpSpPr>
+        <p:cNvPr id="1" name=""/>
+        <p:cNvGrpSpPr/>
+        <p:nvPr/>
+      </p:nvGrpSpPr>
+      <p:grpSpPr>
+        <a:xfrm>
+          <a:off x="0" y="0"/>
+          <a:ext cx="0" cy="0"/>
+          <a:chOff x="0" y="0"/>
+          <a:chExt cx="0" cy="0"/>
+        </a:xfrm>
+      </p:grpSpPr>
+      <p:sp>
+        <p:nvSpPr>
+          <p:cNvPr id="2" name="Title 1"/>
+          <p:cNvSpPr>
+            <a:spLocks noGrp="1"/>
+          </p:cNvSpPr>
+          <p:nvPr>
+            <p:ph type="title"/>
+          </p:nvPr>
+        </p:nvSpPr>
+        <p:spPr/>
+        <p:txBody>
+          <a:bodyPr/>
+          <a:lstStyle/>
+          <a:p>
+            <a:pPr lvl="0" marL="0" indent="0">
+              <a:buNone/>
+            </a:pPr>
+            <a:r>
+              <a:rPr/>
+              <a:t>code-03-01-readfat-data.sas,</a:t>
+            </a:r>
+            <a:r>
+              <a:rPr/>
+              <a:t> </a:t>
+            </a:r>
+            <a:r>
+              <a:rPr/>
+              <a:t>ouptut</a:t>
+            </a:r>
+            <a:r>
+              <a:rPr/>
+              <a:t> </a:t>
+            </a:r>
+            <a:r>
+              <a:rPr/>
+              <a:t>page</a:t>
+            </a:r>
+            <a:r>
+              <a:rPr/>
+              <a:t> </a:t>
+            </a:r>
+            <a:r>
+              <a:rPr/>
+              <a:t>1</a:t>
+            </a:r>
+          </a:p>
+        </p:txBody>
+      </p:sp>
+      <p:pic>
+        <p:nvPicPr>
+          <p:cNvPr descr="../results/code-03-01.png" id="0" name="Picture 1"/>
+          <p:cNvPicPr>
+            <a:picLocks noGrp="1" noChangeAspect="1"/>
+          </p:cNvPicPr>
+          <p:nvPr/>
+        </p:nvPicPr>
+        <p:blipFill>
+          <a:blip r:embed="rId3"/>
+          <a:stretch>
+            <a:fillRect/>
+          </a:stretch>
+        </p:blipFill>
+        <p:spPr bwMode="auto">
+          <a:xfrm>
+            <a:off x="558800" y="1600200"/>
+            <a:ext cx="8026400" cy="4013200"/>
+          </a:xfrm>
+          <a:prstGeom prst="rect">
+            <a:avLst/>
+          </a:prstGeom>
+          <a:noFill/>
+          <a:ln w="9525">
+            <a:noFill/>
+            <a:headEnd/>
+            <a:tailEnd/>
+          </a:ln>
+        </p:spPr>
+      </p:pic>
+      <p:sp>
+        <p:nvSpPr>
+          <p:cNvPr id="1" name="TextBox 3"/>
+          <p:cNvSpPr txBox="1"/>
+          <p:nvPr/>
+        </p:nvSpPr>
+        <p:spPr>
+          <a:xfrm>
+            <a:off x="457200" y="5613400"/>
+            <a:ext cx="8229600" cy="508000"/>
+          </a:xfrm>
+          <a:prstGeom prst="rect">
+            <a:avLst/>
+          </a:prstGeom>
+          <a:noFill/>
+        </p:spPr>
+        <p:txBody>
+          <a:bodyPr/>
+          <a:lstStyle/>
+          <a:p>
+            <a:pPr lvl="0" marL="0" indent="0" algn="ctr">
+              <a:buNone/>
+            </a:pPr>
+            <a:r>
+              <a:rPr/>
               <a:t>Ten</a:t>
             </a:r>
             <a:r>
@@ -12010,7 +12991,7 @@
             </a:pPr>
             <a:r>
               <a:rPr/>
-              <a:t>proc-means.sas,</a:t>
+              <a:t>code-03-01-readfat-data.sas,</a:t>
             </a:r>
             <a:r>
               <a:rPr/>
@@ -12026,7 +13007,7 @@
             </a:r>
             <a:r>
               <a:rPr/>
-              <a:t>1</a:t>
+              <a:t>6</a:t>
             </a:r>
           </a:p>
         </p:txBody>
@@ -12053,16 +13034,13 @@
               <a:rPr sz="1800">
                 <a:latin typeface="Courier"/>
               </a:rPr>
-              <a:t>* code-03-02-proc-means.sas
-  written by Steve Simon
-  2020-09-28;
-options papersize=(8in 4in) nodate;
-filename fat
-  "q:/5507/module03/data/fat.txt";
-libname intro
-  "q:/5507/module03/data";
-ods printer printer=png
-  file="q:/5507/module03/results/code-03-02.png";</a:t>
+              <a:t>proc means
+    n mean std min max
+    data=intro.fat;
+  var ht;
+  title1 "Simple descriptive statistics for ht";
+  title2 "Notice the unusual minimum value";
+run;</a:t>
             </a:r>
           </a:p>
         </p:txBody>
@@ -12109,15 +13087,23 @@
             </a:pPr>
             <a:r>
               <a:rPr/>
-              <a:t>read-fat-data.sas,</a:t>
-            </a:r>
-            <a:r>
-              <a:rPr/>
-              <a:t> </a:t>
-            </a:r>
-            <a:r>
-              <a:rPr/>
-              <a:t>part</a:t>
+              <a:t>code-03-01-readfat-data.sas,</a:t>
+            </a:r>
+            <a:r>
+              <a:rPr/>
+              <a:t> </a:t>
+            </a:r>
+            <a:r>
+              <a:rPr/>
+              <a:t>ouptut</a:t>
+            </a:r>
+            <a:r>
+              <a:rPr/>
+              <a:t> </a:t>
+            </a:r>
+            <a:r>
+              <a:rPr/>
+              <a:t>page</a:t>
             </a:r>
             <a:r>
               <a:rPr/>
@@ -12130,35 +13116,94 @@
           </a:p>
         </p:txBody>
       </p:sp>
+      <p:pic>
+        <p:nvPicPr>
+          <p:cNvPr descr="../results/code-03-02.png" id="0" name="Picture 1"/>
+          <p:cNvPicPr>
+            <a:picLocks noGrp="1" noChangeAspect="1"/>
+          </p:cNvPicPr>
+          <p:nvPr/>
+        </p:nvPicPr>
+        <p:blipFill>
+          <a:blip r:embed="rId3"/>
+          <a:stretch>
+            <a:fillRect/>
+          </a:stretch>
+        </p:blipFill>
+        <p:spPr bwMode="auto">
+          <a:xfrm>
+            <a:off x="558800" y="1600200"/>
+            <a:ext cx="8026400" cy="4013200"/>
+          </a:xfrm>
+          <a:prstGeom prst="rect">
+            <a:avLst/>
+          </a:prstGeom>
+          <a:noFill/>
+          <a:ln w="9525">
+            <a:noFill/>
+            <a:headEnd/>
+            <a:tailEnd/>
+          </a:ln>
+        </p:spPr>
+      </p:pic>
       <p:sp>
         <p:nvSpPr>
-          <p:cNvPr id="3" name="Content Placeholder 2"/>
-          <p:cNvSpPr>
-            <a:spLocks noGrp="1"/>
-          </p:cNvSpPr>
-          <p:nvPr>
-            <p:ph idx="1"/>
-          </p:nvPr>
+          <p:cNvPr id="1" name="TextBox 3"/>
+          <p:cNvSpPr txBox="1"/>
+          <p:nvPr/>
         </p:nvSpPr>
-        <p:spPr/>
+        <p:spPr>
+          <a:xfrm>
+            <a:off x="457200" y="5613400"/>
+            <a:ext cx="8229600" cy="508000"/>
+          </a:xfrm>
+          <a:prstGeom prst="rect">
+            <a:avLst/>
+          </a:prstGeom>
+          <a:noFill/>
+        </p:spPr>
         <p:txBody>
           <a:bodyPr/>
           <a:lstStyle/>
           <a:p>
-            <a:pPr lvl="0" marL="1270000" indent="0">
+            <a:pPr lvl="0" marL="0" indent="0" algn="ctr">
               <a:buNone/>
             </a:pPr>
             <a:r>
-              <a:rPr sz="1800">
-                <a:latin typeface="Courier"/>
-              </a:rPr>
-              <a:t>proc means
-    n mean std min max
-    data=intro.fat;
-  var ht;
-  title1 "Simple descriptive statistics for ht";
-  title2 "Notice the unusual minimum value";
-run;</a:t>
+              <a:rPr/>
+              <a:t>Descriptive</a:t>
+            </a:r>
+            <a:r>
+              <a:rPr/>
+              <a:t> </a:t>
+            </a:r>
+            <a:r>
+              <a:rPr/>
+              <a:t>statistics</a:t>
+            </a:r>
+            <a:r>
+              <a:rPr/>
+              <a:t> </a:t>
+            </a:r>
+            <a:r>
+              <a:rPr/>
+              <a:t>for</a:t>
+            </a:r>
+            <a:r>
+              <a:rPr/>
+              <a:t> </a:t>
+            </a:r>
+            <a:r>
+              <a:rPr/>
+              <a:t>patient</a:t>
+            </a:r>
+            <a:r>
+              <a:rPr/>
+              <a:t> </a:t>
+            </a:r>
+            <a:r>
+              <a:rPr/>
+              <a:t>height</a:t>
             </a:r>
           </a:p>
         </p:txBody>
